--- a/Sprint/Sprint 01/Model Sprint1.pptx
+++ b/Sprint/Sprint 01/Model Sprint1.pptx
@@ -5,10 +5,8 @@
     <p:sldMasterId id="2147483648" r:id="rId1"/>
   </p:sldMasterIdLst>
   <p:sldIdLst>
-    <p:sldId id="263" r:id="rId2"/>
-    <p:sldId id="264" r:id="rId3"/>
-    <p:sldId id="265" r:id="rId4"/>
-    <p:sldId id="266" r:id="rId5"/>
+    <p:sldId id="265" r:id="rId2"/>
+    <p:sldId id="266" r:id="rId3"/>
   </p:sldIdLst>
   <p:sldSz cx="12192000" cy="6858000"/>
   <p:notesSz cx="6858000" cy="9144000"/>
@@ -273,7 +271,7 @@
           <a:p>
             <a:fld id="{B31E3D85-A7E1-48A8-A6C3-EA09155FF9AE}" type="datetimeFigureOut">
               <a:rPr lang="it-IT" smtClean="0"/>
-              <a:t>18/04/20</a:t>
+              <a:t>19/04/20</a:t>
             </a:fld>
             <a:endParaRPr lang="it-IT"/>
           </a:p>
@@ -471,7 +469,7 @@
           <a:p>
             <a:fld id="{B31E3D85-A7E1-48A8-A6C3-EA09155FF9AE}" type="datetimeFigureOut">
               <a:rPr lang="it-IT" smtClean="0"/>
-              <a:t>18/04/20</a:t>
+              <a:t>19/04/20</a:t>
             </a:fld>
             <a:endParaRPr lang="it-IT"/>
           </a:p>
@@ -679,7 +677,7 @@
           <a:p>
             <a:fld id="{B31E3D85-A7E1-48A8-A6C3-EA09155FF9AE}" type="datetimeFigureOut">
               <a:rPr lang="it-IT" smtClean="0"/>
-              <a:t>18/04/20</a:t>
+              <a:t>19/04/20</a:t>
             </a:fld>
             <a:endParaRPr lang="it-IT"/>
           </a:p>
@@ -877,7 +875,7 @@
           <a:p>
             <a:fld id="{B31E3D85-A7E1-48A8-A6C3-EA09155FF9AE}" type="datetimeFigureOut">
               <a:rPr lang="it-IT" smtClean="0"/>
-              <a:t>18/04/20</a:t>
+              <a:t>19/04/20</a:t>
             </a:fld>
             <a:endParaRPr lang="it-IT"/>
           </a:p>
@@ -1152,7 +1150,7 @@
           <a:p>
             <a:fld id="{B31E3D85-A7E1-48A8-A6C3-EA09155FF9AE}" type="datetimeFigureOut">
               <a:rPr lang="it-IT" smtClean="0"/>
-              <a:t>18/04/20</a:t>
+              <a:t>19/04/20</a:t>
             </a:fld>
             <a:endParaRPr lang="it-IT"/>
           </a:p>
@@ -1417,7 +1415,7 @@
           <a:p>
             <a:fld id="{B31E3D85-A7E1-48A8-A6C3-EA09155FF9AE}" type="datetimeFigureOut">
               <a:rPr lang="it-IT" smtClean="0"/>
-              <a:t>18/04/20</a:t>
+              <a:t>19/04/20</a:t>
             </a:fld>
             <a:endParaRPr lang="it-IT"/>
           </a:p>
@@ -1829,7 +1827,7 @@
           <a:p>
             <a:fld id="{B31E3D85-A7E1-48A8-A6C3-EA09155FF9AE}" type="datetimeFigureOut">
               <a:rPr lang="it-IT" smtClean="0"/>
-              <a:t>18/04/20</a:t>
+              <a:t>19/04/20</a:t>
             </a:fld>
             <a:endParaRPr lang="it-IT"/>
           </a:p>
@@ -1970,7 +1968,7 @@
           <a:p>
             <a:fld id="{B31E3D85-A7E1-48A8-A6C3-EA09155FF9AE}" type="datetimeFigureOut">
               <a:rPr lang="it-IT" smtClean="0"/>
-              <a:t>18/04/20</a:t>
+              <a:t>19/04/20</a:t>
             </a:fld>
             <a:endParaRPr lang="it-IT"/>
           </a:p>
@@ -2083,7 +2081,7 @@
           <a:p>
             <a:fld id="{B31E3D85-A7E1-48A8-A6C3-EA09155FF9AE}" type="datetimeFigureOut">
               <a:rPr lang="it-IT" smtClean="0"/>
-              <a:t>18/04/20</a:t>
+              <a:t>19/04/20</a:t>
             </a:fld>
             <a:endParaRPr lang="it-IT"/>
           </a:p>
@@ -2394,7 +2392,7 @@
           <a:p>
             <a:fld id="{B31E3D85-A7E1-48A8-A6C3-EA09155FF9AE}" type="datetimeFigureOut">
               <a:rPr lang="it-IT" smtClean="0"/>
-              <a:t>18/04/20</a:t>
+              <a:t>19/04/20</a:t>
             </a:fld>
             <a:endParaRPr lang="it-IT"/>
           </a:p>
@@ -2682,7 +2680,7 @@
           <a:p>
             <a:fld id="{B31E3D85-A7E1-48A8-A6C3-EA09155FF9AE}" type="datetimeFigureOut">
               <a:rPr lang="it-IT" smtClean="0"/>
-              <a:t>18/04/20</a:t>
+              <a:t>19/04/20</a:t>
             </a:fld>
             <a:endParaRPr lang="it-IT"/>
           </a:p>
@@ -2923,7 +2921,7 @@
           <a:p>
             <a:fld id="{B31E3D85-A7E1-48A8-A6C3-EA09155FF9AE}" type="datetimeFigureOut">
               <a:rPr lang="it-IT" smtClean="0"/>
-              <a:t>18/04/20</a:t>
+              <a:t>19/04/20</a:t>
             </a:fld>
             <a:endParaRPr lang="it-IT"/>
           </a:p>
@@ -3324,6050 +3322,6 @@
 </file>
 
 <file path=ppt/slides/slide1.xml><?xml version="1.0" encoding="utf-8"?>
-<p:sld xmlns:a="http://schemas.openxmlformats.org/drawingml/2006/main" xmlns:r="http://schemas.openxmlformats.org/officeDocument/2006/relationships" xmlns:p="http://schemas.openxmlformats.org/presentationml/2006/main">
-  <p:cSld>
-    <p:spTree>
-      <p:nvGrpSpPr>
-        <p:cNvPr id="1" name=""/>
-        <p:cNvGrpSpPr/>
-        <p:nvPr/>
-      </p:nvGrpSpPr>
-      <p:grpSpPr>
-        <a:xfrm>
-          <a:off x="0" y="0"/>
-          <a:ext cx="0" cy="0"/>
-          <a:chOff x="0" y="0"/>
-          <a:chExt cx="0" cy="0"/>
-        </a:xfrm>
-      </p:grpSpPr>
-      <p:sp>
-        <p:nvSpPr>
-          <p:cNvPr id="10" name="Rettangolo con angoli arrotondati 9">
-            <a:extLst>
-              <a:ext uri="{FF2B5EF4-FFF2-40B4-BE49-F238E27FC236}">
-                <a16:creationId xmlns:a16="http://schemas.microsoft.com/office/drawing/2014/main" id="{010267D1-0731-4A4E-B44F-2399C389DBFB}"/>
-              </a:ext>
-            </a:extLst>
-          </p:cNvPr>
-          <p:cNvSpPr/>
-          <p:nvPr/>
-        </p:nvSpPr>
-        <p:spPr>
-          <a:xfrm>
-            <a:off x="426126" y="473219"/>
-            <a:ext cx="11339750" cy="6148634"/>
-          </a:xfrm>
-          <a:prstGeom prst="roundRect">
-            <a:avLst/>
-          </a:prstGeom>
-          <a:gradFill flip="none" rotWithShape="1">
-            <a:gsLst>
-              <a:gs pos="0">
-                <a:srgbClr val="00B0F0">
-                  <a:tint val="66000"/>
-                  <a:satMod val="160000"/>
-                </a:srgbClr>
-              </a:gs>
-              <a:gs pos="50000">
-                <a:srgbClr val="00B0F0">
-                  <a:tint val="44500"/>
-                  <a:satMod val="160000"/>
-                </a:srgbClr>
-              </a:gs>
-              <a:gs pos="100000">
-                <a:srgbClr val="00B0F0">
-                  <a:tint val="23500"/>
-                  <a:satMod val="160000"/>
-                </a:srgbClr>
-              </a:gs>
-            </a:gsLst>
-            <a:lin ang="16200000" scaled="1"/>
-            <a:tileRect/>
-          </a:gradFill>
-          <a:ln>
-            <a:solidFill>
-              <a:srgbClr val="0070C0"/>
-            </a:solidFill>
-          </a:ln>
-        </p:spPr>
-        <p:style>
-          <a:lnRef idx="0">
-            <a:schemeClr val="accent5"/>
-          </a:lnRef>
-          <a:fillRef idx="3">
-            <a:schemeClr val="accent5"/>
-          </a:fillRef>
-          <a:effectRef idx="3">
-            <a:schemeClr val="accent5"/>
-          </a:effectRef>
-          <a:fontRef idx="minor">
-            <a:schemeClr val="lt1"/>
-          </a:fontRef>
-        </p:style>
-        <p:txBody>
-          <a:bodyPr rtlCol="0" anchor="ctr"/>
-          <a:lstStyle/>
-          <a:p>
-            <a:pPr algn="ctr"/>
-            <a:endParaRPr lang="it-IT"/>
-          </a:p>
-        </p:txBody>
-      </p:sp>
-      <p:sp>
-        <p:nvSpPr>
-          <p:cNvPr id="11" name="Rettangolo 10">
-            <a:extLst>
-              <a:ext uri="{FF2B5EF4-FFF2-40B4-BE49-F238E27FC236}">
-                <a16:creationId xmlns:a16="http://schemas.microsoft.com/office/drawing/2014/main" id="{FF7596F2-122C-4301-A186-540627B3403D}"/>
-              </a:ext>
-            </a:extLst>
-          </p:cNvPr>
-          <p:cNvSpPr/>
-          <p:nvPr/>
-        </p:nvSpPr>
-        <p:spPr>
-          <a:xfrm>
-            <a:off x="4954126" y="463969"/>
-            <a:ext cx="2736376" cy="399496"/>
-          </a:xfrm>
-          <a:prstGeom prst="rect">
-            <a:avLst/>
-          </a:prstGeom>
-        </p:spPr>
-        <p:style>
-          <a:lnRef idx="2">
-            <a:schemeClr val="dk1"/>
-          </a:lnRef>
-          <a:fillRef idx="1">
-            <a:schemeClr val="lt1"/>
-          </a:fillRef>
-          <a:effectRef idx="0">
-            <a:schemeClr val="dk1"/>
-          </a:effectRef>
-          <a:fontRef idx="minor">
-            <a:schemeClr val="dk1"/>
-          </a:fontRef>
-        </p:style>
-        <p:txBody>
-          <a:bodyPr rtlCol="0" anchor="ctr"/>
-          <a:lstStyle/>
-          <a:p>
-            <a:pPr algn="ctr"/>
-            <a:r>
-              <a:rPr lang="it-IT" dirty="0"/>
-              <a:t>Contesto ctxRobotMind</a:t>
-            </a:r>
-          </a:p>
-        </p:txBody>
-      </p:sp>
-      <p:grpSp>
-        <p:nvGrpSpPr>
-          <p:cNvPr id="12" name="Gruppo 11">
-            <a:extLst>
-              <a:ext uri="{FF2B5EF4-FFF2-40B4-BE49-F238E27FC236}">
-                <a16:creationId xmlns:a16="http://schemas.microsoft.com/office/drawing/2014/main" id="{188031C3-90CB-403B-9ED1-2AE3F7B79EE7}"/>
-              </a:ext>
-            </a:extLst>
-          </p:cNvPr>
-          <p:cNvGrpSpPr/>
-          <p:nvPr/>
-        </p:nvGrpSpPr>
-        <p:grpSpPr>
-          <a:xfrm>
-            <a:off x="3473429" y="1250925"/>
-            <a:ext cx="1745203" cy="967667"/>
-            <a:chOff x="6736343" y="1517255"/>
-            <a:chExt cx="1745203" cy="967667"/>
-          </a:xfrm>
-        </p:grpSpPr>
-        <p:sp>
-          <p:nvSpPr>
-            <p:cNvPr id="13" name="Ovale 12">
-              <a:extLst>
-                <a:ext uri="{FF2B5EF4-FFF2-40B4-BE49-F238E27FC236}">
-                  <a16:creationId xmlns:a16="http://schemas.microsoft.com/office/drawing/2014/main" id="{06D50FD5-02DA-4E47-AF46-76F3CF9F06FB}"/>
-                </a:ext>
-              </a:extLst>
-            </p:cNvPr>
-            <p:cNvSpPr/>
-            <p:nvPr/>
-          </p:nvSpPr>
-          <p:spPr>
-            <a:xfrm>
-              <a:off x="7203161" y="1517255"/>
-              <a:ext cx="1278385" cy="967667"/>
-            </a:xfrm>
-            <a:prstGeom prst="ellipse">
-              <a:avLst/>
-            </a:prstGeom>
-            <a:gradFill flip="none" rotWithShape="1">
-              <a:gsLst>
-                <a:gs pos="0">
-                  <a:srgbClr val="FF0000">
-                    <a:tint val="66000"/>
-                    <a:satMod val="160000"/>
-                  </a:srgbClr>
-                </a:gs>
-                <a:gs pos="50000">
-                  <a:srgbClr val="FF0000">
-                    <a:tint val="44500"/>
-                    <a:satMod val="160000"/>
-                  </a:srgbClr>
-                </a:gs>
-                <a:gs pos="100000">
-                  <a:srgbClr val="FF0000">
-                    <a:tint val="23500"/>
-                    <a:satMod val="160000"/>
-                  </a:srgbClr>
-                </a:gs>
-              </a:gsLst>
-              <a:path path="circle">
-                <a:fillToRect t="100000" r="100000"/>
-              </a:path>
-              <a:tileRect l="-100000" b="-100000"/>
-            </a:gradFill>
-            <a:ln w="19050">
-              <a:solidFill>
-                <a:srgbClr val="C00000"/>
-              </a:solidFill>
-            </a:ln>
-          </p:spPr>
-          <p:style>
-            <a:lnRef idx="2">
-              <a:schemeClr val="accent1">
-                <a:shade val="50000"/>
-              </a:schemeClr>
-            </a:lnRef>
-            <a:fillRef idx="1">
-              <a:schemeClr val="accent1"/>
-            </a:fillRef>
-            <a:effectRef idx="0">
-              <a:schemeClr val="accent1"/>
-            </a:effectRef>
-            <a:fontRef idx="minor">
-              <a:schemeClr val="lt1"/>
-            </a:fontRef>
-          </p:style>
-          <p:txBody>
-            <a:bodyPr rtlCol="0" anchor="ctr"/>
-            <a:lstStyle/>
-            <a:p>
-              <a:pPr algn="ctr"/>
-              <a:r>
-                <a:rPr lang="it-IT" dirty="0">
-                  <a:solidFill>
-                    <a:schemeClr val="tx1"/>
-                  </a:solidFill>
-                </a:rPr>
-                <a:t>Basic robot</a:t>
-              </a:r>
-            </a:p>
-          </p:txBody>
-        </p:sp>
-        <p:sp>
-          <p:nvSpPr>
-            <p:cNvPr id="14" name="Rettangolo 13">
-              <a:extLst>
-                <a:ext uri="{FF2B5EF4-FFF2-40B4-BE49-F238E27FC236}">
-                  <a16:creationId xmlns:a16="http://schemas.microsoft.com/office/drawing/2014/main" id="{B57CDF73-4977-4C27-A4A0-9639B9361BFE}"/>
-                </a:ext>
-              </a:extLst>
-            </p:cNvPr>
-            <p:cNvSpPr/>
-            <p:nvPr/>
-          </p:nvSpPr>
-          <p:spPr>
-            <a:xfrm>
-              <a:off x="6982698" y="1761394"/>
-              <a:ext cx="220463" cy="390617"/>
-            </a:xfrm>
-            <a:prstGeom prst="rect">
-              <a:avLst/>
-            </a:prstGeom>
-            <a:gradFill flip="none" rotWithShape="1">
-              <a:gsLst>
-                <a:gs pos="0">
-                  <a:srgbClr val="7030A0">
-                    <a:tint val="66000"/>
-                    <a:satMod val="160000"/>
-                  </a:srgbClr>
-                </a:gs>
-                <a:gs pos="50000">
-                  <a:srgbClr val="7030A0">
-                    <a:tint val="44500"/>
-                    <a:satMod val="160000"/>
-                  </a:srgbClr>
-                </a:gs>
-                <a:gs pos="100000">
-                  <a:srgbClr val="7030A0">
-                    <a:tint val="23500"/>
-                    <a:satMod val="160000"/>
-                  </a:srgbClr>
-                </a:gs>
-              </a:gsLst>
-              <a:lin ang="16200000" scaled="1"/>
-              <a:tileRect/>
-            </a:gradFill>
-            <a:ln w="19050">
-              <a:solidFill>
-                <a:srgbClr val="7030A0"/>
-              </a:solidFill>
-            </a:ln>
-          </p:spPr>
-          <p:style>
-            <a:lnRef idx="2">
-              <a:schemeClr val="accent1">
-                <a:shade val="50000"/>
-              </a:schemeClr>
-            </a:lnRef>
-            <a:fillRef idx="1">
-              <a:schemeClr val="accent1"/>
-            </a:fillRef>
-            <a:effectRef idx="0">
-              <a:schemeClr val="accent1"/>
-            </a:effectRef>
-            <a:fontRef idx="minor">
-              <a:schemeClr val="lt1"/>
-            </a:fontRef>
-          </p:style>
-          <p:txBody>
-            <a:bodyPr rtlCol="0" anchor="ctr"/>
-            <a:lstStyle/>
-            <a:p>
-              <a:pPr algn="ctr"/>
-              <a:endParaRPr lang="it-IT"/>
-            </a:p>
-          </p:txBody>
-        </p:sp>
-        <p:sp>
-          <p:nvSpPr>
-            <p:cNvPr id="15" name="Rettangolo 14">
-              <a:extLst>
-                <a:ext uri="{FF2B5EF4-FFF2-40B4-BE49-F238E27FC236}">
-                  <a16:creationId xmlns:a16="http://schemas.microsoft.com/office/drawing/2014/main" id="{376CC9E4-1907-491C-B06F-84A055F8254A}"/>
-                </a:ext>
-              </a:extLst>
-            </p:cNvPr>
-            <p:cNvSpPr/>
-            <p:nvPr/>
-          </p:nvSpPr>
-          <p:spPr>
-            <a:xfrm>
-              <a:off x="6736343" y="1761394"/>
-              <a:ext cx="220463" cy="390617"/>
-            </a:xfrm>
-            <a:prstGeom prst="rect">
-              <a:avLst/>
-            </a:prstGeom>
-            <a:gradFill flip="none" rotWithShape="1">
-              <a:gsLst>
-                <a:gs pos="0">
-                  <a:srgbClr val="7030A0">
-                    <a:tint val="66000"/>
-                    <a:satMod val="160000"/>
-                  </a:srgbClr>
-                </a:gs>
-                <a:gs pos="50000">
-                  <a:srgbClr val="7030A0">
-                    <a:tint val="44500"/>
-                    <a:satMod val="160000"/>
-                  </a:srgbClr>
-                </a:gs>
-                <a:gs pos="100000">
-                  <a:srgbClr val="7030A0">
-                    <a:tint val="23500"/>
-                    <a:satMod val="160000"/>
-                  </a:srgbClr>
-                </a:gs>
-              </a:gsLst>
-              <a:lin ang="16200000" scaled="1"/>
-              <a:tileRect/>
-            </a:gradFill>
-            <a:ln w="19050">
-              <a:solidFill>
-                <a:srgbClr val="7030A0"/>
-              </a:solidFill>
-            </a:ln>
-          </p:spPr>
-          <p:style>
-            <a:lnRef idx="2">
-              <a:schemeClr val="accent1">
-                <a:shade val="50000"/>
-              </a:schemeClr>
-            </a:lnRef>
-            <a:fillRef idx="1">
-              <a:schemeClr val="accent1"/>
-            </a:fillRef>
-            <a:effectRef idx="0">
-              <a:schemeClr val="accent1"/>
-            </a:effectRef>
-            <a:fontRef idx="minor">
-              <a:schemeClr val="lt1"/>
-            </a:fontRef>
-          </p:style>
-          <p:txBody>
-            <a:bodyPr rtlCol="0" anchor="ctr"/>
-            <a:lstStyle/>
-            <a:p>
-              <a:pPr algn="ctr"/>
-              <a:endParaRPr lang="it-IT"/>
-            </a:p>
-          </p:txBody>
-        </p:sp>
-      </p:grpSp>
-      <p:grpSp>
-        <p:nvGrpSpPr>
-          <p:cNvPr id="22" name="Gruppo 21">
-            <a:extLst>
-              <a:ext uri="{FF2B5EF4-FFF2-40B4-BE49-F238E27FC236}">
-                <a16:creationId xmlns:a16="http://schemas.microsoft.com/office/drawing/2014/main" id="{F107565C-706D-4E40-BC5E-C9E276E53FED}"/>
-              </a:ext>
-            </a:extLst>
-          </p:cNvPr>
-          <p:cNvGrpSpPr/>
-          <p:nvPr/>
-        </p:nvGrpSpPr>
-        <p:grpSpPr>
-          <a:xfrm>
-            <a:off x="6922899" y="3179201"/>
-            <a:ext cx="1745203" cy="967667"/>
-            <a:chOff x="6736343" y="1517255"/>
-            <a:chExt cx="1745203" cy="967667"/>
-          </a:xfrm>
-        </p:grpSpPr>
-        <p:sp>
-          <p:nvSpPr>
-            <p:cNvPr id="23" name="Ovale 22">
-              <a:extLst>
-                <a:ext uri="{FF2B5EF4-FFF2-40B4-BE49-F238E27FC236}">
-                  <a16:creationId xmlns:a16="http://schemas.microsoft.com/office/drawing/2014/main" id="{296094CC-0644-41B3-9879-D4AEF6D68D50}"/>
-                </a:ext>
-              </a:extLst>
-            </p:cNvPr>
-            <p:cNvSpPr/>
-            <p:nvPr/>
-          </p:nvSpPr>
-          <p:spPr>
-            <a:xfrm>
-              <a:off x="7203161" y="1517255"/>
-              <a:ext cx="1278385" cy="967667"/>
-            </a:xfrm>
-            <a:prstGeom prst="ellipse">
-              <a:avLst/>
-            </a:prstGeom>
-            <a:gradFill flip="none" rotWithShape="1">
-              <a:gsLst>
-                <a:gs pos="0">
-                  <a:srgbClr val="FF0000">
-                    <a:tint val="66000"/>
-                    <a:satMod val="160000"/>
-                  </a:srgbClr>
-                </a:gs>
-                <a:gs pos="50000">
-                  <a:srgbClr val="FF0000">
-                    <a:tint val="44500"/>
-                    <a:satMod val="160000"/>
-                  </a:srgbClr>
-                </a:gs>
-                <a:gs pos="100000">
-                  <a:srgbClr val="FF0000">
-                    <a:tint val="23500"/>
-                    <a:satMod val="160000"/>
-                  </a:srgbClr>
-                </a:gs>
-              </a:gsLst>
-              <a:path path="circle">
-                <a:fillToRect t="100000" r="100000"/>
-              </a:path>
-              <a:tileRect l="-100000" b="-100000"/>
-            </a:gradFill>
-            <a:ln w="19050">
-              <a:solidFill>
-                <a:srgbClr val="C00000"/>
-              </a:solidFill>
-            </a:ln>
-          </p:spPr>
-          <p:style>
-            <a:lnRef idx="2">
-              <a:schemeClr val="accent1">
-                <a:shade val="50000"/>
-              </a:schemeClr>
-            </a:lnRef>
-            <a:fillRef idx="1">
-              <a:schemeClr val="accent1"/>
-            </a:fillRef>
-            <a:effectRef idx="0">
-              <a:schemeClr val="accent1"/>
-            </a:effectRef>
-            <a:fontRef idx="minor">
-              <a:schemeClr val="lt1"/>
-            </a:fontRef>
-          </p:style>
-          <p:txBody>
-            <a:bodyPr rtlCol="0" anchor="ctr"/>
-            <a:lstStyle/>
-            <a:p>
-              <a:pPr algn="ctr"/>
-              <a:r>
-                <a:rPr lang="it-IT" sz="1500" dirty="0">
-                  <a:solidFill>
-                    <a:schemeClr val="tx1"/>
-                  </a:solidFill>
-                </a:rPr>
-                <a:t>Resource model</a:t>
-              </a:r>
-            </a:p>
-          </p:txBody>
-        </p:sp>
-        <p:sp>
-          <p:nvSpPr>
-            <p:cNvPr id="24" name="Rettangolo 23">
-              <a:extLst>
-                <a:ext uri="{FF2B5EF4-FFF2-40B4-BE49-F238E27FC236}">
-                  <a16:creationId xmlns:a16="http://schemas.microsoft.com/office/drawing/2014/main" id="{56A2641F-398E-4041-88D4-B7400375EB9C}"/>
-                </a:ext>
-              </a:extLst>
-            </p:cNvPr>
-            <p:cNvSpPr/>
-            <p:nvPr/>
-          </p:nvSpPr>
-          <p:spPr>
-            <a:xfrm>
-              <a:off x="6982698" y="1761394"/>
-              <a:ext cx="220463" cy="390617"/>
-            </a:xfrm>
-            <a:prstGeom prst="rect">
-              <a:avLst/>
-            </a:prstGeom>
-            <a:gradFill flip="none" rotWithShape="1">
-              <a:gsLst>
-                <a:gs pos="0">
-                  <a:srgbClr val="7030A0">
-                    <a:tint val="66000"/>
-                    <a:satMod val="160000"/>
-                  </a:srgbClr>
-                </a:gs>
-                <a:gs pos="50000">
-                  <a:srgbClr val="7030A0">
-                    <a:tint val="44500"/>
-                    <a:satMod val="160000"/>
-                  </a:srgbClr>
-                </a:gs>
-                <a:gs pos="100000">
-                  <a:srgbClr val="7030A0">
-                    <a:tint val="23500"/>
-                    <a:satMod val="160000"/>
-                  </a:srgbClr>
-                </a:gs>
-              </a:gsLst>
-              <a:lin ang="16200000" scaled="1"/>
-              <a:tileRect/>
-            </a:gradFill>
-            <a:ln w="19050">
-              <a:solidFill>
-                <a:srgbClr val="7030A0"/>
-              </a:solidFill>
-            </a:ln>
-          </p:spPr>
-          <p:style>
-            <a:lnRef idx="2">
-              <a:schemeClr val="accent1">
-                <a:shade val="50000"/>
-              </a:schemeClr>
-            </a:lnRef>
-            <a:fillRef idx="1">
-              <a:schemeClr val="accent1"/>
-            </a:fillRef>
-            <a:effectRef idx="0">
-              <a:schemeClr val="accent1"/>
-            </a:effectRef>
-            <a:fontRef idx="minor">
-              <a:schemeClr val="lt1"/>
-            </a:fontRef>
-          </p:style>
-          <p:txBody>
-            <a:bodyPr rtlCol="0" anchor="ctr"/>
-            <a:lstStyle/>
-            <a:p>
-              <a:pPr algn="ctr"/>
-              <a:endParaRPr lang="it-IT"/>
-            </a:p>
-          </p:txBody>
-        </p:sp>
-        <p:sp>
-          <p:nvSpPr>
-            <p:cNvPr id="25" name="Rettangolo 24">
-              <a:extLst>
-                <a:ext uri="{FF2B5EF4-FFF2-40B4-BE49-F238E27FC236}">
-                  <a16:creationId xmlns:a16="http://schemas.microsoft.com/office/drawing/2014/main" id="{6D6982B9-4BCC-41D8-85E1-38FDB3ACDEB6}"/>
-                </a:ext>
-              </a:extLst>
-            </p:cNvPr>
-            <p:cNvSpPr/>
-            <p:nvPr/>
-          </p:nvSpPr>
-          <p:spPr>
-            <a:xfrm>
-              <a:off x="6736343" y="1761394"/>
-              <a:ext cx="220463" cy="390617"/>
-            </a:xfrm>
-            <a:prstGeom prst="rect">
-              <a:avLst/>
-            </a:prstGeom>
-            <a:gradFill flip="none" rotWithShape="1">
-              <a:gsLst>
-                <a:gs pos="0">
-                  <a:srgbClr val="7030A0">
-                    <a:tint val="66000"/>
-                    <a:satMod val="160000"/>
-                  </a:srgbClr>
-                </a:gs>
-                <a:gs pos="50000">
-                  <a:srgbClr val="7030A0">
-                    <a:tint val="44500"/>
-                    <a:satMod val="160000"/>
-                  </a:srgbClr>
-                </a:gs>
-                <a:gs pos="100000">
-                  <a:srgbClr val="7030A0">
-                    <a:tint val="23500"/>
-                    <a:satMod val="160000"/>
-                  </a:srgbClr>
-                </a:gs>
-              </a:gsLst>
-              <a:lin ang="16200000" scaled="1"/>
-              <a:tileRect/>
-            </a:gradFill>
-            <a:ln w="19050">
-              <a:solidFill>
-                <a:srgbClr val="7030A0"/>
-              </a:solidFill>
-            </a:ln>
-          </p:spPr>
-          <p:style>
-            <a:lnRef idx="2">
-              <a:schemeClr val="accent1">
-                <a:shade val="50000"/>
-              </a:schemeClr>
-            </a:lnRef>
-            <a:fillRef idx="1">
-              <a:schemeClr val="accent1"/>
-            </a:fillRef>
-            <a:effectRef idx="0">
-              <a:schemeClr val="accent1"/>
-            </a:effectRef>
-            <a:fontRef idx="minor">
-              <a:schemeClr val="lt1"/>
-            </a:fontRef>
-          </p:style>
-          <p:txBody>
-            <a:bodyPr rtlCol="0" anchor="ctr"/>
-            <a:lstStyle/>
-            <a:p>
-              <a:pPr algn="ctr"/>
-              <a:endParaRPr lang="it-IT"/>
-            </a:p>
-          </p:txBody>
-        </p:sp>
-      </p:grpSp>
-      <p:grpSp>
-        <p:nvGrpSpPr>
-          <p:cNvPr id="26" name="Gruppo 25">
-            <a:extLst>
-              <a:ext uri="{FF2B5EF4-FFF2-40B4-BE49-F238E27FC236}">
-                <a16:creationId xmlns:a16="http://schemas.microsoft.com/office/drawing/2014/main" id="{A4967B6D-10B6-4AFC-82CD-2896BF8F7207}"/>
-              </a:ext>
-            </a:extLst>
-          </p:cNvPr>
-          <p:cNvGrpSpPr/>
-          <p:nvPr/>
-        </p:nvGrpSpPr>
-        <p:grpSpPr>
-          <a:xfrm>
-            <a:off x="6063755" y="4804710"/>
-            <a:ext cx="1745203" cy="967667"/>
-            <a:chOff x="6736343" y="1517255"/>
-            <a:chExt cx="1745203" cy="967667"/>
-          </a:xfrm>
-        </p:grpSpPr>
-        <p:sp>
-          <p:nvSpPr>
-            <p:cNvPr id="27" name="Ovale 26">
-              <a:extLst>
-                <a:ext uri="{FF2B5EF4-FFF2-40B4-BE49-F238E27FC236}">
-                  <a16:creationId xmlns:a16="http://schemas.microsoft.com/office/drawing/2014/main" id="{E91EC129-7445-4613-828C-E940ADE26002}"/>
-                </a:ext>
-              </a:extLst>
-            </p:cNvPr>
-            <p:cNvSpPr/>
-            <p:nvPr/>
-          </p:nvSpPr>
-          <p:spPr>
-            <a:xfrm>
-              <a:off x="7203161" y="1517255"/>
-              <a:ext cx="1278385" cy="967667"/>
-            </a:xfrm>
-            <a:prstGeom prst="ellipse">
-              <a:avLst/>
-            </a:prstGeom>
-            <a:gradFill flip="none" rotWithShape="1">
-              <a:gsLst>
-                <a:gs pos="0">
-                  <a:srgbClr val="FF0000">
-                    <a:tint val="66000"/>
-                    <a:satMod val="160000"/>
-                  </a:srgbClr>
-                </a:gs>
-                <a:gs pos="50000">
-                  <a:srgbClr val="FF0000">
-                    <a:tint val="44500"/>
-                    <a:satMod val="160000"/>
-                  </a:srgbClr>
-                </a:gs>
-                <a:gs pos="100000">
-                  <a:srgbClr val="FF0000">
-                    <a:tint val="23500"/>
-                    <a:satMod val="160000"/>
-                  </a:srgbClr>
-                </a:gs>
-              </a:gsLst>
-              <a:path path="circle">
-                <a:fillToRect t="100000" r="100000"/>
-              </a:path>
-              <a:tileRect l="-100000" b="-100000"/>
-            </a:gradFill>
-            <a:ln w="19050">
-              <a:solidFill>
-                <a:srgbClr val="C00000"/>
-              </a:solidFill>
-            </a:ln>
-          </p:spPr>
-          <p:style>
-            <a:lnRef idx="2">
-              <a:schemeClr val="accent1">
-                <a:shade val="50000"/>
-              </a:schemeClr>
-            </a:lnRef>
-            <a:fillRef idx="1">
-              <a:schemeClr val="accent1"/>
-            </a:fillRef>
-            <a:effectRef idx="0">
-              <a:schemeClr val="accent1"/>
-            </a:effectRef>
-            <a:fontRef idx="minor">
-              <a:schemeClr val="lt1"/>
-            </a:fontRef>
-          </p:style>
-          <p:txBody>
-            <a:bodyPr rtlCol="0" anchor="ctr"/>
-            <a:lstStyle/>
-            <a:p>
-              <a:pPr algn="ctr"/>
-              <a:r>
-                <a:rPr lang="it-IT" sz="1600" dirty="0">
-                  <a:solidFill>
-                    <a:schemeClr val="tx1"/>
-                  </a:solidFill>
-                </a:rPr>
-                <a:t>OneCell forward</a:t>
-              </a:r>
-            </a:p>
-          </p:txBody>
-        </p:sp>
-        <p:sp>
-          <p:nvSpPr>
-            <p:cNvPr id="28" name="Rettangolo 27">
-              <a:extLst>
-                <a:ext uri="{FF2B5EF4-FFF2-40B4-BE49-F238E27FC236}">
-                  <a16:creationId xmlns:a16="http://schemas.microsoft.com/office/drawing/2014/main" id="{CD852A74-B180-40EA-B340-F85931F33718}"/>
-                </a:ext>
-              </a:extLst>
-            </p:cNvPr>
-            <p:cNvSpPr/>
-            <p:nvPr/>
-          </p:nvSpPr>
-          <p:spPr>
-            <a:xfrm>
-              <a:off x="6982698" y="1761394"/>
-              <a:ext cx="220463" cy="390617"/>
-            </a:xfrm>
-            <a:prstGeom prst="rect">
-              <a:avLst/>
-            </a:prstGeom>
-            <a:gradFill flip="none" rotWithShape="1">
-              <a:gsLst>
-                <a:gs pos="0">
-                  <a:srgbClr val="7030A0">
-                    <a:tint val="66000"/>
-                    <a:satMod val="160000"/>
-                  </a:srgbClr>
-                </a:gs>
-                <a:gs pos="50000">
-                  <a:srgbClr val="7030A0">
-                    <a:tint val="44500"/>
-                    <a:satMod val="160000"/>
-                  </a:srgbClr>
-                </a:gs>
-                <a:gs pos="100000">
-                  <a:srgbClr val="7030A0">
-                    <a:tint val="23500"/>
-                    <a:satMod val="160000"/>
-                  </a:srgbClr>
-                </a:gs>
-              </a:gsLst>
-              <a:lin ang="16200000" scaled="1"/>
-              <a:tileRect/>
-            </a:gradFill>
-            <a:ln w="19050">
-              <a:solidFill>
-                <a:srgbClr val="7030A0"/>
-              </a:solidFill>
-            </a:ln>
-          </p:spPr>
-          <p:style>
-            <a:lnRef idx="2">
-              <a:schemeClr val="accent1">
-                <a:shade val="50000"/>
-              </a:schemeClr>
-            </a:lnRef>
-            <a:fillRef idx="1">
-              <a:schemeClr val="accent1"/>
-            </a:fillRef>
-            <a:effectRef idx="0">
-              <a:schemeClr val="accent1"/>
-            </a:effectRef>
-            <a:fontRef idx="minor">
-              <a:schemeClr val="lt1"/>
-            </a:fontRef>
-          </p:style>
-          <p:txBody>
-            <a:bodyPr rtlCol="0" anchor="ctr"/>
-            <a:lstStyle/>
-            <a:p>
-              <a:pPr algn="ctr"/>
-              <a:endParaRPr lang="it-IT"/>
-            </a:p>
-          </p:txBody>
-        </p:sp>
-        <p:sp>
-          <p:nvSpPr>
-            <p:cNvPr id="29" name="Rettangolo 28">
-              <a:extLst>
-                <a:ext uri="{FF2B5EF4-FFF2-40B4-BE49-F238E27FC236}">
-                  <a16:creationId xmlns:a16="http://schemas.microsoft.com/office/drawing/2014/main" id="{4415461D-44F0-4FF7-AD21-C3FBEC32941D}"/>
-                </a:ext>
-              </a:extLst>
-            </p:cNvPr>
-            <p:cNvSpPr/>
-            <p:nvPr/>
-          </p:nvSpPr>
-          <p:spPr>
-            <a:xfrm>
-              <a:off x="6736343" y="1761394"/>
-              <a:ext cx="220463" cy="390617"/>
-            </a:xfrm>
-            <a:prstGeom prst="rect">
-              <a:avLst/>
-            </a:prstGeom>
-            <a:gradFill flip="none" rotWithShape="1">
-              <a:gsLst>
-                <a:gs pos="0">
-                  <a:srgbClr val="7030A0">
-                    <a:tint val="66000"/>
-                    <a:satMod val="160000"/>
-                  </a:srgbClr>
-                </a:gs>
-                <a:gs pos="50000">
-                  <a:srgbClr val="7030A0">
-                    <a:tint val="44500"/>
-                    <a:satMod val="160000"/>
-                  </a:srgbClr>
-                </a:gs>
-                <a:gs pos="100000">
-                  <a:srgbClr val="7030A0">
-                    <a:tint val="23500"/>
-                    <a:satMod val="160000"/>
-                  </a:srgbClr>
-                </a:gs>
-              </a:gsLst>
-              <a:lin ang="16200000" scaled="1"/>
-              <a:tileRect/>
-            </a:gradFill>
-            <a:ln w="19050">
-              <a:solidFill>
-                <a:srgbClr val="7030A0"/>
-              </a:solidFill>
-            </a:ln>
-          </p:spPr>
-          <p:style>
-            <a:lnRef idx="2">
-              <a:schemeClr val="accent1">
-                <a:shade val="50000"/>
-              </a:schemeClr>
-            </a:lnRef>
-            <a:fillRef idx="1">
-              <a:schemeClr val="accent1"/>
-            </a:fillRef>
-            <a:effectRef idx="0">
-              <a:schemeClr val="accent1"/>
-            </a:effectRef>
-            <a:fontRef idx="minor">
-              <a:schemeClr val="lt1"/>
-            </a:fontRef>
-          </p:style>
-          <p:txBody>
-            <a:bodyPr rtlCol="0" anchor="ctr"/>
-            <a:lstStyle/>
-            <a:p>
-              <a:pPr algn="ctr"/>
-              <a:endParaRPr lang="it-IT"/>
-            </a:p>
-          </p:txBody>
-        </p:sp>
-      </p:grpSp>
-      <p:grpSp>
-        <p:nvGrpSpPr>
-          <p:cNvPr id="30" name="Gruppo 29">
-            <a:extLst>
-              <a:ext uri="{FF2B5EF4-FFF2-40B4-BE49-F238E27FC236}">
-                <a16:creationId xmlns:a16="http://schemas.microsoft.com/office/drawing/2014/main" id="{99808BCE-A5F3-4FAE-9658-597FA4BDCB83}"/>
-              </a:ext>
-            </a:extLst>
-          </p:cNvPr>
-          <p:cNvGrpSpPr/>
-          <p:nvPr/>
-        </p:nvGrpSpPr>
-        <p:grpSpPr>
-          <a:xfrm>
-            <a:off x="8732062" y="1601616"/>
-            <a:ext cx="1745203" cy="967667"/>
-            <a:chOff x="6736343" y="1517255"/>
-            <a:chExt cx="1745203" cy="967667"/>
-          </a:xfrm>
-        </p:grpSpPr>
-        <p:sp>
-          <p:nvSpPr>
-            <p:cNvPr id="31" name="Ovale 30">
-              <a:extLst>
-                <a:ext uri="{FF2B5EF4-FFF2-40B4-BE49-F238E27FC236}">
-                  <a16:creationId xmlns:a16="http://schemas.microsoft.com/office/drawing/2014/main" id="{D7A41E9B-83C5-4763-AEB2-0A5FE59D6A74}"/>
-                </a:ext>
-              </a:extLst>
-            </p:cNvPr>
-            <p:cNvSpPr/>
-            <p:nvPr/>
-          </p:nvSpPr>
-          <p:spPr>
-            <a:xfrm>
-              <a:off x="7203161" y="1517255"/>
-              <a:ext cx="1278385" cy="967667"/>
-            </a:xfrm>
-            <a:prstGeom prst="ellipse">
-              <a:avLst/>
-            </a:prstGeom>
-            <a:gradFill flip="none" rotWithShape="1">
-              <a:gsLst>
-                <a:gs pos="0">
-                  <a:srgbClr val="FF0000">
-                    <a:tint val="66000"/>
-                    <a:satMod val="160000"/>
-                  </a:srgbClr>
-                </a:gs>
-                <a:gs pos="50000">
-                  <a:srgbClr val="FF0000">
-                    <a:tint val="44500"/>
-                    <a:satMod val="160000"/>
-                  </a:srgbClr>
-                </a:gs>
-                <a:gs pos="100000">
-                  <a:srgbClr val="FF0000">
-                    <a:tint val="23500"/>
-                    <a:satMod val="160000"/>
-                  </a:srgbClr>
-                </a:gs>
-              </a:gsLst>
-              <a:path path="circle">
-                <a:fillToRect t="100000" r="100000"/>
-              </a:path>
-              <a:tileRect l="-100000" b="-100000"/>
-            </a:gradFill>
-            <a:ln w="19050">
-              <a:solidFill>
-                <a:srgbClr val="C00000"/>
-              </a:solidFill>
-            </a:ln>
-          </p:spPr>
-          <p:style>
-            <a:lnRef idx="2">
-              <a:schemeClr val="accent1">
-                <a:shade val="50000"/>
-              </a:schemeClr>
-            </a:lnRef>
-            <a:fillRef idx="1">
-              <a:schemeClr val="accent1"/>
-            </a:fillRef>
-            <a:effectRef idx="0">
-              <a:schemeClr val="accent1"/>
-            </a:effectRef>
-            <a:fontRef idx="minor">
-              <a:schemeClr val="lt1"/>
-            </a:fontRef>
-          </p:style>
-          <p:txBody>
-            <a:bodyPr rtlCol="0" anchor="ctr"/>
-            <a:lstStyle/>
-            <a:p>
-              <a:pPr algn="ctr"/>
-              <a:r>
-                <a:rPr lang="it-IT" sz="1600" dirty="0">
-                  <a:solidFill>
-                    <a:schemeClr val="tx1"/>
-                  </a:solidFill>
-                </a:rPr>
-                <a:t>Sonar</a:t>
-              </a:r>
-            </a:p>
-            <a:p>
-              <a:pPr algn="ctr"/>
-              <a:r>
-                <a:rPr lang="it-IT" sz="1600" dirty="0">
-                  <a:solidFill>
-                    <a:schemeClr val="tx1"/>
-                  </a:solidFill>
-                </a:rPr>
-                <a:t>Handler</a:t>
-              </a:r>
-            </a:p>
-          </p:txBody>
-        </p:sp>
-        <p:sp>
-          <p:nvSpPr>
-            <p:cNvPr id="32" name="Rettangolo 31">
-              <a:extLst>
-                <a:ext uri="{FF2B5EF4-FFF2-40B4-BE49-F238E27FC236}">
-                  <a16:creationId xmlns:a16="http://schemas.microsoft.com/office/drawing/2014/main" id="{A31B9D26-6955-40C3-BFA7-BEA27A365EB6}"/>
-                </a:ext>
-              </a:extLst>
-            </p:cNvPr>
-            <p:cNvSpPr/>
-            <p:nvPr/>
-          </p:nvSpPr>
-          <p:spPr>
-            <a:xfrm>
-              <a:off x="6982698" y="1761394"/>
-              <a:ext cx="220463" cy="390617"/>
-            </a:xfrm>
-            <a:prstGeom prst="rect">
-              <a:avLst/>
-            </a:prstGeom>
-            <a:gradFill flip="none" rotWithShape="1">
-              <a:gsLst>
-                <a:gs pos="0">
-                  <a:srgbClr val="7030A0">
-                    <a:tint val="66000"/>
-                    <a:satMod val="160000"/>
-                  </a:srgbClr>
-                </a:gs>
-                <a:gs pos="50000">
-                  <a:srgbClr val="7030A0">
-                    <a:tint val="44500"/>
-                    <a:satMod val="160000"/>
-                  </a:srgbClr>
-                </a:gs>
-                <a:gs pos="100000">
-                  <a:srgbClr val="7030A0">
-                    <a:tint val="23500"/>
-                    <a:satMod val="160000"/>
-                  </a:srgbClr>
-                </a:gs>
-              </a:gsLst>
-              <a:lin ang="16200000" scaled="1"/>
-              <a:tileRect/>
-            </a:gradFill>
-            <a:ln w="19050">
-              <a:solidFill>
-                <a:srgbClr val="7030A0"/>
-              </a:solidFill>
-            </a:ln>
-          </p:spPr>
-          <p:style>
-            <a:lnRef idx="2">
-              <a:schemeClr val="accent1">
-                <a:shade val="50000"/>
-              </a:schemeClr>
-            </a:lnRef>
-            <a:fillRef idx="1">
-              <a:schemeClr val="accent1"/>
-            </a:fillRef>
-            <a:effectRef idx="0">
-              <a:schemeClr val="accent1"/>
-            </a:effectRef>
-            <a:fontRef idx="minor">
-              <a:schemeClr val="lt1"/>
-            </a:fontRef>
-          </p:style>
-          <p:txBody>
-            <a:bodyPr rtlCol="0" anchor="ctr"/>
-            <a:lstStyle/>
-            <a:p>
-              <a:pPr algn="ctr"/>
-              <a:endParaRPr lang="it-IT"/>
-            </a:p>
-          </p:txBody>
-        </p:sp>
-        <p:sp>
-          <p:nvSpPr>
-            <p:cNvPr id="33" name="Rettangolo 32">
-              <a:extLst>
-                <a:ext uri="{FF2B5EF4-FFF2-40B4-BE49-F238E27FC236}">
-                  <a16:creationId xmlns:a16="http://schemas.microsoft.com/office/drawing/2014/main" id="{8387D16D-1985-43C2-A19E-CD75EAF79660}"/>
-                </a:ext>
-              </a:extLst>
-            </p:cNvPr>
-            <p:cNvSpPr/>
-            <p:nvPr/>
-          </p:nvSpPr>
-          <p:spPr>
-            <a:xfrm>
-              <a:off x="6736343" y="1761394"/>
-              <a:ext cx="220463" cy="390617"/>
-            </a:xfrm>
-            <a:prstGeom prst="rect">
-              <a:avLst/>
-            </a:prstGeom>
-            <a:gradFill flip="none" rotWithShape="1">
-              <a:gsLst>
-                <a:gs pos="0">
-                  <a:srgbClr val="7030A0">
-                    <a:tint val="66000"/>
-                    <a:satMod val="160000"/>
-                  </a:srgbClr>
-                </a:gs>
-                <a:gs pos="50000">
-                  <a:srgbClr val="7030A0">
-                    <a:tint val="44500"/>
-                    <a:satMod val="160000"/>
-                  </a:srgbClr>
-                </a:gs>
-                <a:gs pos="100000">
-                  <a:srgbClr val="7030A0">
-                    <a:tint val="23500"/>
-                    <a:satMod val="160000"/>
-                  </a:srgbClr>
-                </a:gs>
-              </a:gsLst>
-              <a:lin ang="16200000" scaled="1"/>
-              <a:tileRect/>
-            </a:gradFill>
-            <a:ln w="19050">
-              <a:solidFill>
-                <a:srgbClr val="7030A0"/>
-              </a:solidFill>
-            </a:ln>
-          </p:spPr>
-          <p:style>
-            <a:lnRef idx="2">
-              <a:schemeClr val="accent1">
-                <a:shade val="50000"/>
-              </a:schemeClr>
-            </a:lnRef>
-            <a:fillRef idx="1">
-              <a:schemeClr val="accent1"/>
-            </a:fillRef>
-            <a:effectRef idx="0">
-              <a:schemeClr val="accent1"/>
-            </a:effectRef>
-            <a:fontRef idx="minor">
-              <a:schemeClr val="lt1"/>
-            </a:fontRef>
-          </p:style>
-          <p:txBody>
-            <a:bodyPr rtlCol="0" anchor="ctr"/>
-            <a:lstStyle/>
-            <a:p>
-              <a:pPr algn="ctr"/>
-              <a:endParaRPr lang="it-IT"/>
-            </a:p>
-          </p:txBody>
-        </p:sp>
-      </p:grpSp>
-      <p:grpSp>
-        <p:nvGrpSpPr>
-          <p:cNvPr id="34" name="Gruppo 33">
-            <a:extLst>
-              <a:ext uri="{FF2B5EF4-FFF2-40B4-BE49-F238E27FC236}">
-                <a16:creationId xmlns:a16="http://schemas.microsoft.com/office/drawing/2014/main" id="{A77921C9-D188-4FD7-BD44-583760D567C4}"/>
-              </a:ext>
-            </a:extLst>
-          </p:cNvPr>
-          <p:cNvGrpSpPr/>
-          <p:nvPr/>
-        </p:nvGrpSpPr>
-        <p:grpSpPr>
-          <a:xfrm>
-            <a:off x="1317379" y="3508899"/>
-            <a:ext cx="1745203" cy="967667"/>
-            <a:chOff x="6736343" y="1517255"/>
-            <a:chExt cx="1745203" cy="967667"/>
-          </a:xfrm>
-        </p:grpSpPr>
-        <p:sp>
-          <p:nvSpPr>
-            <p:cNvPr id="35" name="Ovale 34">
-              <a:extLst>
-                <a:ext uri="{FF2B5EF4-FFF2-40B4-BE49-F238E27FC236}">
-                  <a16:creationId xmlns:a16="http://schemas.microsoft.com/office/drawing/2014/main" id="{BDA3C26F-0C2F-4641-B17C-BF2BA82C6E0F}"/>
-                </a:ext>
-              </a:extLst>
-            </p:cNvPr>
-            <p:cNvSpPr/>
-            <p:nvPr/>
-          </p:nvSpPr>
-          <p:spPr>
-            <a:xfrm>
-              <a:off x="7203161" y="1517255"/>
-              <a:ext cx="1278385" cy="967667"/>
-            </a:xfrm>
-            <a:prstGeom prst="ellipse">
-              <a:avLst/>
-            </a:prstGeom>
-            <a:gradFill flip="none" rotWithShape="1">
-              <a:gsLst>
-                <a:gs pos="0">
-                  <a:srgbClr val="FF0000">
-                    <a:tint val="66000"/>
-                    <a:satMod val="160000"/>
-                  </a:srgbClr>
-                </a:gs>
-                <a:gs pos="50000">
-                  <a:srgbClr val="FF0000">
-                    <a:tint val="44500"/>
-                    <a:satMod val="160000"/>
-                  </a:srgbClr>
-                </a:gs>
-                <a:gs pos="100000">
-                  <a:srgbClr val="FF0000">
-                    <a:tint val="23500"/>
-                    <a:satMod val="160000"/>
-                  </a:srgbClr>
-                </a:gs>
-              </a:gsLst>
-              <a:path path="circle">
-                <a:fillToRect t="100000" r="100000"/>
-              </a:path>
-              <a:tileRect l="-100000" b="-100000"/>
-            </a:gradFill>
-            <a:ln w="19050">
-              <a:solidFill>
-                <a:srgbClr val="C00000"/>
-              </a:solidFill>
-            </a:ln>
-          </p:spPr>
-          <p:style>
-            <a:lnRef idx="2">
-              <a:schemeClr val="accent1">
-                <a:shade val="50000"/>
-              </a:schemeClr>
-            </a:lnRef>
-            <a:fillRef idx="1">
-              <a:schemeClr val="accent1"/>
-            </a:fillRef>
-            <a:effectRef idx="0">
-              <a:schemeClr val="accent1"/>
-            </a:effectRef>
-            <a:fontRef idx="minor">
-              <a:schemeClr val="lt1"/>
-            </a:fontRef>
-          </p:style>
-          <p:txBody>
-            <a:bodyPr rtlCol="0" anchor="ctr"/>
-            <a:lstStyle/>
-            <a:p>
-              <a:pPr algn="ctr"/>
-              <a:r>
-                <a:rPr lang="it-IT" sz="1200" dirty="0">
-                  <a:solidFill>
-                    <a:schemeClr val="tx1"/>
-                  </a:solidFill>
-                </a:rPr>
-                <a:t>Robotmind</a:t>
-              </a:r>
-            </a:p>
-            <a:p>
-              <a:pPr algn="ctr"/>
-              <a:r>
-                <a:rPr lang="it-IT" sz="1200" dirty="0">
-                  <a:solidFill>
-                    <a:schemeClr val="tx1"/>
-                  </a:solidFill>
-                </a:rPr>
-                <a:t>application</a:t>
-              </a:r>
-            </a:p>
-          </p:txBody>
-        </p:sp>
-        <p:sp>
-          <p:nvSpPr>
-            <p:cNvPr id="36" name="Rettangolo 35">
-              <a:extLst>
-                <a:ext uri="{FF2B5EF4-FFF2-40B4-BE49-F238E27FC236}">
-                  <a16:creationId xmlns:a16="http://schemas.microsoft.com/office/drawing/2014/main" id="{63B1EABA-9AEA-4207-984E-CECC2F0C4C72}"/>
-                </a:ext>
-              </a:extLst>
-            </p:cNvPr>
-            <p:cNvSpPr/>
-            <p:nvPr/>
-          </p:nvSpPr>
-          <p:spPr>
-            <a:xfrm>
-              <a:off x="6982698" y="1761394"/>
-              <a:ext cx="220463" cy="390617"/>
-            </a:xfrm>
-            <a:prstGeom prst="rect">
-              <a:avLst/>
-            </a:prstGeom>
-            <a:gradFill flip="none" rotWithShape="1">
-              <a:gsLst>
-                <a:gs pos="0">
-                  <a:srgbClr val="7030A0">
-                    <a:tint val="66000"/>
-                    <a:satMod val="160000"/>
-                  </a:srgbClr>
-                </a:gs>
-                <a:gs pos="50000">
-                  <a:srgbClr val="7030A0">
-                    <a:tint val="44500"/>
-                    <a:satMod val="160000"/>
-                  </a:srgbClr>
-                </a:gs>
-                <a:gs pos="100000">
-                  <a:srgbClr val="7030A0">
-                    <a:tint val="23500"/>
-                    <a:satMod val="160000"/>
-                  </a:srgbClr>
-                </a:gs>
-              </a:gsLst>
-              <a:lin ang="16200000" scaled="1"/>
-              <a:tileRect/>
-            </a:gradFill>
-            <a:ln w="19050">
-              <a:solidFill>
-                <a:srgbClr val="7030A0"/>
-              </a:solidFill>
-            </a:ln>
-          </p:spPr>
-          <p:style>
-            <a:lnRef idx="2">
-              <a:schemeClr val="accent1">
-                <a:shade val="50000"/>
-              </a:schemeClr>
-            </a:lnRef>
-            <a:fillRef idx="1">
-              <a:schemeClr val="accent1"/>
-            </a:fillRef>
-            <a:effectRef idx="0">
-              <a:schemeClr val="accent1"/>
-            </a:effectRef>
-            <a:fontRef idx="minor">
-              <a:schemeClr val="lt1"/>
-            </a:fontRef>
-          </p:style>
-          <p:txBody>
-            <a:bodyPr rtlCol="0" anchor="ctr"/>
-            <a:lstStyle/>
-            <a:p>
-              <a:pPr algn="ctr"/>
-              <a:endParaRPr lang="it-IT"/>
-            </a:p>
-          </p:txBody>
-        </p:sp>
-        <p:sp>
-          <p:nvSpPr>
-            <p:cNvPr id="37" name="Rettangolo 36">
-              <a:extLst>
-                <a:ext uri="{FF2B5EF4-FFF2-40B4-BE49-F238E27FC236}">
-                  <a16:creationId xmlns:a16="http://schemas.microsoft.com/office/drawing/2014/main" id="{979FBA40-2B55-446A-B6CF-17F147028547}"/>
-                </a:ext>
-              </a:extLst>
-            </p:cNvPr>
-            <p:cNvSpPr/>
-            <p:nvPr/>
-          </p:nvSpPr>
-          <p:spPr>
-            <a:xfrm>
-              <a:off x="6736343" y="1761394"/>
-              <a:ext cx="220463" cy="390617"/>
-            </a:xfrm>
-            <a:prstGeom prst="rect">
-              <a:avLst/>
-            </a:prstGeom>
-            <a:gradFill flip="none" rotWithShape="1">
-              <a:gsLst>
-                <a:gs pos="0">
-                  <a:srgbClr val="7030A0">
-                    <a:tint val="66000"/>
-                    <a:satMod val="160000"/>
-                  </a:srgbClr>
-                </a:gs>
-                <a:gs pos="50000">
-                  <a:srgbClr val="7030A0">
-                    <a:tint val="44500"/>
-                    <a:satMod val="160000"/>
-                  </a:srgbClr>
-                </a:gs>
-                <a:gs pos="100000">
-                  <a:srgbClr val="7030A0">
-                    <a:tint val="23500"/>
-                    <a:satMod val="160000"/>
-                  </a:srgbClr>
-                </a:gs>
-              </a:gsLst>
-              <a:lin ang="16200000" scaled="1"/>
-              <a:tileRect/>
-            </a:gradFill>
-            <a:ln w="19050">
-              <a:solidFill>
-                <a:srgbClr val="7030A0"/>
-              </a:solidFill>
-            </a:ln>
-          </p:spPr>
-          <p:style>
-            <a:lnRef idx="2">
-              <a:schemeClr val="accent1">
-                <a:shade val="50000"/>
-              </a:schemeClr>
-            </a:lnRef>
-            <a:fillRef idx="1">
-              <a:schemeClr val="accent1"/>
-            </a:fillRef>
-            <a:effectRef idx="0">
-              <a:schemeClr val="accent1"/>
-            </a:effectRef>
-            <a:fontRef idx="minor">
-              <a:schemeClr val="lt1"/>
-            </a:fontRef>
-          </p:style>
-          <p:txBody>
-            <a:bodyPr rtlCol="0" anchor="ctr"/>
-            <a:lstStyle/>
-            <a:p>
-              <a:pPr algn="ctr"/>
-              <a:endParaRPr lang="it-IT"/>
-            </a:p>
-          </p:txBody>
-        </p:sp>
-      </p:grpSp>
-      <p:cxnSp>
-        <p:nvCxnSpPr>
-          <p:cNvPr id="91" name="Connettore a gomito 90">
-            <a:extLst>
-              <a:ext uri="{FF2B5EF4-FFF2-40B4-BE49-F238E27FC236}">
-                <a16:creationId xmlns:a16="http://schemas.microsoft.com/office/drawing/2014/main" id="{3C863BFB-65F6-40F9-A824-F7EB4FDD5184}"/>
-              </a:ext>
-            </a:extLst>
-          </p:cNvPr>
-          <p:cNvCxnSpPr>
-            <a:cxnSpLocks/>
-            <a:stCxn id="35" idx="6"/>
-            <a:endCxn id="15" idx="1"/>
-          </p:cNvCxnSpPr>
-          <p:nvPr/>
-        </p:nvCxnSpPr>
-        <p:spPr>
-          <a:xfrm flipV="1">
-            <a:off x="3062582" y="1690373"/>
-            <a:ext cx="410847" cy="2302360"/>
-          </a:xfrm>
-          <a:prstGeom prst="bentConnector3">
-            <a:avLst>
-              <a:gd name="adj1" fmla="val 50000"/>
-            </a:avLst>
-          </a:prstGeom>
-          <a:ln>
-            <a:tailEnd type="triangle"/>
-          </a:ln>
-        </p:spPr>
-        <p:style>
-          <a:lnRef idx="1">
-            <a:schemeClr val="dk1"/>
-          </a:lnRef>
-          <a:fillRef idx="0">
-            <a:schemeClr val="dk1"/>
-          </a:fillRef>
-          <a:effectRef idx="0">
-            <a:schemeClr val="dk1"/>
-          </a:effectRef>
-          <a:fontRef idx="minor">
-            <a:schemeClr val="tx1"/>
-          </a:fontRef>
-        </p:style>
-      </p:cxnSp>
-      <p:sp>
-        <p:nvSpPr>
-          <p:cNvPr id="96" name="CasellaDiTesto 95">
-            <a:extLst>
-              <a:ext uri="{FF2B5EF4-FFF2-40B4-BE49-F238E27FC236}">
-                <a16:creationId xmlns:a16="http://schemas.microsoft.com/office/drawing/2014/main" id="{073ED177-EFF1-4C68-B1C8-27D31A6F660F}"/>
-              </a:ext>
-            </a:extLst>
-          </p:cNvPr>
-          <p:cNvSpPr txBox="1"/>
-          <p:nvPr/>
-        </p:nvSpPr>
-        <p:spPr>
-          <a:xfrm>
-            <a:off x="3216686" y="2656466"/>
-            <a:ext cx="1786854" cy="307777"/>
-          </a:xfrm>
-          <a:prstGeom prst="rect">
-            <a:avLst/>
-          </a:prstGeom>
-          <a:noFill/>
-        </p:spPr>
-        <p:txBody>
-          <a:bodyPr wrap="square" rtlCol="0">
-            <a:spAutoFit/>
-          </a:bodyPr>
-          <a:lstStyle/>
-          <a:p>
-            <a:r>
-              <a:rPr lang="it-IT" sz="1400" b="1" dirty="0"/>
-              <a:t>robotCmd</a:t>
-            </a:r>
-          </a:p>
-        </p:txBody>
-      </p:sp>
-      <p:sp>
-        <p:nvSpPr>
-          <p:cNvPr id="98" name="CasellaDiTesto 97">
-            <a:extLst>
-              <a:ext uri="{FF2B5EF4-FFF2-40B4-BE49-F238E27FC236}">
-                <a16:creationId xmlns:a16="http://schemas.microsoft.com/office/drawing/2014/main" id="{1C1F5A0F-EACC-4B60-A175-FC2FFF43F5A5}"/>
-              </a:ext>
-            </a:extLst>
-          </p:cNvPr>
-          <p:cNvSpPr txBox="1"/>
-          <p:nvPr/>
-        </p:nvSpPr>
-        <p:spPr>
-          <a:xfrm>
-            <a:off x="4832830" y="2871177"/>
-            <a:ext cx="1786854" cy="523220"/>
-          </a:xfrm>
-          <a:prstGeom prst="rect">
-            <a:avLst/>
-          </a:prstGeom>
-          <a:noFill/>
-        </p:spPr>
-        <p:txBody>
-          <a:bodyPr wrap="square" rtlCol="0">
-            <a:spAutoFit/>
-          </a:bodyPr>
-          <a:lstStyle/>
-          <a:p>
-            <a:r>
-              <a:rPr lang="it-IT" sz="1400" b="1" dirty="0"/>
-              <a:t>modelUpdate</a:t>
-            </a:r>
-          </a:p>
-          <a:p>
-            <a:r>
-              <a:rPr lang="it-IT" sz="1400" b="1" dirty="0"/>
-              <a:t>modelChange</a:t>
-            </a:r>
-          </a:p>
-        </p:txBody>
-      </p:sp>
-      <p:cxnSp>
-        <p:nvCxnSpPr>
-          <p:cNvPr id="100" name="Connettore a gomito 99">
-            <a:extLst>
-              <a:ext uri="{FF2B5EF4-FFF2-40B4-BE49-F238E27FC236}">
-                <a16:creationId xmlns:a16="http://schemas.microsoft.com/office/drawing/2014/main" id="{62697AA4-FEAF-4792-ACC6-572DEFE309A5}"/>
-              </a:ext>
-            </a:extLst>
-          </p:cNvPr>
-          <p:cNvCxnSpPr>
-            <a:cxnSpLocks/>
-            <a:stCxn id="111" idx="2"/>
-            <a:endCxn id="25" idx="1"/>
-          </p:cNvCxnSpPr>
-          <p:nvPr/>
-        </p:nvCxnSpPr>
-        <p:spPr>
-          <a:xfrm rot="5400000">
-            <a:off x="6067859" y="2605078"/>
-            <a:ext cx="1868611" cy="158530"/>
-          </a:xfrm>
-          <a:prstGeom prst="bentConnector4">
-            <a:avLst>
-              <a:gd name="adj1" fmla="val 28621"/>
-              <a:gd name="adj2" fmla="val 244200"/>
-            </a:avLst>
-          </a:prstGeom>
-          <a:ln>
-            <a:tailEnd type="triangle"/>
-          </a:ln>
-        </p:spPr>
-        <p:style>
-          <a:lnRef idx="1">
-            <a:schemeClr val="dk1"/>
-          </a:lnRef>
-          <a:fillRef idx="0">
-            <a:schemeClr val="dk1"/>
-          </a:fillRef>
-          <a:effectRef idx="0">
-            <a:schemeClr val="dk1"/>
-          </a:effectRef>
-          <a:fontRef idx="minor">
-            <a:schemeClr val="tx1"/>
-          </a:fontRef>
-        </p:style>
-      </p:cxnSp>
-      <p:cxnSp>
-        <p:nvCxnSpPr>
-          <p:cNvPr id="102" name="Connettore a gomito 101">
-            <a:extLst>
-              <a:ext uri="{FF2B5EF4-FFF2-40B4-BE49-F238E27FC236}">
-                <a16:creationId xmlns:a16="http://schemas.microsoft.com/office/drawing/2014/main" id="{6AB8763A-0CC9-4A60-B2CD-BF76104B0A9C}"/>
-              </a:ext>
-            </a:extLst>
-          </p:cNvPr>
-          <p:cNvCxnSpPr>
-            <a:cxnSpLocks/>
-            <a:stCxn id="35" idx="6"/>
-            <a:endCxn id="25" idx="1"/>
-          </p:cNvCxnSpPr>
-          <p:nvPr/>
-        </p:nvCxnSpPr>
-        <p:spPr>
-          <a:xfrm flipV="1">
-            <a:off x="3062582" y="3618649"/>
-            <a:ext cx="3860317" cy="374084"/>
-          </a:xfrm>
-          <a:prstGeom prst="bentConnector3">
-            <a:avLst>
-              <a:gd name="adj1" fmla="val 50000"/>
-            </a:avLst>
-          </a:prstGeom>
-          <a:ln>
-            <a:tailEnd type="triangle"/>
-          </a:ln>
-        </p:spPr>
-        <p:style>
-          <a:lnRef idx="1">
-            <a:schemeClr val="dk1"/>
-          </a:lnRef>
-          <a:fillRef idx="0">
-            <a:schemeClr val="dk1"/>
-          </a:fillRef>
-          <a:effectRef idx="0">
-            <a:schemeClr val="dk1"/>
-          </a:effectRef>
-          <a:fontRef idx="minor">
-            <a:schemeClr val="tx1"/>
-          </a:fontRef>
-        </p:style>
-      </p:cxnSp>
-      <p:sp>
-        <p:nvSpPr>
-          <p:cNvPr id="111" name="Rettangolo 110">
-            <a:extLst>
-              <a:ext uri="{FF2B5EF4-FFF2-40B4-BE49-F238E27FC236}">
-                <a16:creationId xmlns:a16="http://schemas.microsoft.com/office/drawing/2014/main" id="{0384BF6A-2241-41CC-9C10-56CB777F7EAE}"/>
-              </a:ext>
-            </a:extLst>
-          </p:cNvPr>
-          <p:cNvSpPr/>
-          <p:nvPr/>
-        </p:nvSpPr>
-        <p:spPr>
-          <a:xfrm>
-            <a:off x="6319643" y="1204406"/>
-            <a:ext cx="1523571" cy="545632"/>
-          </a:xfrm>
-          <a:prstGeom prst="rect">
-            <a:avLst/>
-          </a:prstGeom>
-        </p:spPr>
-        <p:style>
-          <a:lnRef idx="2">
-            <a:schemeClr val="accent1">
-              <a:shade val="50000"/>
-            </a:schemeClr>
-          </a:lnRef>
-          <a:fillRef idx="1">
-            <a:schemeClr val="accent1"/>
-          </a:fillRef>
-          <a:effectRef idx="0">
-            <a:schemeClr val="accent1"/>
-          </a:effectRef>
-          <a:fontRef idx="minor">
-            <a:schemeClr val="lt1"/>
-          </a:fontRef>
-        </p:style>
-        <p:txBody>
-          <a:bodyPr rtlCol="0" anchor="ctr"/>
-          <a:lstStyle/>
-          <a:p>
-            <a:pPr algn="ctr"/>
-            <a:r>
-              <a:rPr lang="it-IT" sz="1600" b="1" dirty="0"/>
-              <a:t>infrastruttura</a:t>
-            </a:r>
-          </a:p>
-        </p:txBody>
-      </p:sp>
-      <p:sp>
-        <p:nvSpPr>
-          <p:cNvPr id="113" name="Saetta 112">
-            <a:extLst>
-              <a:ext uri="{FF2B5EF4-FFF2-40B4-BE49-F238E27FC236}">
-                <a16:creationId xmlns:a16="http://schemas.microsoft.com/office/drawing/2014/main" id="{B36F7DA7-052E-4167-910D-D093D4D1755A}"/>
-              </a:ext>
-            </a:extLst>
-          </p:cNvPr>
-          <p:cNvSpPr/>
-          <p:nvPr/>
-        </p:nvSpPr>
-        <p:spPr>
-          <a:xfrm rot="20352147">
-            <a:off x="8436194" y="3617111"/>
-            <a:ext cx="718782" cy="770735"/>
-          </a:xfrm>
-          <a:prstGeom prst="lightningBolt">
-            <a:avLst/>
-          </a:prstGeom>
-          <a:solidFill>
-            <a:srgbClr val="FFFF00"/>
-          </a:solidFill>
-          <a:ln>
-            <a:solidFill>
-              <a:srgbClr val="FF0000"/>
-            </a:solidFill>
-          </a:ln>
-        </p:spPr>
-        <p:style>
-          <a:lnRef idx="2">
-            <a:schemeClr val="accent1">
-              <a:shade val="50000"/>
-            </a:schemeClr>
-          </a:lnRef>
-          <a:fillRef idx="1">
-            <a:schemeClr val="accent1"/>
-          </a:fillRef>
-          <a:effectRef idx="0">
-            <a:schemeClr val="accent1"/>
-          </a:effectRef>
-          <a:fontRef idx="minor">
-            <a:schemeClr val="lt1"/>
-          </a:fontRef>
-        </p:style>
-        <p:txBody>
-          <a:bodyPr rtlCol="0" anchor="ctr"/>
-          <a:lstStyle/>
-          <a:p>
-            <a:pPr algn="ctr"/>
-            <a:endParaRPr lang="it-IT"/>
-          </a:p>
-        </p:txBody>
-      </p:sp>
-      <p:sp>
-        <p:nvSpPr>
-          <p:cNvPr id="114" name="CasellaDiTesto 113">
-            <a:extLst>
-              <a:ext uri="{FF2B5EF4-FFF2-40B4-BE49-F238E27FC236}">
-                <a16:creationId xmlns:a16="http://schemas.microsoft.com/office/drawing/2014/main" id="{479C2385-0A8F-453C-AC08-8F07E756F96A}"/>
-              </a:ext>
-            </a:extLst>
-          </p:cNvPr>
-          <p:cNvSpPr txBox="1"/>
-          <p:nvPr/>
-        </p:nvSpPr>
-        <p:spPr>
-          <a:xfrm>
-            <a:off x="9119878" y="3826008"/>
-            <a:ext cx="1786854" cy="307777"/>
-          </a:xfrm>
-          <a:prstGeom prst="rect">
-            <a:avLst/>
-          </a:prstGeom>
-          <a:noFill/>
-        </p:spPr>
-        <p:txBody>
-          <a:bodyPr wrap="square" rtlCol="0">
-            <a:spAutoFit/>
-          </a:bodyPr>
-          <a:lstStyle/>
-          <a:p>
-            <a:r>
-              <a:rPr lang="it-IT" sz="1400" b="1" dirty="0">
-                <a:solidFill>
-                  <a:srgbClr val="FF0000"/>
-                </a:solidFill>
-              </a:rPr>
-              <a:t>Local_modelChanged</a:t>
-            </a:r>
-          </a:p>
-        </p:txBody>
-      </p:sp>
-      <p:sp>
-        <p:nvSpPr>
-          <p:cNvPr id="172" name="CasellaDiTesto 171">
-            <a:extLst>
-              <a:ext uri="{FF2B5EF4-FFF2-40B4-BE49-F238E27FC236}">
-                <a16:creationId xmlns:a16="http://schemas.microsoft.com/office/drawing/2014/main" id="{AC26AB3E-13EE-4590-A0C4-C9D877961039}"/>
-              </a:ext>
-            </a:extLst>
-          </p:cNvPr>
-          <p:cNvSpPr txBox="1"/>
-          <p:nvPr/>
-        </p:nvSpPr>
-        <p:spPr>
-          <a:xfrm>
-            <a:off x="6666410" y="2300387"/>
-            <a:ext cx="1786854" cy="307777"/>
-          </a:xfrm>
-          <a:prstGeom prst="rect">
-            <a:avLst/>
-          </a:prstGeom>
-          <a:noFill/>
-        </p:spPr>
-        <p:txBody>
-          <a:bodyPr wrap="square" rtlCol="0">
-            <a:spAutoFit/>
-          </a:bodyPr>
-          <a:lstStyle/>
-          <a:p>
-            <a:r>
-              <a:rPr lang="it-IT" sz="1400" b="1" dirty="0"/>
-              <a:t>modelChange</a:t>
-            </a:r>
-          </a:p>
-        </p:txBody>
-      </p:sp>
-      <p:sp>
-        <p:nvSpPr>
-          <p:cNvPr id="67" name="CasellaDiTesto 66">
-            <a:extLst>
-              <a:ext uri="{FF2B5EF4-FFF2-40B4-BE49-F238E27FC236}">
-                <a16:creationId xmlns:a16="http://schemas.microsoft.com/office/drawing/2014/main" id="{81C46E97-F243-44CF-B1B6-C153063352E7}"/>
-              </a:ext>
-            </a:extLst>
-          </p:cNvPr>
-          <p:cNvSpPr txBox="1"/>
-          <p:nvPr/>
-        </p:nvSpPr>
-        <p:spPr>
-          <a:xfrm>
-            <a:off x="4547724" y="4190821"/>
-            <a:ext cx="1116230" cy="738664"/>
-          </a:xfrm>
-          <a:prstGeom prst="rect">
-            <a:avLst/>
-          </a:prstGeom>
-          <a:noFill/>
-        </p:spPr>
-        <p:txBody>
-          <a:bodyPr wrap="square" rtlCol="0">
-            <a:spAutoFit/>
-          </a:bodyPr>
-          <a:lstStyle/>
-          <a:p>
-            <a:r>
-              <a:rPr lang="it-IT" sz="1400" b="1" dirty="0"/>
-              <a:t>stopAppl</a:t>
-            </a:r>
-          </a:p>
-          <a:p>
-            <a:r>
-              <a:rPr lang="it-IT" sz="1400" b="1" dirty="0"/>
-              <a:t>oneStep</a:t>
-            </a:r>
-          </a:p>
-          <a:p>
-            <a:r>
-              <a:rPr lang="it-IT" sz="1400" b="1" dirty="0"/>
-              <a:t>changeCol</a:t>
-            </a:r>
-          </a:p>
-        </p:txBody>
-      </p:sp>
-      <p:cxnSp>
-        <p:nvCxnSpPr>
-          <p:cNvPr id="68" name="Connettore a gomito 67">
-            <a:extLst>
-              <a:ext uri="{FF2B5EF4-FFF2-40B4-BE49-F238E27FC236}">
-                <a16:creationId xmlns:a16="http://schemas.microsoft.com/office/drawing/2014/main" id="{096861B2-3EB6-4E74-B5F4-233ABDAC0AA0}"/>
-              </a:ext>
-            </a:extLst>
-          </p:cNvPr>
-          <p:cNvCxnSpPr>
-            <a:cxnSpLocks/>
-            <a:stCxn id="35" idx="6"/>
-            <a:endCxn id="29" idx="1"/>
-          </p:cNvCxnSpPr>
-          <p:nvPr/>
-        </p:nvCxnSpPr>
-        <p:spPr>
-          <a:xfrm>
-            <a:off x="3062582" y="3992733"/>
-            <a:ext cx="3001173" cy="1251425"/>
-          </a:xfrm>
-          <a:prstGeom prst="bentConnector3">
-            <a:avLst>
-              <a:gd name="adj1" fmla="val 50000"/>
-            </a:avLst>
-          </a:prstGeom>
-          <a:ln>
-            <a:tailEnd type="triangle"/>
-          </a:ln>
-        </p:spPr>
-        <p:style>
-          <a:lnRef idx="1">
-            <a:schemeClr val="dk1"/>
-          </a:lnRef>
-          <a:fillRef idx="0">
-            <a:schemeClr val="dk1"/>
-          </a:fillRef>
-          <a:effectRef idx="0">
-            <a:schemeClr val="dk1"/>
-          </a:effectRef>
-          <a:fontRef idx="minor">
-            <a:schemeClr val="tx1"/>
-          </a:fontRef>
-        </p:style>
-      </p:cxnSp>
-      <p:sp>
-        <p:nvSpPr>
-          <p:cNvPr id="74" name="CasellaDiTesto 73">
-            <a:extLst>
-              <a:ext uri="{FF2B5EF4-FFF2-40B4-BE49-F238E27FC236}">
-                <a16:creationId xmlns:a16="http://schemas.microsoft.com/office/drawing/2014/main" id="{5005800D-DB63-476B-B37D-6EB43AB3E657}"/>
-              </a:ext>
-            </a:extLst>
-          </p:cNvPr>
-          <p:cNvSpPr txBox="1"/>
-          <p:nvPr/>
-        </p:nvSpPr>
-        <p:spPr>
-          <a:xfrm>
-            <a:off x="1290305" y="2948188"/>
-            <a:ext cx="1786854" cy="307777"/>
-          </a:xfrm>
-          <a:prstGeom prst="rect">
-            <a:avLst/>
-          </a:prstGeom>
-          <a:noFill/>
-        </p:spPr>
-        <p:txBody>
-          <a:bodyPr wrap="square" rtlCol="0">
-            <a:spAutoFit/>
-          </a:bodyPr>
-          <a:lstStyle/>
-          <a:p>
-            <a:r>
-              <a:rPr lang="it-IT" sz="1400" b="1" dirty="0"/>
-              <a:t>startAppl/stopAppl</a:t>
-            </a:r>
-          </a:p>
-        </p:txBody>
-      </p:sp>
-      <p:cxnSp>
-        <p:nvCxnSpPr>
-          <p:cNvPr id="75" name="Connettore a gomito 74">
-            <a:extLst>
-              <a:ext uri="{FF2B5EF4-FFF2-40B4-BE49-F238E27FC236}">
-                <a16:creationId xmlns:a16="http://schemas.microsoft.com/office/drawing/2014/main" id="{BA5578D3-DEC3-4AE8-8C63-99367A6B9F6B}"/>
-              </a:ext>
-            </a:extLst>
-          </p:cNvPr>
-          <p:cNvCxnSpPr>
-            <a:cxnSpLocks/>
-            <a:stCxn id="35" idx="0"/>
-            <a:endCxn id="37" idx="1"/>
-          </p:cNvCxnSpPr>
-          <p:nvPr/>
-        </p:nvCxnSpPr>
-        <p:spPr>
-          <a:xfrm rot="16200000" flipH="1" flipV="1">
-            <a:off x="1650661" y="3175617"/>
-            <a:ext cx="439448" cy="1106011"/>
-          </a:xfrm>
-          <a:prstGeom prst="bentConnector4">
-            <a:avLst>
-              <a:gd name="adj1" fmla="val -52020"/>
-              <a:gd name="adj2" fmla="val 120669"/>
-            </a:avLst>
-          </a:prstGeom>
-          <a:ln>
-            <a:tailEnd type="triangle"/>
-          </a:ln>
-        </p:spPr>
-        <p:style>
-          <a:lnRef idx="1">
-            <a:schemeClr val="dk1"/>
-          </a:lnRef>
-          <a:fillRef idx="0">
-            <a:schemeClr val="dk1"/>
-          </a:fillRef>
-          <a:effectRef idx="0">
-            <a:schemeClr val="dk1"/>
-          </a:effectRef>
-          <a:fontRef idx="minor">
-            <a:schemeClr val="tx1"/>
-          </a:fontRef>
-        </p:style>
-      </p:cxnSp>
-      <p:cxnSp>
-        <p:nvCxnSpPr>
-          <p:cNvPr id="76" name="Connettore a gomito 75">
-            <a:extLst>
-              <a:ext uri="{FF2B5EF4-FFF2-40B4-BE49-F238E27FC236}">
-                <a16:creationId xmlns:a16="http://schemas.microsoft.com/office/drawing/2014/main" id="{FF4FF021-8D56-48EF-863E-7953020A7E09}"/>
-              </a:ext>
-            </a:extLst>
-          </p:cNvPr>
-          <p:cNvCxnSpPr>
-            <a:cxnSpLocks/>
-            <a:stCxn id="27" idx="6"/>
-            <a:endCxn id="37" idx="1"/>
-          </p:cNvCxnSpPr>
-          <p:nvPr/>
-        </p:nvCxnSpPr>
-        <p:spPr>
-          <a:xfrm flipH="1" flipV="1">
-            <a:off x="1317379" y="3948347"/>
-            <a:ext cx="6491579" cy="1340197"/>
-          </a:xfrm>
-          <a:prstGeom prst="bentConnector5">
-            <a:avLst>
-              <a:gd name="adj1" fmla="val -3521"/>
-              <a:gd name="adj2" fmla="val -44560"/>
-              <a:gd name="adj3" fmla="val 103521"/>
-            </a:avLst>
-          </a:prstGeom>
-          <a:ln>
-            <a:tailEnd type="triangle"/>
-          </a:ln>
-        </p:spPr>
-        <p:style>
-          <a:lnRef idx="1">
-            <a:schemeClr val="dk1"/>
-          </a:lnRef>
-          <a:fillRef idx="0">
-            <a:schemeClr val="dk1"/>
-          </a:fillRef>
-          <a:effectRef idx="0">
-            <a:schemeClr val="dk1"/>
-          </a:effectRef>
-          <a:fontRef idx="minor">
-            <a:schemeClr val="tx1"/>
-          </a:fontRef>
-        </p:style>
-      </p:cxnSp>
-      <p:sp>
-        <p:nvSpPr>
-          <p:cNvPr id="80" name="CasellaDiTesto 79">
-            <a:extLst>
-              <a:ext uri="{FF2B5EF4-FFF2-40B4-BE49-F238E27FC236}">
-                <a16:creationId xmlns:a16="http://schemas.microsoft.com/office/drawing/2014/main" id="{38232200-B3CF-4F57-A37F-2D9EE389CEBF}"/>
-              </a:ext>
-            </a:extLst>
-          </p:cNvPr>
-          <p:cNvSpPr txBox="1"/>
-          <p:nvPr/>
-        </p:nvSpPr>
-        <p:spPr>
-          <a:xfrm>
-            <a:off x="2936588" y="5567118"/>
-            <a:ext cx="1786854" cy="307777"/>
-          </a:xfrm>
-          <a:prstGeom prst="rect">
-            <a:avLst/>
-          </a:prstGeom>
-          <a:noFill/>
-        </p:spPr>
-        <p:txBody>
-          <a:bodyPr wrap="square" rtlCol="0">
-            <a:spAutoFit/>
-          </a:bodyPr>
-          <a:lstStyle/>
-          <a:p>
-            <a:r>
-              <a:rPr lang="it-IT" sz="1400" b="1" dirty="0"/>
-              <a:t>stepOk/stepFail</a:t>
-            </a:r>
-          </a:p>
-        </p:txBody>
-      </p:sp>
-      <p:sp>
-        <p:nvSpPr>
-          <p:cNvPr id="88" name="Saetta 87">
-            <a:extLst>
-              <a:ext uri="{FF2B5EF4-FFF2-40B4-BE49-F238E27FC236}">
-                <a16:creationId xmlns:a16="http://schemas.microsoft.com/office/drawing/2014/main" id="{21322344-50E1-45D3-884B-BE195CE366F1}"/>
-              </a:ext>
-            </a:extLst>
-          </p:cNvPr>
-          <p:cNvSpPr/>
-          <p:nvPr/>
-        </p:nvSpPr>
-        <p:spPr>
-          <a:xfrm rot="20352147">
-            <a:off x="8544982" y="1220216"/>
-            <a:ext cx="718782" cy="770735"/>
-          </a:xfrm>
-          <a:prstGeom prst="lightningBolt">
-            <a:avLst/>
-          </a:prstGeom>
-          <a:solidFill>
-            <a:srgbClr val="FFFF00"/>
-          </a:solidFill>
-          <a:ln>
-            <a:solidFill>
-              <a:srgbClr val="FF0000"/>
-            </a:solidFill>
-          </a:ln>
-        </p:spPr>
-        <p:style>
-          <a:lnRef idx="2">
-            <a:schemeClr val="accent1">
-              <a:shade val="50000"/>
-            </a:schemeClr>
-          </a:lnRef>
-          <a:fillRef idx="1">
-            <a:schemeClr val="accent1"/>
-          </a:fillRef>
-          <a:effectRef idx="0">
-            <a:schemeClr val="accent1"/>
-          </a:effectRef>
-          <a:fontRef idx="minor">
-            <a:schemeClr val="lt1"/>
-          </a:fontRef>
-        </p:style>
-        <p:txBody>
-          <a:bodyPr rtlCol="0" anchor="ctr"/>
-          <a:lstStyle/>
-          <a:p>
-            <a:pPr algn="ctr"/>
-            <a:endParaRPr lang="it-IT"/>
-          </a:p>
-        </p:txBody>
-      </p:sp>
-      <p:sp>
-        <p:nvSpPr>
-          <p:cNvPr id="89" name="CasellaDiTesto 88">
-            <a:extLst>
-              <a:ext uri="{FF2B5EF4-FFF2-40B4-BE49-F238E27FC236}">
-                <a16:creationId xmlns:a16="http://schemas.microsoft.com/office/drawing/2014/main" id="{8A7C99EF-A448-41E8-8866-685EA20EF33D}"/>
-              </a:ext>
-            </a:extLst>
-          </p:cNvPr>
-          <p:cNvSpPr txBox="1"/>
-          <p:nvPr/>
-        </p:nvSpPr>
-        <p:spPr>
-          <a:xfrm>
-            <a:off x="8720348" y="775782"/>
-            <a:ext cx="1786854" cy="523220"/>
-          </a:xfrm>
-          <a:prstGeom prst="rect">
-            <a:avLst/>
-          </a:prstGeom>
-          <a:noFill/>
-        </p:spPr>
-        <p:txBody>
-          <a:bodyPr wrap="square" rtlCol="0">
-            <a:spAutoFit/>
-          </a:bodyPr>
-          <a:lstStyle/>
-          <a:p>
-            <a:r>
-              <a:rPr lang="it-IT" sz="1400" b="1" dirty="0">
-                <a:solidFill>
-                  <a:srgbClr val="FF0000"/>
-                </a:solidFill>
-              </a:rPr>
-              <a:t>sonar</a:t>
-            </a:r>
-          </a:p>
-          <a:p>
-            <a:r>
-              <a:rPr lang="it-IT" sz="1400" b="1" dirty="0">
-                <a:solidFill>
-                  <a:srgbClr val="FF0000"/>
-                </a:solidFill>
-              </a:rPr>
-              <a:t>sonarRobot</a:t>
-            </a:r>
-          </a:p>
-        </p:txBody>
-      </p:sp>
-      <p:cxnSp>
-        <p:nvCxnSpPr>
-          <p:cNvPr id="90" name="Connettore a gomito 89">
-            <a:extLst>
-              <a:ext uri="{FF2B5EF4-FFF2-40B4-BE49-F238E27FC236}">
-                <a16:creationId xmlns:a16="http://schemas.microsoft.com/office/drawing/2014/main" id="{C187E8E3-50D0-4F14-AC1A-AE1D4748D184}"/>
-              </a:ext>
-            </a:extLst>
-          </p:cNvPr>
-          <p:cNvCxnSpPr>
-            <a:cxnSpLocks/>
-            <a:stCxn id="31" idx="6"/>
-            <a:endCxn id="25" idx="1"/>
-          </p:cNvCxnSpPr>
-          <p:nvPr/>
-        </p:nvCxnSpPr>
-        <p:spPr>
-          <a:xfrm flipH="1">
-            <a:off x="6922899" y="2085450"/>
-            <a:ext cx="3554366" cy="1533199"/>
-          </a:xfrm>
-          <a:prstGeom prst="bentConnector5">
-            <a:avLst>
-              <a:gd name="adj1" fmla="val -6432"/>
-              <a:gd name="adj2" fmla="val 59409"/>
-              <a:gd name="adj3" fmla="val 115424"/>
-            </a:avLst>
-          </a:prstGeom>
-          <a:ln>
-            <a:tailEnd type="triangle"/>
-          </a:ln>
-        </p:spPr>
-        <p:style>
-          <a:lnRef idx="1">
-            <a:schemeClr val="dk1"/>
-          </a:lnRef>
-          <a:fillRef idx="0">
-            <a:schemeClr val="dk1"/>
-          </a:fillRef>
-          <a:effectRef idx="0">
-            <a:schemeClr val="dk1"/>
-          </a:effectRef>
-          <a:fontRef idx="minor">
-            <a:schemeClr val="tx1"/>
-          </a:fontRef>
-        </p:style>
-      </p:cxnSp>
-      <p:sp>
-        <p:nvSpPr>
-          <p:cNvPr id="97" name="CasellaDiTesto 96">
-            <a:extLst>
-              <a:ext uri="{FF2B5EF4-FFF2-40B4-BE49-F238E27FC236}">
-                <a16:creationId xmlns:a16="http://schemas.microsoft.com/office/drawing/2014/main" id="{C719D4E6-A9FC-44A3-904E-BB9389E473F5}"/>
-              </a:ext>
-            </a:extLst>
-          </p:cNvPr>
-          <p:cNvSpPr txBox="1"/>
-          <p:nvPr/>
-        </p:nvSpPr>
-        <p:spPr>
-          <a:xfrm>
-            <a:off x="8541961" y="2733050"/>
-            <a:ext cx="1786854" cy="307777"/>
-          </a:xfrm>
-          <a:prstGeom prst="rect">
-            <a:avLst/>
-          </a:prstGeom>
-          <a:noFill/>
-        </p:spPr>
-        <p:txBody>
-          <a:bodyPr wrap="square" rtlCol="0">
-            <a:spAutoFit/>
-          </a:bodyPr>
-          <a:lstStyle/>
-          <a:p>
-            <a:r>
-              <a:rPr lang="it-IT" sz="1400" b="1" dirty="0"/>
-              <a:t>modelChange</a:t>
-            </a:r>
-          </a:p>
-        </p:txBody>
-      </p:sp>
-      <p:cxnSp>
-        <p:nvCxnSpPr>
-          <p:cNvPr id="99" name="Connettore a gomito 98">
-            <a:extLst>
-              <a:ext uri="{FF2B5EF4-FFF2-40B4-BE49-F238E27FC236}">
-                <a16:creationId xmlns:a16="http://schemas.microsoft.com/office/drawing/2014/main" id="{66FFFFB9-D486-4364-826B-2B1E5DA89636}"/>
-              </a:ext>
-            </a:extLst>
-          </p:cNvPr>
-          <p:cNvCxnSpPr>
-            <a:cxnSpLocks/>
-            <a:stCxn id="27" idx="6"/>
-            <a:endCxn id="25" idx="1"/>
-          </p:cNvCxnSpPr>
-          <p:nvPr/>
-        </p:nvCxnSpPr>
-        <p:spPr>
-          <a:xfrm flipH="1" flipV="1">
-            <a:off x="6922899" y="3618649"/>
-            <a:ext cx="886059" cy="1669895"/>
-          </a:xfrm>
-          <a:prstGeom prst="bentConnector5">
-            <a:avLst>
-              <a:gd name="adj1" fmla="val -25800"/>
-              <a:gd name="adj2" fmla="val 60234"/>
-              <a:gd name="adj3" fmla="val 161869"/>
-            </a:avLst>
-          </a:prstGeom>
-          <a:ln>
-            <a:tailEnd type="triangle"/>
-          </a:ln>
-        </p:spPr>
-        <p:style>
-          <a:lnRef idx="1">
-            <a:schemeClr val="dk1"/>
-          </a:lnRef>
-          <a:fillRef idx="0">
-            <a:schemeClr val="dk1"/>
-          </a:fillRef>
-          <a:effectRef idx="0">
-            <a:schemeClr val="dk1"/>
-          </a:effectRef>
-          <a:fontRef idx="minor">
-            <a:schemeClr val="tx1"/>
-          </a:fontRef>
-        </p:style>
-      </p:cxnSp>
-      <p:sp>
-        <p:nvSpPr>
-          <p:cNvPr id="101" name="CasellaDiTesto 100">
-            <a:extLst>
-              <a:ext uri="{FF2B5EF4-FFF2-40B4-BE49-F238E27FC236}">
-                <a16:creationId xmlns:a16="http://schemas.microsoft.com/office/drawing/2014/main" id="{208E7A88-D133-4A59-89BC-AE776930FAF3}"/>
-              </a:ext>
-            </a:extLst>
-          </p:cNvPr>
-          <p:cNvSpPr txBox="1"/>
-          <p:nvPr/>
-        </p:nvSpPr>
-        <p:spPr>
-          <a:xfrm>
-            <a:off x="8000563" y="4732059"/>
-            <a:ext cx="1786854" cy="307777"/>
-          </a:xfrm>
-          <a:prstGeom prst="rect">
-            <a:avLst/>
-          </a:prstGeom>
-          <a:noFill/>
-        </p:spPr>
-        <p:txBody>
-          <a:bodyPr wrap="square" rtlCol="0">
-            <a:spAutoFit/>
-          </a:bodyPr>
-          <a:lstStyle/>
-          <a:p>
-            <a:r>
-              <a:rPr lang="it-IT" sz="1400" b="1" dirty="0"/>
-              <a:t>modelChange</a:t>
-            </a:r>
-          </a:p>
-        </p:txBody>
-      </p:sp>
-      <p:cxnSp>
-        <p:nvCxnSpPr>
-          <p:cNvPr id="103" name="Connettore a gomito 102">
-            <a:extLst>
-              <a:ext uri="{FF2B5EF4-FFF2-40B4-BE49-F238E27FC236}">
-                <a16:creationId xmlns:a16="http://schemas.microsoft.com/office/drawing/2014/main" id="{054AB73F-F0D0-472E-8155-D4627F879E4C}"/>
-              </a:ext>
-            </a:extLst>
-          </p:cNvPr>
-          <p:cNvCxnSpPr>
-            <a:cxnSpLocks/>
-            <a:stCxn id="27" idx="6"/>
-            <a:endCxn id="15" idx="1"/>
-          </p:cNvCxnSpPr>
-          <p:nvPr/>
-        </p:nvCxnSpPr>
-        <p:spPr>
-          <a:xfrm flipH="1" flipV="1">
-            <a:off x="3473429" y="1690373"/>
-            <a:ext cx="4335529" cy="3598171"/>
-          </a:xfrm>
-          <a:prstGeom prst="bentConnector5">
-            <a:avLst>
-              <a:gd name="adj1" fmla="val -35374"/>
-              <a:gd name="adj2" fmla="val -24697"/>
-              <a:gd name="adj3" fmla="val 160151"/>
-            </a:avLst>
-          </a:prstGeom>
-          <a:ln>
-            <a:tailEnd type="triangle"/>
-          </a:ln>
-        </p:spPr>
-        <p:style>
-          <a:lnRef idx="1">
-            <a:schemeClr val="dk1"/>
-          </a:lnRef>
-          <a:fillRef idx="0">
-            <a:schemeClr val="dk1"/>
-          </a:fillRef>
-          <a:effectRef idx="0">
-            <a:schemeClr val="dk1"/>
-          </a:effectRef>
-          <a:fontRef idx="minor">
-            <a:schemeClr val="tx1"/>
-          </a:fontRef>
-        </p:style>
-      </p:cxnSp>
-      <p:sp>
-        <p:nvSpPr>
-          <p:cNvPr id="116" name="CasellaDiTesto 115">
-            <a:extLst>
-              <a:ext uri="{FF2B5EF4-FFF2-40B4-BE49-F238E27FC236}">
-                <a16:creationId xmlns:a16="http://schemas.microsoft.com/office/drawing/2014/main" id="{51E28F7E-53EF-4344-856E-5B70EB088B5A}"/>
-              </a:ext>
-            </a:extLst>
-          </p:cNvPr>
-          <p:cNvSpPr txBox="1"/>
-          <p:nvPr/>
-        </p:nvSpPr>
-        <p:spPr>
-          <a:xfrm>
-            <a:off x="1859216" y="1406118"/>
-            <a:ext cx="1786854" cy="307777"/>
-          </a:xfrm>
-          <a:prstGeom prst="rect">
-            <a:avLst/>
-          </a:prstGeom>
-          <a:noFill/>
-        </p:spPr>
-        <p:txBody>
-          <a:bodyPr wrap="square" rtlCol="0">
-            <a:spAutoFit/>
-          </a:bodyPr>
-          <a:lstStyle/>
-          <a:p>
-            <a:r>
-              <a:rPr lang="it-IT" sz="1400" b="1" dirty="0"/>
-              <a:t>robotCmd</a:t>
-            </a:r>
-          </a:p>
-        </p:txBody>
-      </p:sp>
-      <p:sp>
-        <p:nvSpPr>
-          <p:cNvPr id="117" name="CasellaDiTesto 116">
-            <a:extLst>
-              <a:ext uri="{FF2B5EF4-FFF2-40B4-BE49-F238E27FC236}">
-                <a16:creationId xmlns:a16="http://schemas.microsoft.com/office/drawing/2014/main" id="{2A82C1E3-2AFA-47F6-910B-325C0BBCF6A6}"/>
-              </a:ext>
-            </a:extLst>
-          </p:cNvPr>
-          <p:cNvSpPr txBox="1"/>
-          <p:nvPr/>
-        </p:nvSpPr>
-        <p:spPr>
-          <a:xfrm>
-            <a:off x="9371754" y="5618488"/>
-            <a:ext cx="1786854" cy="307777"/>
-          </a:xfrm>
-          <a:prstGeom prst="rect">
-            <a:avLst/>
-          </a:prstGeom>
-          <a:noFill/>
-        </p:spPr>
-        <p:txBody>
-          <a:bodyPr wrap="square" rtlCol="0">
-            <a:spAutoFit/>
-          </a:bodyPr>
-          <a:lstStyle/>
-          <a:p>
-            <a:r>
-              <a:rPr lang="it-IT" sz="1400" b="1" dirty="0"/>
-              <a:t>robotCmd</a:t>
-            </a:r>
-          </a:p>
-        </p:txBody>
-      </p:sp>
-      <p:sp>
-        <p:nvSpPr>
-          <p:cNvPr id="120" name="Saetta 119">
-            <a:extLst>
-              <a:ext uri="{FF2B5EF4-FFF2-40B4-BE49-F238E27FC236}">
-                <a16:creationId xmlns:a16="http://schemas.microsoft.com/office/drawing/2014/main" id="{9ACD32C4-309F-47E2-BFA4-1A1A87EF73CE}"/>
-              </a:ext>
-            </a:extLst>
-          </p:cNvPr>
-          <p:cNvSpPr/>
-          <p:nvPr/>
-        </p:nvSpPr>
-        <p:spPr>
-          <a:xfrm>
-            <a:off x="5715410" y="4469238"/>
-            <a:ext cx="718782" cy="770735"/>
-          </a:xfrm>
-          <a:prstGeom prst="lightningBolt">
-            <a:avLst/>
-          </a:prstGeom>
-          <a:solidFill>
-            <a:srgbClr val="FFFF00"/>
-          </a:solidFill>
-          <a:ln>
-            <a:solidFill>
-              <a:srgbClr val="FF0000"/>
-            </a:solidFill>
-          </a:ln>
-        </p:spPr>
-        <p:style>
-          <a:lnRef idx="2">
-            <a:schemeClr val="accent1">
-              <a:shade val="50000"/>
-            </a:schemeClr>
-          </a:lnRef>
-          <a:fillRef idx="1">
-            <a:schemeClr val="accent1"/>
-          </a:fillRef>
-          <a:effectRef idx="0">
-            <a:schemeClr val="accent1"/>
-          </a:effectRef>
-          <a:fontRef idx="minor">
-            <a:schemeClr val="lt1"/>
-          </a:fontRef>
-        </p:style>
-        <p:txBody>
-          <a:bodyPr rtlCol="0" anchor="ctr"/>
-          <a:lstStyle/>
-          <a:p>
-            <a:pPr algn="ctr"/>
-            <a:endParaRPr lang="it-IT"/>
-          </a:p>
-        </p:txBody>
-      </p:sp>
-      <p:sp>
-        <p:nvSpPr>
-          <p:cNvPr id="121" name="CasellaDiTesto 120">
-            <a:extLst>
-              <a:ext uri="{FF2B5EF4-FFF2-40B4-BE49-F238E27FC236}">
-                <a16:creationId xmlns:a16="http://schemas.microsoft.com/office/drawing/2014/main" id="{7CB47F4F-C317-4FA2-AE07-67305653E585}"/>
-              </a:ext>
-            </a:extLst>
-          </p:cNvPr>
-          <p:cNvSpPr txBox="1"/>
-          <p:nvPr/>
-        </p:nvSpPr>
-        <p:spPr>
-          <a:xfrm>
-            <a:off x="6128247" y="4463062"/>
-            <a:ext cx="1786854" cy="307777"/>
-          </a:xfrm>
-          <a:prstGeom prst="rect">
-            <a:avLst/>
-          </a:prstGeom>
-          <a:noFill/>
-        </p:spPr>
-        <p:txBody>
-          <a:bodyPr wrap="square" rtlCol="0">
-            <a:spAutoFit/>
-          </a:bodyPr>
-          <a:lstStyle/>
-          <a:p>
-            <a:r>
-              <a:rPr lang="it-IT" sz="1400" b="1" dirty="0">
-                <a:solidFill>
-                  <a:srgbClr val="FF0000"/>
-                </a:solidFill>
-              </a:rPr>
-              <a:t>sonarRobot</a:t>
-            </a:r>
-          </a:p>
-        </p:txBody>
-      </p:sp>
-    </p:spTree>
-    <p:extLst>
-      <p:ext uri="{BB962C8B-B14F-4D97-AF65-F5344CB8AC3E}">
-        <p14:creationId xmlns:p14="http://schemas.microsoft.com/office/powerpoint/2010/main" val="3999726370"/>
-      </p:ext>
-    </p:extLst>
-  </p:cSld>
-  <p:clrMapOvr>
-    <a:masterClrMapping/>
-  </p:clrMapOvr>
-</p:sld>
-</file>
-
-<file path=ppt/slides/slide2.xml><?xml version="1.0" encoding="utf-8"?>
-<p:sld xmlns:a="http://schemas.openxmlformats.org/drawingml/2006/main" xmlns:r="http://schemas.openxmlformats.org/officeDocument/2006/relationships" xmlns:p="http://schemas.openxmlformats.org/presentationml/2006/main">
-  <p:cSld>
-    <p:spTree>
-      <p:nvGrpSpPr>
-        <p:cNvPr id="1" name=""/>
-        <p:cNvGrpSpPr/>
-        <p:nvPr/>
-      </p:nvGrpSpPr>
-      <p:grpSpPr>
-        <a:xfrm>
-          <a:off x="0" y="0"/>
-          <a:ext cx="0" cy="0"/>
-          <a:chOff x="0" y="0"/>
-          <a:chExt cx="0" cy="0"/>
-        </a:xfrm>
-      </p:grpSpPr>
-      <p:sp>
-        <p:nvSpPr>
-          <p:cNvPr id="4" name="Rettangolo con angoli arrotondati 3">
-            <a:extLst>
-              <a:ext uri="{FF2B5EF4-FFF2-40B4-BE49-F238E27FC236}">
-                <a16:creationId xmlns:a16="http://schemas.microsoft.com/office/drawing/2014/main" id="{D6386C86-CAEC-3E46-8D1F-06BA33CA7663}"/>
-              </a:ext>
-            </a:extLst>
-          </p:cNvPr>
-          <p:cNvSpPr/>
-          <p:nvPr/>
-        </p:nvSpPr>
-        <p:spPr>
-          <a:xfrm>
-            <a:off x="426125" y="527567"/>
-            <a:ext cx="3162343" cy="2354886"/>
-          </a:xfrm>
-          <a:prstGeom prst="roundRect">
-            <a:avLst/>
-          </a:prstGeom>
-          <a:gradFill flip="none" rotWithShape="1">
-            <a:gsLst>
-              <a:gs pos="0">
-                <a:srgbClr val="00B0F0">
-                  <a:tint val="66000"/>
-                  <a:satMod val="160000"/>
-                </a:srgbClr>
-              </a:gs>
-              <a:gs pos="50000">
-                <a:srgbClr val="00B0F0">
-                  <a:tint val="44500"/>
-                  <a:satMod val="160000"/>
-                </a:srgbClr>
-              </a:gs>
-              <a:gs pos="100000">
-                <a:srgbClr val="00B0F0">
-                  <a:tint val="23500"/>
-                  <a:satMod val="160000"/>
-                </a:srgbClr>
-              </a:gs>
-            </a:gsLst>
-            <a:lin ang="16200000" scaled="1"/>
-            <a:tileRect/>
-          </a:gradFill>
-          <a:ln>
-            <a:solidFill>
-              <a:srgbClr val="0070C0"/>
-            </a:solidFill>
-          </a:ln>
-        </p:spPr>
-        <p:style>
-          <a:lnRef idx="0">
-            <a:schemeClr val="accent5"/>
-          </a:lnRef>
-          <a:fillRef idx="3">
-            <a:schemeClr val="accent5"/>
-          </a:fillRef>
-          <a:effectRef idx="3">
-            <a:schemeClr val="accent5"/>
-          </a:effectRef>
-          <a:fontRef idx="minor">
-            <a:schemeClr val="lt1"/>
-          </a:fontRef>
-        </p:style>
-        <p:txBody>
-          <a:bodyPr rtlCol="0" anchor="ctr"/>
-          <a:lstStyle/>
-          <a:p>
-            <a:pPr algn="ctr"/>
-            <a:endParaRPr lang="it-IT"/>
-          </a:p>
-        </p:txBody>
-      </p:sp>
-      <p:sp>
-        <p:nvSpPr>
-          <p:cNvPr id="5" name="Rettangolo 4">
-            <a:extLst>
-              <a:ext uri="{FF2B5EF4-FFF2-40B4-BE49-F238E27FC236}">
-                <a16:creationId xmlns:a16="http://schemas.microsoft.com/office/drawing/2014/main" id="{3BEB8812-6A5B-3B47-8B50-D1366E3612ED}"/>
-              </a:ext>
-            </a:extLst>
-          </p:cNvPr>
-          <p:cNvSpPr/>
-          <p:nvPr/>
-        </p:nvSpPr>
-        <p:spPr>
-          <a:xfrm>
-            <a:off x="1388532" y="522138"/>
-            <a:ext cx="1692961" cy="399496"/>
-          </a:xfrm>
-          <a:prstGeom prst="rect">
-            <a:avLst/>
-          </a:prstGeom>
-        </p:spPr>
-        <p:style>
-          <a:lnRef idx="2">
-            <a:schemeClr val="dk1"/>
-          </a:lnRef>
-          <a:fillRef idx="1">
-            <a:schemeClr val="lt1"/>
-          </a:fillRef>
-          <a:effectRef idx="0">
-            <a:schemeClr val="dk1"/>
-          </a:effectRef>
-          <a:fontRef idx="minor">
-            <a:schemeClr val="dk1"/>
-          </a:fontRef>
-        </p:style>
-        <p:txBody>
-          <a:bodyPr rtlCol="0" anchor="ctr"/>
-          <a:lstStyle/>
-          <a:p>
-            <a:pPr algn="ctr"/>
-            <a:r>
-              <a:rPr lang="it-IT" dirty="0"/>
-              <a:t>Context Maitre</a:t>
-            </a:r>
-          </a:p>
-        </p:txBody>
-      </p:sp>
-      <p:grpSp>
-        <p:nvGrpSpPr>
-          <p:cNvPr id="6" name="Gruppo 5">
-            <a:extLst>
-              <a:ext uri="{FF2B5EF4-FFF2-40B4-BE49-F238E27FC236}">
-                <a16:creationId xmlns:a16="http://schemas.microsoft.com/office/drawing/2014/main" id="{3208C34F-5B0F-3943-BD68-5DFF3843965D}"/>
-              </a:ext>
-            </a:extLst>
-          </p:cNvPr>
-          <p:cNvGrpSpPr/>
-          <p:nvPr/>
-        </p:nvGrpSpPr>
-        <p:grpSpPr>
-          <a:xfrm>
-            <a:off x="1065153" y="1432840"/>
-            <a:ext cx="1745203" cy="967667"/>
-            <a:chOff x="6736343" y="1517255"/>
-            <a:chExt cx="1745203" cy="967667"/>
-          </a:xfrm>
-        </p:grpSpPr>
-        <p:sp>
-          <p:nvSpPr>
-            <p:cNvPr id="7" name="Ovale 6">
-              <a:extLst>
-                <a:ext uri="{FF2B5EF4-FFF2-40B4-BE49-F238E27FC236}">
-                  <a16:creationId xmlns:a16="http://schemas.microsoft.com/office/drawing/2014/main" id="{1971ED6E-D11A-9142-BE18-7F5E55EE7597}"/>
-                </a:ext>
-              </a:extLst>
-            </p:cNvPr>
-            <p:cNvSpPr/>
-            <p:nvPr/>
-          </p:nvSpPr>
-          <p:spPr>
-            <a:xfrm>
-              <a:off x="7203161" y="1517255"/>
-              <a:ext cx="1278385" cy="967667"/>
-            </a:xfrm>
-            <a:prstGeom prst="ellipse">
-              <a:avLst/>
-            </a:prstGeom>
-            <a:gradFill flip="none" rotWithShape="1">
-              <a:gsLst>
-                <a:gs pos="0">
-                  <a:srgbClr val="FF0000">
-                    <a:tint val="66000"/>
-                    <a:satMod val="160000"/>
-                  </a:srgbClr>
-                </a:gs>
-                <a:gs pos="50000">
-                  <a:srgbClr val="FF0000">
-                    <a:tint val="44500"/>
-                    <a:satMod val="160000"/>
-                  </a:srgbClr>
-                </a:gs>
-                <a:gs pos="100000">
-                  <a:srgbClr val="FF0000">
-                    <a:tint val="23500"/>
-                    <a:satMod val="160000"/>
-                  </a:srgbClr>
-                </a:gs>
-              </a:gsLst>
-              <a:path path="circle">
-                <a:fillToRect t="100000" r="100000"/>
-              </a:path>
-              <a:tileRect l="-100000" b="-100000"/>
-            </a:gradFill>
-            <a:ln w="19050">
-              <a:solidFill>
-                <a:srgbClr val="C00000"/>
-              </a:solidFill>
-            </a:ln>
-          </p:spPr>
-          <p:style>
-            <a:lnRef idx="2">
-              <a:schemeClr val="accent1">
-                <a:shade val="50000"/>
-              </a:schemeClr>
-            </a:lnRef>
-            <a:fillRef idx="1">
-              <a:schemeClr val="accent1"/>
-            </a:fillRef>
-            <a:effectRef idx="0">
-              <a:schemeClr val="accent1"/>
-            </a:effectRef>
-            <a:fontRef idx="minor">
-              <a:schemeClr val="lt1"/>
-            </a:fontRef>
-          </p:style>
-          <p:txBody>
-            <a:bodyPr rtlCol="0" anchor="ctr"/>
-            <a:lstStyle/>
-            <a:p>
-              <a:pPr algn="ctr"/>
-              <a:r>
-                <a:rPr lang="it-IT" dirty="0">
-                  <a:solidFill>
-                    <a:schemeClr val="tx1"/>
-                  </a:solidFill>
-                </a:rPr>
-                <a:t>maitre</a:t>
-              </a:r>
-            </a:p>
-          </p:txBody>
-        </p:sp>
-        <p:sp>
-          <p:nvSpPr>
-            <p:cNvPr id="8" name="Rettangolo 7">
-              <a:extLst>
-                <a:ext uri="{FF2B5EF4-FFF2-40B4-BE49-F238E27FC236}">
-                  <a16:creationId xmlns:a16="http://schemas.microsoft.com/office/drawing/2014/main" id="{67B2D94E-5EA2-7B41-B4CA-1C8EC656EA8F}"/>
-                </a:ext>
-              </a:extLst>
-            </p:cNvPr>
-            <p:cNvSpPr/>
-            <p:nvPr/>
-          </p:nvSpPr>
-          <p:spPr>
-            <a:xfrm>
-              <a:off x="6982698" y="1761394"/>
-              <a:ext cx="220463" cy="390617"/>
-            </a:xfrm>
-            <a:prstGeom prst="rect">
-              <a:avLst/>
-            </a:prstGeom>
-            <a:gradFill flip="none" rotWithShape="1">
-              <a:gsLst>
-                <a:gs pos="0">
-                  <a:srgbClr val="7030A0">
-                    <a:tint val="66000"/>
-                    <a:satMod val="160000"/>
-                  </a:srgbClr>
-                </a:gs>
-                <a:gs pos="50000">
-                  <a:srgbClr val="7030A0">
-                    <a:tint val="44500"/>
-                    <a:satMod val="160000"/>
-                  </a:srgbClr>
-                </a:gs>
-                <a:gs pos="100000">
-                  <a:srgbClr val="7030A0">
-                    <a:tint val="23500"/>
-                    <a:satMod val="160000"/>
-                  </a:srgbClr>
-                </a:gs>
-              </a:gsLst>
-              <a:lin ang="16200000" scaled="1"/>
-              <a:tileRect/>
-            </a:gradFill>
-            <a:ln w="19050">
-              <a:solidFill>
-                <a:srgbClr val="7030A0"/>
-              </a:solidFill>
-            </a:ln>
-          </p:spPr>
-          <p:style>
-            <a:lnRef idx="2">
-              <a:schemeClr val="accent1">
-                <a:shade val="50000"/>
-              </a:schemeClr>
-            </a:lnRef>
-            <a:fillRef idx="1">
-              <a:schemeClr val="accent1"/>
-            </a:fillRef>
-            <a:effectRef idx="0">
-              <a:schemeClr val="accent1"/>
-            </a:effectRef>
-            <a:fontRef idx="minor">
-              <a:schemeClr val="lt1"/>
-            </a:fontRef>
-          </p:style>
-          <p:txBody>
-            <a:bodyPr rtlCol="0" anchor="ctr"/>
-            <a:lstStyle/>
-            <a:p>
-              <a:pPr algn="ctr"/>
-              <a:endParaRPr lang="it-IT"/>
-            </a:p>
-          </p:txBody>
-        </p:sp>
-        <p:sp>
-          <p:nvSpPr>
-            <p:cNvPr id="9" name="Rettangolo 8">
-              <a:extLst>
-                <a:ext uri="{FF2B5EF4-FFF2-40B4-BE49-F238E27FC236}">
-                  <a16:creationId xmlns:a16="http://schemas.microsoft.com/office/drawing/2014/main" id="{1A404177-4BE0-1641-8243-4F64B386EE7E}"/>
-                </a:ext>
-              </a:extLst>
-            </p:cNvPr>
-            <p:cNvSpPr/>
-            <p:nvPr/>
-          </p:nvSpPr>
-          <p:spPr>
-            <a:xfrm>
-              <a:off x="6736343" y="1761394"/>
-              <a:ext cx="220463" cy="390617"/>
-            </a:xfrm>
-            <a:prstGeom prst="rect">
-              <a:avLst/>
-            </a:prstGeom>
-            <a:gradFill flip="none" rotWithShape="1">
-              <a:gsLst>
-                <a:gs pos="0">
-                  <a:srgbClr val="7030A0">
-                    <a:tint val="66000"/>
-                    <a:satMod val="160000"/>
-                  </a:srgbClr>
-                </a:gs>
-                <a:gs pos="50000">
-                  <a:srgbClr val="7030A0">
-                    <a:tint val="44500"/>
-                    <a:satMod val="160000"/>
-                  </a:srgbClr>
-                </a:gs>
-                <a:gs pos="100000">
-                  <a:srgbClr val="7030A0">
-                    <a:tint val="23500"/>
-                    <a:satMod val="160000"/>
-                  </a:srgbClr>
-                </a:gs>
-              </a:gsLst>
-              <a:lin ang="16200000" scaled="1"/>
-              <a:tileRect/>
-            </a:gradFill>
-            <a:ln w="19050">
-              <a:solidFill>
-                <a:srgbClr val="7030A0"/>
-              </a:solidFill>
-            </a:ln>
-          </p:spPr>
-          <p:style>
-            <a:lnRef idx="2">
-              <a:schemeClr val="accent1">
-                <a:shade val="50000"/>
-              </a:schemeClr>
-            </a:lnRef>
-            <a:fillRef idx="1">
-              <a:schemeClr val="accent1"/>
-            </a:fillRef>
-            <a:effectRef idx="0">
-              <a:schemeClr val="accent1"/>
-            </a:effectRef>
-            <a:fontRef idx="minor">
-              <a:schemeClr val="lt1"/>
-            </a:fontRef>
-          </p:style>
-          <p:txBody>
-            <a:bodyPr rtlCol="0" anchor="ctr"/>
-            <a:lstStyle/>
-            <a:p>
-              <a:pPr algn="ctr"/>
-              <a:endParaRPr lang="it-IT"/>
-            </a:p>
-          </p:txBody>
-        </p:sp>
-      </p:grpSp>
-      <p:sp>
-        <p:nvSpPr>
-          <p:cNvPr id="10" name="Rettangolo con angoli arrotondati 9">
-            <a:extLst>
-              <a:ext uri="{FF2B5EF4-FFF2-40B4-BE49-F238E27FC236}">
-                <a16:creationId xmlns:a16="http://schemas.microsoft.com/office/drawing/2014/main" id="{F8DDEE95-6F98-8046-91E7-9C707BC112CE}"/>
-              </a:ext>
-            </a:extLst>
-          </p:cNvPr>
-          <p:cNvSpPr/>
-          <p:nvPr/>
-        </p:nvSpPr>
-        <p:spPr>
-          <a:xfrm>
-            <a:off x="5167618" y="473219"/>
-            <a:ext cx="6598257" cy="6148634"/>
-          </a:xfrm>
-          <a:prstGeom prst="roundRect">
-            <a:avLst/>
-          </a:prstGeom>
-          <a:gradFill flip="none" rotWithShape="1">
-            <a:gsLst>
-              <a:gs pos="0">
-                <a:srgbClr val="00B0F0">
-                  <a:tint val="66000"/>
-                  <a:satMod val="160000"/>
-                </a:srgbClr>
-              </a:gs>
-              <a:gs pos="50000">
-                <a:srgbClr val="00B0F0">
-                  <a:tint val="44500"/>
-                  <a:satMod val="160000"/>
-                </a:srgbClr>
-              </a:gs>
-              <a:gs pos="100000">
-                <a:srgbClr val="00B0F0">
-                  <a:tint val="23500"/>
-                  <a:satMod val="160000"/>
-                </a:srgbClr>
-              </a:gs>
-            </a:gsLst>
-            <a:lin ang="16200000" scaled="1"/>
-            <a:tileRect/>
-          </a:gradFill>
-          <a:ln>
-            <a:solidFill>
-              <a:srgbClr val="0070C0"/>
-            </a:solidFill>
-          </a:ln>
-        </p:spPr>
-        <p:style>
-          <a:lnRef idx="0">
-            <a:schemeClr val="accent5"/>
-          </a:lnRef>
-          <a:fillRef idx="3">
-            <a:schemeClr val="accent5"/>
-          </a:fillRef>
-          <a:effectRef idx="3">
-            <a:schemeClr val="accent5"/>
-          </a:effectRef>
-          <a:fontRef idx="minor">
-            <a:schemeClr val="lt1"/>
-          </a:fontRef>
-        </p:style>
-        <p:txBody>
-          <a:bodyPr rtlCol="0" anchor="ctr"/>
-          <a:lstStyle/>
-          <a:p>
-            <a:pPr algn="ctr"/>
-            <a:endParaRPr lang="it-IT"/>
-          </a:p>
-        </p:txBody>
-      </p:sp>
-      <p:sp>
-        <p:nvSpPr>
-          <p:cNvPr id="11" name="Rettangolo 10">
-            <a:extLst>
-              <a:ext uri="{FF2B5EF4-FFF2-40B4-BE49-F238E27FC236}">
-                <a16:creationId xmlns:a16="http://schemas.microsoft.com/office/drawing/2014/main" id="{AE9B44C1-956A-F443-BF43-FB1B1B27B636}"/>
-              </a:ext>
-            </a:extLst>
-          </p:cNvPr>
-          <p:cNvSpPr/>
-          <p:nvPr/>
-        </p:nvSpPr>
-        <p:spPr>
-          <a:xfrm>
-            <a:off x="7423786" y="474765"/>
-            <a:ext cx="2148396" cy="399496"/>
-          </a:xfrm>
-          <a:prstGeom prst="rect">
-            <a:avLst/>
-          </a:prstGeom>
-        </p:spPr>
-        <p:style>
-          <a:lnRef idx="2">
-            <a:schemeClr val="dk1"/>
-          </a:lnRef>
-          <a:fillRef idx="1">
-            <a:schemeClr val="lt1"/>
-          </a:fillRef>
-          <a:effectRef idx="0">
-            <a:schemeClr val="dk1"/>
-          </a:effectRef>
-          <a:fontRef idx="minor">
-            <a:schemeClr val="dk1"/>
-          </a:fontRef>
-        </p:style>
-        <p:txBody>
-          <a:bodyPr rtlCol="0" anchor="ctr"/>
-          <a:lstStyle/>
-          <a:p>
-            <a:pPr algn="ctr"/>
-            <a:r>
-              <a:rPr lang="it-IT" dirty="0"/>
-              <a:t>Context Robot</a:t>
-            </a:r>
-          </a:p>
-        </p:txBody>
-      </p:sp>
-      <p:grpSp>
-        <p:nvGrpSpPr>
-          <p:cNvPr id="12" name="Gruppo 11">
-            <a:extLst>
-              <a:ext uri="{FF2B5EF4-FFF2-40B4-BE49-F238E27FC236}">
-                <a16:creationId xmlns:a16="http://schemas.microsoft.com/office/drawing/2014/main" id="{4542C1D9-72DF-F94B-B564-99A1480166EE}"/>
-              </a:ext>
-            </a:extLst>
-          </p:cNvPr>
-          <p:cNvGrpSpPr/>
-          <p:nvPr/>
-        </p:nvGrpSpPr>
-        <p:grpSpPr>
-          <a:xfrm>
-            <a:off x="9240714" y="1216920"/>
-            <a:ext cx="1745203" cy="967667"/>
-            <a:chOff x="6736343" y="1517255"/>
-            <a:chExt cx="1745203" cy="967667"/>
-          </a:xfrm>
-        </p:grpSpPr>
-        <p:sp>
-          <p:nvSpPr>
-            <p:cNvPr id="13" name="Ovale 12">
-              <a:extLst>
-                <a:ext uri="{FF2B5EF4-FFF2-40B4-BE49-F238E27FC236}">
-                  <a16:creationId xmlns:a16="http://schemas.microsoft.com/office/drawing/2014/main" id="{7576B861-8F51-3441-8706-0A697B49E5CF}"/>
-                </a:ext>
-              </a:extLst>
-            </p:cNvPr>
-            <p:cNvSpPr/>
-            <p:nvPr/>
-          </p:nvSpPr>
-          <p:spPr>
-            <a:xfrm>
-              <a:off x="7203161" y="1517255"/>
-              <a:ext cx="1278385" cy="967667"/>
-            </a:xfrm>
-            <a:prstGeom prst="ellipse">
-              <a:avLst/>
-            </a:prstGeom>
-            <a:gradFill flip="none" rotWithShape="1">
-              <a:gsLst>
-                <a:gs pos="0">
-                  <a:srgbClr val="FF0000">
-                    <a:tint val="66000"/>
-                    <a:satMod val="160000"/>
-                  </a:srgbClr>
-                </a:gs>
-                <a:gs pos="50000">
-                  <a:srgbClr val="FF0000">
-                    <a:tint val="44500"/>
-                    <a:satMod val="160000"/>
-                  </a:srgbClr>
-                </a:gs>
-                <a:gs pos="100000">
-                  <a:srgbClr val="FF0000">
-                    <a:tint val="23500"/>
-                    <a:satMod val="160000"/>
-                  </a:srgbClr>
-                </a:gs>
-              </a:gsLst>
-              <a:path path="circle">
-                <a:fillToRect t="100000" r="100000"/>
-              </a:path>
-              <a:tileRect l="-100000" b="-100000"/>
-            </a:gradFill>
-            <a:ln w="19050">
-              <a:solidFill>
-                <a:srgbClr val="C00000"/>
-              </a:solidFill>
-            </a:ln>
-          </p:spPr>
-          <p:style>
-            <a:lnRef idx="2">
-              <a:schemeClr val="accent1">
-                <a:shade val="50000"/>
-              </a:schemeClr>
-            </a:lnRef>
-            <a:fillRef idx="1">
-              <a:schemeClr val="accent1"/>
-            </a:fillRef>
-            <a:effectRef idx="0">
-              <a:schemeClr val="accent1"/>
-            </a:effectRef>
-            <a:fontRef idx="minor">
-              <a:schemeClr val="lt1"/>
-            </a:fontRef>
-          </p:style>
-          <p:txBody>
-            <a:bodyPr rtlCol="0" anchor="ctr"/>
-            <a:lstStyle/>
-            <a:p>
-              <a:pPr algn="ctr"/>
-              <a:r>
-                <a:rPr lang="it-IT" dirty="0">
-                  <a:solidFill>
-                    <a:schemeClr val="tx1"/>
-                  </a:solidFill>
-                </a:rPr>
-                <a:t>Basic robot</a:t>
-              </a:r>
-            </a:p>
-          </p:txBody>
-        </p:sp>
-        <p:sp>
-          <p:nvSpPr>
-            <p:cNvPr id="14" name="Rettangolo 13">
-              <a:extLst>
-                <a:ext uri="{FF2B5EF4-FFF2-40B4-BE49-F238E27FC236}">
-                  <a16:creationId xmlns:a16="http://schemas.microsoft.com/office/drawing/2014/main" id="{98D259EE-48C6-924F-A19A-33A50CB646D1}"/>
-                </a:ext>
-              </a:extLst>
-            </p:cNvPr>
-            <p:cNvSpPr/>
-            <p:nvPr/>
-          </p:nvSpPr>
-          <p:spPr>
-            <a:xfrm>
-              <a:off x="6982698" y="1761394"/>
-              <a:ext cx="220463" cy="390617"/>
-            </a:xfrm>
-            <a:prstGeom prst="rect">
-              <a:avLst/>
-            </a:prstGeom>
-            <a:gradFill flip="none" rotWithShape="1">
-              <a:gsLst>
-                <a:gs pos="0">
-                  <a:srgbClr val="7030A0">
-                    <a:tint val="66000"/>
-                    <a:satMod val="160000"/>
-                  </a:srgbClr>
-                </a:gs>
-                <a:gs pos="50000">
-                  <a:srgbClr val="7030A0">
-                    <a:tint val="44500"/>
-                    <a:satMod val="160000"/>
-                  </a:srgbClr>
-                </a:gs>
-                <a:gs pos="100000">
-                  <a:srgbClr val="7030A0">
-                    <a:tint val="23500"/>
-                    <a:satMod val="160000"/>
-                  </a:srgbClr>
-                </a:gs>
-              </a:gsLst>
-              <a:lin ang="16200000" scaled="1"/>
-              <a:tileRect/>
-            </a:gradFill>
-            <a:ln w="19050">
-              <a:solidFill>
-                <a:srgbClr val="7030A0"/>
-              </a:solidFill>
-            </a:ln>
-          </p:spPr>
-          <p:style>
-            <a:lnRef idx="2">
-              <a:schemeClr val="accent1">
-                <a:shade val="50000"/>
-              </a:schemeClr>
-            </a:lnRef>
-            <a:fillRef idx="1">
-              <a:schemeClr val="accent1"/>
-            </a:fillRef>
-            <a:effectRef idx="0">
-              <a:schemeClr val="accent1"/>
-            </a:effectRef>
-            <a:fontRef idx="minor">
-              <a:schemeClr val="lt1"/>
-            </a:fontRef>
-          </p:style>
-          <p:txBody>
-            <a:bodyPr rtlCol="0" anchor="ctr"/>
-            <a:lstStyle/>
-            <a:p>
-              <a:pPr algn="ctr"/>
-              <a:endParaRPr lang="it-IT"/>
-            </a:p>
-          </p:txBody>
-        </p:sp>
-        <p:sp>
-          <p:nvSpPr>
-            <p:cNvPr id="15" name="Rettangolo 14">
-              <a:extLst>
-                <a:ext uri="{FF2B5EF4-FFF2-40B4-BE49-F238E27FC236}">
-                  <a16:creationId xmlns:a16="http://schemas.microsoft.com/office/drawing/2014/main" id="{30BFC57E-5C16-F248-9DCC-07BB6CEA11E2}"/>
-                </a:ext>
-              </a:extLst>
-            </p:cNvPr>
-            <p:cNvSpPr/>
-            <p:nvPr/>
-          </p:nvSpPr>
-          <p:spPr>
-            <a:xfrm>
-              <a:off x="6736343" y="1761394"/>
-              <a:ext cx="220463" cy="390617"/>
-            </a:xfrm>
-            <a:prstGeom prst="rect">
-              <a:avLst/>
-            </a:prstGeom>
-            <a:gradFill flip="none" rotWithShape="1">
-              <a:gsLst>
-                <a:gs pos="0">
-                  <a:srgbClr val="7030A0">
-                    <a:tint val="66000"/>
-                    <a:satMod val="160000"/>
-                  </a:srgbClr>
-                </a:gs>
-                <a:gs pos="50000">
-                  <a:srgbClr val="7030A0">
-                    <a:tint val="44500"/>
-                    <a:satMod val="160000"/>
-                  </a:srgbClr>
-                </a:gs>
-                <a:gs pos="100000">
-                  <a:srgbClr val="7030A0">
-                    <a:tint val="23500"/>
-                    <a:satMod val="160000"/>
-                  </a:srgbClr>
-                </a:gs>
-              </a:gsLst>
-              <a:lin ang="16200000" scaled="1"/>
-              <a:tileRect/>
-            </a:gradFill>
-            <a:ln w="19050">
-              <a:solidFill>
-                <a:srgbClr val="7030A0"/>
-              </a:solidFill>
-            </a:ln>
-          </p:spPr>
-          <p:style>
-            <a:lnRef idx="2">
-              <a:schemeClr val="accent1">
-                <a:shade val="50000"/>
-              </a:schemeClr>
-            </a:lnRef>
-            <a:fillRef idx="1">
-              <a:schemeClr val="accent1"/>
-            </a:fillRef>
-            <a:effectRef idx="0">
-              <a:schemeClr val="accent1"/>
-            </a:effectRef>
-            <a:fontRef idx="minor">
-              <a:schemeClr val="lt1"/>
-            </a:fontRef>
-          </p:style>
-          <p:txBody>
-            <a:bodyPr rtlCol="0" anchor="ctr"/>
-            <a:lstStyle/>
-            <a:p>
-              <a:pPr algn="ctr"/>
-              <a:endParaRPr lang="it-IT"/>
-            </a:p>
-          </p:txBody>
-        </p:sp>
-      </p:grpSp>
-      <p:sp>
-        <p:nvSpPr>
-          <p:cNvPr id="16" name="Rettangolo con angoli arrotondati 15">
-            <a:extLst>
-              <a:ext uri="{FF2B5EF4-FFF2-40B4-BE49-F238E27FC236}">
-                <a16:creationId xmlns:a16="http://schemas.microsoft.com/office/drawing/2014/main" id="{051EC4F6-8294-F94C-8466-F4D40796C4E0}"/>
-              </a:ext>
-            </a:extLst>
-          </p:cNvPr>
-          <p:cNvSpPr/>
-          <p:nvPr/>
-        </p:nvSpPr>
-        <p:spPr>
-          <a:xfrm>
-            <a:off x="307588" y="4136992"/>
-            <a:ext cx="3162343" cy="2354886"/>
-          </a:xfrm>
-          <a:prstGeom prst="roundRect">
-            <a:avLst/>
-          </a:prstGeom>
-          <a:gradFill flip="none" rotWithShape="1">
-            <a:gsLst>
-              <a:gs pos="0">
-                <a:srgbClr val="00B0F0">
-                  <a:tint val="66000"/>
-                  <a:satMod val="160000"/>
-                </a:srgbClr>
-              </a:gs>
-              <a:gs pos="50000">
-                <a:srgbClr val="00B0F0">
-                  <a:tint val="44500"/>
-                  <a:satMod val="160000"/>
-                </a:srgbClr>
-              </a:gs>
-              <a:gs pos="100000">
-                <a:srgbClr val="00B0F0">
-                  <a:tint val="23500"/>
-                  <a:satMod val="160000"/>
-                </a:srgbClr>
-              </a:gs>
-            </a:gsLst>
-            <a:lin ang="16200000" scaled="1"/>
-            <a:tileRect/>
-          </a:gradFill>
-          <a:ln>
-            <a:solidFill>
-              <a:srgbClr val="0070C0"/>
-            </a:solidFill>
-          </a:ln>
-        </p:spPr>
-        <p:style>
-          <a:lnRef idx="0">
-            <a:schemeClr val="accent5"/>
-          </a:lnRef>
-          <a:fillRef idx="3">
-            <a:schemeClr val="accent5"/>
-          </a:fillRef>
-          <a:effectRef idx="3">
-            <a:schemeClr val="accent5"/>
-          </a:effectRef>
-          <a:fontRef idx="minor">
-            <a:schemeClr val="lt1"/>
-          </a:fontRef>
-        </p:style>
-        <p:txBody>
-          <a:bodyPr rtlCol="0" anchor="ctr"/>
-          <a:lstStyle/>
-          <a:p>
-            <a:pPr algn="ctr"/>
-            <a:endParaRPr lang="it-IT"/>
-          </a:p>
-        </p:txBody>
-      </p:sp>
-      <p:sp>
-        <p:nvSpPr>
-          <p:cNvPr id="17" name="Rettangolo 16">
-            <a:extLst>
-              <a:ext uri="{FF2B5EF4-FFF2-40B4-BE49-F238E27FC236}">
-                <a16:creationId xmlns:a16="http://schemas.microsoft.com/office/drawing/2014/main" id="{FE9742ED-67DD-104B-AD88-E03B91063AB4}"/>
-              </a:ext>
-            </a:extLst>
-          </p:cNvPr>
-          <p:cNvSpPr/>
-          <p:nvPr/>
-        </p:nvSpPr>
-        <p:spPr>
-          <a:xfrm>
-            <a:off x="814561" y="4136992"/>
-            <a:ext cx="2148396" cy="399496"/>
-          </a:xfrm>
-          <a:prstGeom prst="rect">
-            <a:avLst/>
-          </a:prstGeom>
-        </p:spPr>
-        <p:style>
-          <a:lnRef idx="2">
-            <a:schemeClr val="dk1"/>
-          </a:lnRef>
-          <a:fillRef idx="1">
-            <a:schemeClr val="lt1"/>
-          </a:fillRef>
-          <a:effectRef idx="0">
-            <a:schemeClr val="dk1"/>
-          </a:effectRef>
-          <a:fontRef idx="minor">
-            <a:schemeClr val="dk1"/>
-          </a:fontRef>
-        </p:style>
-        <p:txBody>
-          <a:bodyPr rtlCol="0" anchor="ctr"/>
-          <a:lstStyle/>
-          <a:p>
-            <a:pPr algn="ctr"/>
-            <a:r>
-              <a:rPr lang="it-IT" dirty="0"/>
-              <a:t>Context Fridge</a:t>
-            </a:r>
-          </a:p>
-        </p:txBody>
-      </p:sp>
-      <p:grpSp>
-        <p:nvGrpSpPr>
-          <p:cNvPr id="18" name="Gruppo 17">
-            <a:extLst>
-              <a:ext uri="{FF2B5EF4-FFF2-40B4-BE49-F238E27FC236}">
-                <a16:creationId xmlns:a16="http://schemas.microsoft.com/office/drawing/2014/main" id="{FD39B991-9634-3D4C-9D1F-AB74CDD30232}"/>
-              </a:ext>
-            </a:extLst>
-          </p:cNvPr>
-          <p:cNvGrpSpPr/>
-          <p:nvPr/>
-        </p:nvGrpSpPr>
-        <p:grpSpPr>
-          <a:xfrm>
-            <a:off x="887904" y="5172230"/>
-            <a:ext cx="1745203" cy="967667"/>
-            <a:chOff x="6736343" y="1517255"/>
-            <a:chExt cx="1745203" cy="967667"/>
-          </a:xfrm>
-        </p:grpSpPr>
-        <p:sp>
-          <p:nvSpPr>
-            <p:cNvPr id="19" name="Ovale 18">
-              <a:extLst>
-                <a:ext uri="{FF2B5EF4-FFF2-40B4-BE49-F238E27FC236}">
-                  <a16:creationId xmlns:a16="http://schemas.microsoft.com/office/drawing/2014/main" id="{0139AE2F-7F50-9C43-9C7D-2B95E6DC0B1D}"/>
-                </a:ext>
-              </a:extLst>
-            </p:cNvPr>
-            <p:cNvSpPr/>
-            <p:nvPr/>
-          </p:nvSpPr>
-          <p:spPr>
-            <a:xfrm>
-              <a:off x="7203161" y="1517255"/>
-              <a:ext cx="1278385" cy="967667"/>
-            </a:xfrm>
-            <a:prstGeom prst="ellipse">
-              <a:avLst/>
-            </a:prstGeom>
-            <a:gradFill flip="none" rotWithShape="1">
-              <a:gsLst>
-                <a:gs pos="0">
-                  <a:srgbClr val="FF0000">
-                    <a:tint val="66000"/>
-                    <a:satMod val="160000"/>
-                  </a:srgbClr>
-                </a:gs>
-                <a:gs pos="50000">
-                  <a:srgbClr val="FF0000">
-                    <a:tint val="44500"/>
-                    <a:satMod val="160000"/>
-                  </a:srgbClr>
-                </a:gs>
-                <a:gs pos="100000">
-                  <a:srgbClr val="FF0000">
-                    <a:tint val="23500"/>
-                    <a:satMod val="160000"/>
-                  </a:srgbClr>
-                </a:gs>
-              </a:gsLst>
-              <a:path path="circle">
-                <a:fillToRect t="100000" r="100000"/>
-              </a:path>
-              <a:tileRect l="-100000" b="-100000"/>
-            </a:gradFill>
-            <a:ln w="19050">
-              <a:solidFill>
-                <a:srgbClr val="C00000"/>
-              </a:solidFill>
-            </a:ln>
-          </p:spPr>
-          <p:style>
-            <a:lnRef idx="2">
-              <a:schemeClr val="accent1">
-                <a:shade val="50000"/>
-              </a:schemeClr>
-            </a:lnRef>
-            <a:fillRef idx="1">
-              <a:schemeClr val="accent1"/>
-            </a:fillRef>
-            <a:effectRef idx="0">
-              <a:schemeClr val="accent1"/>
-            </a:effectRef>
-            <a:fontRef idx="minor">
-              <a:schemeClr val="lt1"/>
-            </a:fontRef>
-          </p:style>
-          <p:txBody>
-            <a:bodyPr rtlCol="0" anchor="ctr"/>
-            <a:lstStyle/>
-            <a:p>
-              <a:pPr algn="ctr"/>
-              <a:r>
-                <a:rPr lang="it-IT" dirty="0">
-                  <a:solidFill>
-                    <a:schemeClr val="tx1"/>
-                  </a:solidFill>
-                </a:rPr>
-                <a:t>Fridge</a:t>
-              </a:r>
-            </a:p>
-          </p:txBody>
-        </p:sp>
-        <p:sp>
-          <p:nvSpPr>
-            <p:cNvPr id="20" name="Rettangolo 19">
-              <a:extLst>
-                <a:ext uri="{FF2B5EF4-FFF2-40B4-BE49-F238E27FC236}">
-                  <a16:creationId xmlns:a16="http://schemas.microsoft.com/office/drawing/2014/main" id="{25F1C3E9-3629-EB43-8F51-338599B301E8}"/>
-                </a:ext>
-              </a:extLst>
-            </p:cNvPr>
-            <p:cNvSpPr/>
-            <p:nvPr/>
-          </p:nvSpPr>
-          <p:spPr>
-            <a:xfrm>
-              <a:off x="6982698" y="1761394"/>
-              <a:ext cx="220463" cy="390617"/>
-            </a:xfrm>
-            <a:prstGeom prst="rect">
-              <a:avLst/>
-            </a:prstGeom>
-            <a:gradFill flip="none" rotWithShape="1">
-              <a:gsLst>
-                <a:gs pos="0">
-                  <a:srgbClr val="7030A0">
-                    <a:tint val="66000"/>
-                    <a:satMod val="160000"/>
-                  </a:srgbClr>
-                </a:gs>
-                <a:gs pos="50000">
-                  <a:srgbClr val="7030A0">
-                    <a:tint val="44500"/>
-                    <a:satMod val="160000"/>
-                  </a:srgbClr>
-                </a:gs>
-                <a:gs pos="100000">
-                  <a:srgbClr val="7030A0">
-                    <a:tint val="23500"/>
-                    <a:satMod val="160000"/>
-                  </a:srgbClr>
-                </a:gs>
-              </a:gsLst>
-              <a:lin ang="16200000" scaled="1"/>
-              <a:tileRect/>
-            </a:gradFill>
-            <a:ln w="19050">
-              <a:solidFill>
-                <a:srgbClr val="7030A0"/>
-              </a:solidFill>
-            </a:ln>
-          </p:spPr>
-          <p:style>
-            <a:lnRef idx="2">
-              <a:schemeClr val="accent1">
-                <a:shade val="50000"/>
-              </a:schemeClr>
-            </a:lnRef>
-            <a:fillRef idx="1">
-              <a:schemeClr val="accent1"/>
-            </a:fillRef>
-            <a:effectRef idx="0">
-              <a:schemeClr val="accent1"/>
-            </a:effectRef>
-            <a:fontRef idx="minor">
-              <a:schemeClr val="lt1"/>
-            </a:fontRef>
-          </p:style>
-          <p:txBody>
-            <a:bodyPr rtlCol="0" anchor="ctr"/>
-            <a:lstStyle/>
-            <a:p>
-              <a:pPr algn="ctr"/>
-              <a:endParaRPr lang="it-IT"/>
-            </a:p>
-          </p:txBody>
-        </p:sp>
-        <p:sp>
-          <p:nvSpPr>
-            <p:cNvPr id="21" name="Rettangolo 20">
-              <a:extLst>
-                <a:ext uri="{FF2B5EF4-FFF2-40B4-BE49-F238E27FC236}">
-                  <a16:creationId xmlns:a16="http://schemas.microsoft.com/office/drawing/2014/main" id="{3EEF631A-4E35-5542-9E38-2F9CE29F399B}"/>
-                </a:ext>
-              </a:extLst>
-            </p:cNvPr>
-            <p:cNvSpPr/>
-            <p:nvPr/>
-          </p:nvSpPr>
-          <p:spPr>
-            <a:xfrm>
-              <a:off x="6736343" y="1761394"/>
-              <a:ext cx="220463" cy="390617"/>
-            </a:xfrm>
-            <a:prstGeom prst="rect">
-              <a:avLst/>
-            </a:prstGeom>
-            <a:gradFill flip="none" rotWithShape="1">
-              <a:gsLst>
-                <a:gs pos="0">
-                  <a:srgbClr val="7030A0">
-                    <a:tint val="66000"/>
-                    <a:satMod val="160000"/>
-                  </a:srgbClr>
-                </a:gs>
-                <a:gs pos="50000">
-                  <a:srgbClr val="7030A0">
-                    <a:tint val="44500"/>
-                    <a:satMod val="160000"/>
-                  </a:srgbClr>
-                </a:gs>
-                <a:gs pos="100000">
-                  <a:srgbClr val="7030A0">
-                    <a:tint val="23500"/>
-                    <a:satMod val="160000"/>
-                  </a:srgbClr>
-                </a:gs>
-              </a:gsLst>
-              <a:lin ang="16200000" scaled="1"/>
-              <a:tileRect/>
-            </a:gradFill>
-            <a:ln w="19050">
-              <a:solidFill>
-                <a:srgbClr val="7030A0"/>
-              </a:solidFill>
-            </a:ln>
-          </p:spPr>
-          <p:style>
-            <a:lnRef idx="2">
-              <a:schemeClr val="accent1">
-                <a:shade val="50000"/>
-              </a:schemeClr>
-            </a:lnRef>
-            <a:fillRef idx="1">
-              <a:schemeClr val="accent1"/>
-            </a:fillRef>
-            <a:effectRef idx="0">
-              <a:schemeClr val="accent1"/>
-            </a:effectRef>
-            <a:fontRef idx="minor">
-              <a:schemeClr val="lt1"/>
-            </a:fontRef>
-          </p:style>
-          <p:txBody>
-            <a:bodyPr rtlCol="0" anchor="ctr"/>
-            <a:lstStyle/>
-            <a:p>
-              <a:pPr algn="ctr"/>
-              <a:endParaRPr lang="it-IT"/>
-            </a:p>
-          </p:txBody>
-        </p:sp>
-      </p:grpSp>
-      <p:grpSp>
-        <p:nvGrpSpPr>
-          <p:cNvPr id="22" name="Gruppo 21">
-            <a:extLst>
-              <a:ext uri="{FF2B5EF4-FFF2-40B4-BE49-F238E27FC236}">
-                <a16:creationId xmlns:a16="http://schemas.microsoft.com/office/drawing/2014/main" id="{533C7924-B595-674D-BA89-0DBFB6D5BD0A}"/>
-              </a:ext>
-            </a:extLst>
-          </p:cNvPr>
-          <p:cNvGrpSpPr/>
-          <p:nvPr/>
-        </p:nvGrpSpPr>
-        <p:grpSpPr>
-          <a:xfrm>
-            <a:off x="9305278" y="2632859"/>
-            <a:ext cx="1745203" cy="967667"/>
-            <a:chOff x="6736343" y="1517255"/>
-            <a:chExt cx="1745203" cy="967667"/>
-          </a:xfrm>
-        </p:grpSpPr>
-        <p:sp>
-          <p:nvSpPr>
-            <p:cNvPr id="23" name="Ovale 22">
-              <a:extLst>
-                <a:ext uri="{FF2B5EF4-FFF2-40B4-BE49-F238E27FC236}">
-                  <a16:creationId xmlns:a16="http://schemas.microsoft.com/office/drawing/2014/main" id="{21442BA2-1A37-CA45-8B5B-48C3813F45E7}"/>
-                </a:ext>
-              </a:extLst>
-            </p:cNvPr>
-            <p:cNvSpPr/>
-            <p:nvPr/>
-          </p:nvSpPr>
-          <p:spPr>
-            <a:xfrm>
-              <a:off x="7203161" y="1517255"/>
-              <a:ext cx="1278385" cy="967667"/>
-            </a:xfrm>
-            <a:prstGeom prst="ellipse">
-              <a:avLst/>
-            </a:prstGeom>
-            <a:gradFill flip="none" rotWithShape="1">
-              <a:gsLst>
-                <a:gs pos="0">
-                  <a:srgbClr val="FF0000">
-                    <a:tint val="66000"/>
-                    <a:satMod val="160000"/>
-                  </a:srgbClr>
-                </a:gs>
-                <a:gs pos="50000">
-                  <a:srgbClr val="FF0000">
-                    <a:tint val="44500"/>
-                    <a:satMod val="160000"/>
-                  </a:srgbClr>
-                </a:gs>
-                <a:gs pos="100000">
-                  <a:srgbClr val="FF0000">
-                    <a:tint val="23500"/>
-                    <a:satMod val="160000"/>
-                  </a:srgbClr>
-                </a:gs>
-              </a:gsLst>
-              <a:path path="circle">
-                <a:fillToRect t="100000" r="100000"/>
-              </a:path>
-              <a:tileRect l="-100000" b="-100000"/>
-            </a:gradFill>
-            <a:ln w="19050">
-              <a:solidFill>
-                <a:srgbClr val="C00000"/>
-              </a:solidFill>
-            </a:ln>
-          </p:spPr>
-          <p:style>
-            <a:lnRef idx="2">
-              <a:schemeClr val="accent1">
-                <a:shade val="50000"/>
-              </a:schemeClr>
-            </a:lnRef>
-            <a:fillRef idx="1">
-              <a:schemeClr val="accent1"/>
-            </a:fillRef>
-            <a:effectRef idx="0">
-              <a:schemeClr val="accent1"/>
-            </a:effectRef>
-            <a:fontRef idx="minor">
-              <a:schemeClr val="lt1"/>
-            </a:fontRef>
-          </p:style>
-          <p:txBody>
-            <a:bodyPr rtlCol="0" anchor="ctr"/>
-            <a:lstStyle/>
-            <a:p>
-              <a:pPr algn="ctr"/>
-              <a:r>
-                <a:rPr lang="it-IT" sz="1500" dirty="0">
-                  <a:solidFill>
-                    <a:schemeClr val="tx1"/>
-                  </a:solidFill>
-                </a:rPr>
-                <a:t>Resource model</a:t>
-              </a:r>
-            </a:p>
-          </p:txBody>
-        </p:sp>
-        <p:sp>
-          <p:nvSpPr>
-            <p:cNvPr id="24" name="Rettangolo 23">
-              <a:extLst>
-                <a:ext uri="{FF2B5EF4-FFF2-40B4-BE49-F238E27FC236}">
-                  <a16:creationId xmlns:a16="http://schemas.microsoft.com/office/drawing/2014/main" id="{608E74D1-2558-844E-A386-C53CC94B2D76}"/>
-                </a:ext>
-              </a:extLst>
-            </p:cNvPr>
-            <p:cNvSpPr/>
-            <p:nvPr/>
-          </p:nvSpPr>
-          <p:spPr>
-            <a:xfrm>
-              <a:off x="6982698" y="1761394"/>
-              <a:ext cx="220463" cy="390617"/>
-            </a:xfrm>
-            <a:prstGeom prst="rect">
-              <a:avLst/>
-            </a:prstGeom>
-            <a:gradFill flip="none" rotWithShape="1">
-              <a:gsLst>
-                <a:gs pos="0">
-                  <a:srgbClr val="7030A0">
-                    <a:tint val="66000"/>
-                    <a:satMod val="160000"/>
-                  </a:srgbClr>
-                </a:gs>
-                <a:gs pos="50000">
-                  <a:srgbClr val="7030A0">
-                    <a:tint val="44500"/>
-                    <a:satMod val="160000"/>
-                  </a:srgbClr>
-                </a:gs>
-                <a:gs pos="100000">
-                  <a:srgbClr val="7030A0">
-                    <a:tint val="23500"/>
-                    <a:satMod val="160000"/>
-                  </a:srgbClr>
-                </a:gs>
-              </a:gsLst>
-              <a:lin ang="16200000" scaled="1"/>
-              <a:tileRect/>
-            </a:gradFill>
-            <a:ln w="19050">
-              <a:solidFill>
-                <a:srgbClr val="7030A0"/>
-              </a:solidFill>
-            </a:ln>
-          </p:spPr>
-          <p:style>
-            <a:lnRef idx="2">
-              <a:schemeClr val="accent1">
-                <a:shade val="50000"/>
-              </a:schemeClr>
-            </a:lnRef>
-            <a:fillRef idx="1">
-              <a:schemeClr val="accent1"/>
-            </a:fillRef>
-            <a:effectRef idx="0">
-              <a:schemeClr val="accent1"/>
-            </a:effectRef>
-            <a:fontRef idx="minor">
-              <a:schemeClr val="lt1"/>
-            </a:fontRef>
-          </p:style>
-          <p:txBody>
-            <a:bodyPr rtlCol="0" anchor="ctr"/>
-            <a:lstStyle/>
-            <a:p>
-              <a:pPr algn="ctr"/>
-              <a:endParaRPr lang="it-IT"/>
-            </a:p>
-          </p:txBody>
-        </p:sp>
-        <p:sp>
-          <p:nvSpPr>
-            <p:cNvPr id="25" name="Rettangolo 24">
-              <a:extLst>
-                <a:ext uri="{FF2B5EF4-FFF2-40B4-BE49-F238E27FC236}">
-                  <a16:creationId xmlns:a16="http://schemas.microsoft.com/office/drawing/2014/main" id="{68B44B71-15E0-8047-94E4-A2712A6A3B8C}"/>
-                </a:ext>
-              </a:extLst>
-            </p:cNvPr>
-            <p:cNvSpPr/>
-            <p:nvPr/>
-          </p:nvSpPr>
-          <p:spPr>
-            <a:xfrm>
-              <a:off x="6736343" y="1761394"/>
-              <a:ext cx="220463" cy="390617"/>
-            </a:xfrm>
-            <a:prstGeom prst="rect">
-              <a:avLst/>
-            </a:prstGeom>
-            <a:gradFill flip="none" rotWithShape="1">
-              <a:gsLst>
-                <a:gs pos="0">
-                  <a:srgbClr val="7030A0">
-                    <a:tint val="66000"/>
-                    <a:satMod val="160000"/>
-                  </a:srgbClr>
-                </a:gs>
-                <a:gs pos="50000">
-                  <a:srgbClr val="7030A0">
-                    <a:tint val="44500"/>
-                    <a:satMod val="160000"/>
-                  </a:srgbClr>
-                </a:gs>
-                <a:gs pos="100000">
-                  <a:srgbClr val="7030A0">
-                    <a:tint val="23500"/>
-                    <a:satMod val="160000"/>
-                  </a:srgbClr>
-                </a:gs>
-              </a:gsLst>
-              <a:lin ang="16200000" scaled="1"/>
-              <a:tileRect/>
-            </a:gradFill>
-            <a:ln w="19050">
-              <a:solidFill>
-                <a:srgbClr val="7030A0"/>
-              </a:solidFill>
-            </a:ln>
-          </p:spPr>
-          <p:style>
-            <a:lnRef idx="2">
-              <a:schemeClr val="accent1">
-                <a:shade val="50000"/>
-              </a:schemeClr>
-            </a:lnRef>
-            <a:fillRef idx="1">
-              <a:schemeClr val="accent1"/>
-            </a:fillRef>
-            <a:effectRef idx="0">
-              <a:schemeClr val="accent1"/>
-            </a:effectRef>
-            <a:fontRef idx="minor">
-              <a:schemeClr val="lt1"/>
-            </a:fontRef>
-          </p:style>
-          <p:txBody>
-            <a:bodyPr rtlCol="0" anchor="ctr"/>
-            <a:lstStyle/>
-            <a:p>
-              <a:pPr algn="ctr"/>
-              <a:endParaRPr lang="it-IT"/>
-            </a:p>
-          </p:txBody>
-        </p:sp>
-      </p:grpSp>
-      <p:grpSp>
-        <p:nvGrpSpPr>
-          <p:cNvPr id="26" name="Gruppo 25">
-            <a:extLst>
-              <a:ext uri="{FF2B5EF4-FFF2-40B4-BE49-F238E27FC236}">
-                <a16:creationId xmlns:a16="http://schemas.microsoft.com/office/drawing/2014/main" id="{99288C1E-3A28-CB44-BA22-CE0B21473325}"/>
-              </a:ext>
-            </a:extLst>
-          </p:cNvPr>
-          <p:cNvGrpSpPr/>
-          <p:nvPr/>
-        </p:nvGrpSpPr>
-        <p:grpSpPr>
-          <a:xfrm>
-            <a:off x="9664735" y="5417590"/>
-            <a:ext cx="1745203" cy="967667"/>
-            <a:chOff x="6736343" y="1517255"/>
-            <a:chExt cx="1745203" cy="967667"/>
-          </a:xfrm>
-        </p:grpSpPr>
-        <p:sp>
-          <p:nvSpPr>
-            <p:cNvPr id="27" name="Ovale 26">
-              <a:extLst>
-                <a:ext uri="{FF2B5EF4-FFF2-40B4-BE49-F238E27FC236}">
-                  <a16:creationId xmlns:a16="http://schemas.microsoft.com/office/drawing/2014/main" id="{5F8CBC1F-B711-9248-ABB3-BDBD6B1A8C19}"/>
-                </a:ext>
-              </a:extLst>
-            </p:cNvPr>
-            <p:cNvSpPr/>
-            <p:nvPr/>
-          </p:nvSpPr>
-          <p:spPr>
-            <a:xfrm>
-              <a:off x="7203161" y="1517255"/>
-              <a:ext cx="1278385" cy="967667"/>
-            </a:xfrm>
-            <a:prstGeom prst="ellipse">
-              <a:avLst/>
-            </a:prstGeom>
-            <a:gradFill flip="none" rotWithShape="1">
-              <a:gsLst>
-                <a:gs pos="0">
-                  <a:srgbClr val="FF0000">
-                    <a:tint val="66000"/>
-                    <a:satMod val="160000"/>
-                  </a:srgbClr>
-                </a:gs>
-                <a:gs pos="50000">
-                  <a:srgbClr val="FF0000">
-                    <a:tint val="44500"/>
-                    <a:satMod val="160000"/>
-                  </a:srgbClr>
-                </a:gs>
-                <a:gs pos="100000">
-                  <a:srgbClr val="FF0000">
-                    <a:tint val="23500"/>
-                    <a:satMod val="160000"/>
-                  </a:srgbClr>
-                </a:gs>
-              </a:gsLst>
-              <a:path path="circle">
-                <a:fillToRect t="100000" r="100000"/>
-              </a:path>
-              <a:tileRect l="-100000" b="-100000"/>
-            </a:gradFill>
-            <a:ln w="19050">
-              <a:solidFill>
-                <a:srgbClr val="C00000"/>
-              </a:solidFill>
-            </a:ln>
-          </p:spPr>
-          <p:style>
-            <a:lnRef idx="2">
-              <a:schemeClr val="accent1">
-                <a:shade val="50000"/>
-              </a:schemeClr>
-            </a:lnRef>
-            <a:fillRef idx="1">
-              <a:schemeClr val="accent1"/>
-            </a:fillRef>
-            <a:effectRef idx="0">
-              <a:schemeClr val="accent1"/>
-            </a:effectRef>
-            <a:fontRef idx="minor">
-              <a:schemeClr val="lt1"/>
-            </a:fontRef>
-          </p:style>
-          <p:txBody>
-            <a:bodyPr rtlCol="0" anchor="ctr"/>
-            <a:lstStyle/>
-            <a:p>
-              <a:pPr algn="ctr"/>
-              <a:r>
-                <a:rPr lang="it-IT" dirty="0">
-                  <a:solidFill>
-                    <a:schemeClr val="tx1"/>
-                  </a:solidFill>
-                </a:rPr>
-                <a:t>kb</a:t>
-              </a:r>
-            </a:p>
-          </p:txBody>
-        </p:sp>
-        <p:sp>
-          <p:nvSpPr>
-            <p:cNvPr id="28" name="Rettangolo 27">
-              <a:extLst>
-                <a:ext uri="{FF2B5EF4-FFF2-40B4-BE49-F238E27FC236}">
-                  <a16:creationId xmlns:a16="http://schemas.microsoft.com/office/drawing/2014/main" id="{C1C6871B-DF81-5A4C-85DA-2CC588718802}"/>
-                </a:ext>
-              </a:extLst>
-            </p:cNvPr>
-            <p:cNvSpPr/>
-            <p:nvPr/>
-          </p:nvSpPr>
-          <p:spPr>
-            <a:xfrm>
-              <a:off x="6982698" y="1761394"/>
-              <a:ext cx="220463" cy="390617"/>
-            </a:xfrm>
-            <a:prstGeom prst="rect">
-              <a:avLst/>
-            </a:prstGeom>
-            <a:gradFill flip="none" rotWithShape="1">
-              <a:gsLst>
-                <a:gs pos="0">
-                  <a:srgbClr val="7030A0">
-                    <a:tint val="66000"/>
-                    <a:satMod val="160000"/>
-                  </a:srgbClr>
-                </a:gs>
-                <a:gs pos="50000">
-                  <a:srgbClr val="7030A0">
-                    <a:tint val="44500"/>
-                    <a:satMod val="160000"/>
-                  </a:srgbClr>
-                </a:gs>
-                <a:gs pos="100000">
-                  <a:srgbClr val="7030A0">
-                    <a:tint val="23500"/>
-                    <a:satMod val="160000"/>
-                  </a:srgbClr>
-                </a:gs>
-              </a:gsLst>
-              <a:lin ang="16200000" scaled="1"/>
-              <a:tileRect/>
-            </a:gradFill>
-            <a:ln w="19050">
-              <a:solidFill>
-                <a:srgbClr val="7030A0"/>
-              </a:solidFill>
-            </a:ln>
-          </p:spPr>
-          <p:style>
-            <a:lnRef idx="2">
-              <a:schemeClr val="accent1">
-                <a:shade val="50000"/>
-              </a:schemeClr>
-            </a:lnRef>
-            <a:fillRef idx="1">
-              <a:schemeClr val="accent1"/>
-            </a:fillRef>
-            <a:effectRef idx="0">
-              <a:schemeClr val="accent1"/>
-            </a:effectRef>
-            <a:fontRef idx="minor">
-              <a:schemeClr val="lt1"/>
-            </a:fontRef>
-          </p:style>
-          <p:txBody>
-            <a:bodyPr rtlCol="0" anchor="ctr"/>
-            <a:lstStyle/>
-            <a:p>
-              <a:pPr algn="ctr"/>
-              <a:endParaRPr lang="it-IT"/>
-            </a:p>
-          </p:txBody>
-        </p:sp>
-        <p:sp>
-          <p:nvSpPr>
-            <p:cNvPr id="29" name="Rettangolo 28">
-              <a:extLst>
-                <a:ext uri="{FF2B5EF4-FFF2-40B4-BE49-F238E27FC236}">
-                  <a16:creationId xmlns:a16="http://schemas.microsoft.com/office/drawing/2014/main" id="{7F1F7F62-EDFA-6F4F-A883-49077875E0D8}"/>
-                </a:ext>
-              </a:extLst>
-            </p:cNvPr>
-            <p:cNvSpPr/>
-            <p:nvPr/>
-          </p:nvSpPr>
-          <p:spPr>
-            <a:xfrm>
-              <a:off x="6736343" y="1761394"/>
-              <a:ext cx="220463" cy="390617"/>
-            </a:xfrm>
-            <a:prstGeom prst="rect">
-              <a:avLst/>
-            </a:prstGeom>
-            <a:gradFill flip="none" rotWithShape="1">
-              <a:gsLst>
-                <a:gs pos="0">
-                  <a:srgbClr val="7030A0">
-                    <a:tint val="66000"/>
-                    <a:satMod val="160000"/>
-                  </a:srgbClr>
-                </a:gs>
-                <a:gs pos="50000">
-                  <a:srgbClr val="7030A0">
-                    <a:tint val="44500"/>
-                    <a:satMod val="160000"/>
-                  </a:srgbClr>
-                </a:gs>
-                <a:gs pos="100000">
-                  <a:srgbClr val="7030A0">
-                    <a:tint val="23500"/>
-                    <a:satMod val="160000"/>
-                  </a:srgbClr>
-                </a:gs>
-              </a:gsLst>
-              <a:lin ang="16200000" scaled="1"/>
-              <a:tileRect/>
-            </a:gradFill>
-            <a:ln w="19050">
-              <a:solidFill>
-                <a:srgbClr val="7030A0"/>
-              </a:solidFill>
-            </a:ln>
-          </p:spPr>
-          <p:style>
-            <a:lnRef idx="2">
-              <a:schemeClr val="accent1">
-                <a:shade val="50000"/>
-              </a:schemeClr>
-            </a:lnRef>
-            <a:fillRef idx="1">
-              <a:schemeClr val="accent1"/>
-            </a:fillRef>
-            <a:effectRef idx="0">
-              <a:schemeClr val="accent1"/>
-            </a:effectRef>
-            <a:fontRef idx="minor">
-              <a:schemeClr val="lt1"/>
-            </a:fontRef>
-          </p:style>
-          <p:txBody>
-            <a:bodyPr rtlCol="0" anchor="ctr"/>
-            <a:lstStyle/>
-            <a:p>
-              <a:pPr algn="ctr"/>
-              <a:endParaRPr lang="it-IT"/>
-            </a:p>
-          </p:txBody>
-        </p:sp>
-      </p:grpSp>
-      <p:grpSp>
-        <p:nvGrpSpPr>
-          <p:cNvPr id="30" name="Gruppo 29">
-            <a:extLst>
-              <a:ext uri="{FF2B5EF4-FFF2-40B4-BE49-F238E27FC236}">
-                <a16:creationId xmlns:a16="http://schemas.microsoft.com/office/drawing/2014/main" id="{51E6BEC3-81E9-9C49-A079-1115BC9C68A5}"/>
-              </a:ext>
-            </a:extLst>
-          </p:cNvPr>
-          <p:cNvGrpSpPr/>
-          <p:nvPr/>
-        </p:nvGrpSpPr>
-        <p:grpSpPr>
-          <a:xfrm>
-            <a:off x="5965728" y="3937338"/>
-            <a:ext cx="1745203" cy="967667"/>
-            <a:chOff x="6736343" y="1517255"/>
-            <a:chExt cx="1745203" cy="967667"/>
-          </a:xfrm>
-        </p:grpSpPr>
-        <p:sp>
-          <p:nvSpPr>
-            <p:cNvPr id="31" name="Ovale 30">
-              <a:extLst>
-                <a:ext uri="{FF2B5EF4-FFF2-40B4-BE49-F238E27FC236}">
-                  <a16:creationId xmlns:a16="http://schemas.microsoft.com/office/drawing/2014/main" id="{2B0A2568-F2D9-2743-9D8D-C7D991A95E6D}"/>
-                </a:ext>
-              </a:extLst>
-            </p:cNvPr>
-            <p:cNvSpPr/>
-            <p:nvPr/>
-          </p:nvSpPr>
-          <p:spPr>
-            <a:xfrm>
-              <a:off x="7203161" y="1517255"/>
-              <a:ext cx="1278385" cy="967667"/>
-            </a:xfrm>
-            <a:prstGeom prst="ellipse">
-              <a:avLst/>
-            </a:prstGeom>
-            <a:gradFill flip="none" rotWithShape="1">
-              <a:gsLst>
-                <a:gs pos="0">
-                  <a:srgbClr val="FF0000">
-                    <a:tint val="66000"/>
-                    <a:satMod val="160000"/>
-                  </a:srgbClr>
-                </a:gs>
-                <a:gs pos="50000">
-                  <a:srgbClr val="FF0000">
-                    <a:tint val="44500"/>
-                    <a:satMod val="160000"/>
-                  </a:srgbClr>
-                </a:gs>
-                <a:gs pos="100000">
-                  <a:srgbClr val="FF0000">
-                    <a:tint val="23500"/>
-                    <a:satMod val="160000"/>
-                  </a:srgbClr>
-                </a:gs>
-              </a:gsLst>
-              <a:path path="circle">
-                <a:fillToRect t="100000" r="100000"/>
-              </a:path>
-              <a:tileRect l="-100000" b="-100000"/>
-            </a:gradFill>
-            <a:ln w="19050">
-              <a:solidFill>
-                <a:srgbClr val="C00000"/>
-              </a:solidFill>
-            </a:ln>
-          </p:spPr>
-          <p:style>
-            <a:lnRef idx="2">
-              <a:schemeClr val="accent1">
-                <a:shade val="50000"/>
-              </a:schemeClr>
-            </a:lnRef>
-            <a:fillRef idx="1">
-              <a:schemeClr val="accent1"/>
-            </a:fillRef>
-            <a:effectRef idx="0">
-              <a:schemeClr val="accent1"/>
-            </a:effectRef>
-            <a:fontRef idx="minor">
-              <a:schemeClr val="lt1"/>
-            </a:fontRef>
-          </p:style>
-          <p:txBody>
-            <a:bodyPr rtlCol="0" anchor="ctr"/>
-            <a:lstStyle/>
-            <a:p>
-              <a:pPr algn="ctr"/>
-              <a:r>
-                <a:rPr lang="it-IT" dirty="0">
-                  <a:solidFill>
-                    <a:schemeClr val="tx1"/>
-                  </a:solidFill>
-                </a:rPr>
-                <a:t>rbr</a:t>
-              </a:r>
-            </a:p>
-          </p:txBody>
-        </p:sp>
-        <p:sp>
-          <p:nvSpPr>
-            <p:cNvPr id="32" name="Rettangolo 31">
-              <a:extLst>
-                <a:ext uri="{FF2B5EF4-FFF2-40B4-BE49-F238E27FC236}">
-                  <a16:creationId xmlns:a16="http://schemas.microsoft.com/office/drawing/2014/main" id="{1164E822-82B4-1F41-B1E4-EE98DE31BF7B}"/>
-                </a:ext>
-              </a:extLst>
-            </p:cNvPr>
-            <p:cNvSpPr/>
-            <p:nvPr/>
-          </p:nvSpPr>
-          <p:spPr>
-            <a:xfrm>
-              <a:off x="6982698" y="1761394"/>
-              <a:ext cx="220463" cy="390617"/>
-            </a:xfrm>
-            <a:prstGeom prst="rect">
-              <a:avLst/>
-            </a:prstGeom>
-            <a:gradFill flip="none" rotWithShape="1">
-              <a:gsLst>
-                <a:gs pos="0">
-                  <a:srgbClr val="7030A0">
-                    <a:tint val="66000"/>
-                    <a:satMod val="160000"/>
-                  </a:srgbClr>
-                </a:gs>
-                <a:gs pos="50000">
-                  <a:srgbClr val="7030A0">
-                    <a:tint val="44500"/>
-                    <a:satMod val="160000"/>
-                  </a:srgbClr>
-                </a:gs>
-                <a:gs pos="100000">
-                  <a:srgbClr val="7030A0">
-                    <a:tint val="23500"/>
-                    <a:satMod val="160000"/>
-                  </a:srgbClr>
-                </a:gs>
-              </a:gsLst>
-              <a:lin ang="16200000" scaled="1"/>
-              <a:tileRect/>
-            </a:gradFill>
-            <a:ln w="19050">
-              <a:solidFill>
-                <a:srgbClr val="7030A0"/>
-              </a:solidFill>
-            </a:ln>
-          </p:spPr>
-          <p:style>
-            <a:lnRef idx="2">
-              <a:schemeClr val="accent1">
-                <a:shade val="50000"/>
-              </a:schemeClr>
-            </a:lnRef>
-            <a:fillRef idx="1">
-              <a:schemeClr val="accent1"/>
-            </a:fillRef>
-            <a:effectRef idx="0">
-              <a:schemeClr val="accent1"/>
-            </a:effectRef>
-            <a:fontRef idx="minor">
-              <a:schemeClr val="lt1"/>
-            </a:fontRef>
-          </p:style>
-          <p:txBody>
-            <a:bodyPr rtlCol="0" anchor="ctr"/>
-            <a:lstStyle/>
-            <a:p>
-              <a:pPr algn="ctr"/>
-              <a:endParaRPr lang="it-IT"/>
-            </a:p>
-          </p:txBody>
-        </p:sp>
-        <p:sp>
-          <p:nvSpPr>
-            <p:cNvPr id="33" name="Rettangolo 32">
-              <a:extLst>
-                <a:ext uri="{FF2B5EF4-FFF2-40B4-BE49-F238E27FC236}">
-                  <a16:creationId xmlns:a16="http://schemas.microsoft.com/office/drawing/2014/main" id="{0E817B93-3287-C24A-88C3-CE5C3F60BEE3}"/>
-                </a:ext>
-              </a:extLst>
-            </p:cNvPr>
-            <p:cNvSpPr/>
-            <p:nvPr/>
-          </p:nvSpPr>
-          <p:spPr>
-            <a:xfrm>
-              <a:off x="6736343" y="1761394"/>
-              <a:ext cx="220463" cy="390617"/>
-            </a:xfrm>
-            <a:prstGeom prst="rect">
-              <a:avLst/>
-            </a:prstGeom>
-            <a:gradFill flip="none" rotWithShape="1">
-              <a:gsLst>
-                <a:gs pos="0">
-                  <a:srgbClr val="7030A0">
-                    <a:tint val="66000"/>
-                    <a:satMod val="160000"/>
-                  </a:srgbClr>
-                </a:gs>
-                <a:gs pos="50000">
-                  <a:srgbClr val="7030A0">
-                    <a:tint val="44500"/>
-                    <a:satMod val="160000"/>
-                  </a:srgbClr>
-                </a:gs>
-                <a:gs pos="100000">
-                  <a:srgbClr val="7030A0">
-                    <a:tint val="23500"/>
-                    <a:satMod val="160000"/>
-                  </a:srgbClr>
-                </a:gs>
-              </a:gsLst>
-              <a:lin ang="16200000" scaled="1"/>
-              <a:tileRect/>
-            </a:gradFill>
-            <a:ln w="19050">
-              <a:solidFill>
-                <a:srgbClr val="7030A0"/>
-              </a:solidFill>
-            </a:ln>
-          </p:spPr>
-          <p:style>
-            <a:lnRef idx="2">
-              <a:schemeClr val="accent1">
-                <a:shade val="50000"/>
-              </a:schemeClr>
-            </a:lnRef>
-            <a:fillRef idx="1">
-              <a:schemeClr val="accent1"/>
-            </a:fillRef>
-            <a:effectRef idx="0">
-              <a:schemeClr val="accent1"/>
-            </a:effectRef>
-            <a:fontRef idx="minor">
-              <a:schemeClr val="lt1"/>
-            </a:fontRef>
-          </p:style>
-          <p:txBody>
-            <a:bodyPr rtlCol="0" anchor="ctr"/>
-            <a:lstStyle/>
-            <a:p>
-              <a:pPr algn="ctr"/>
-              <a:endParaRPr lang="it-IT"/>
-            </a:p>
-          </p:txBody>
-        </p:sp>
-      </p:grpSp>
-      <p:grpSp>
-        <p:nvGrpSpPr>
-          <p:cNvPr id="34" name="Gruppo 33">
-            <a:extLst>
-              <a:ext uri="{FF2B5EF4-FFF2-40B4-BE49-F238E27FC236}">
-                <a16:creationId xmlns:a16="http://schemas.microsoft.com/office/drawing/2014/main" id="{63AE98FC-8CC2-6642-80D9-845705AE8085}"/>
-              </a:ext>
-            </a:extLst>
-          </p:cNvPr>
-          <p:cNvGrpSpPr/>
-          <p:nvPr/>
-        </p:nvGrpSpPr>
-        <p:grpSpPr>
-          <a:xfrm>
-            <a:off x="5846203" y="1173858"/>
-            <a:ext cx="1745203" cy="967667"/>
-            <a:chOff x="6736343" y="1517255"/>
-            <a:chExt cx="1745203" cy="967667"/>
-          </a:xfrm>
-        </p:grpSpPr>
-        <p:sp>
-          <p:nvSpPr>
-            <p:cNvPr id="35" name="Ovale 34">
-              <a:extLst>
-                <a:ext uri="{FF2B5EF4-FFF2-40B4-BE49-F238E27FC236}">
-                  <a16:creationId xmlns:a16="http://schemas.microsoft.com/office/drawing/2014/main" id="{5E2273AE-B591-054F-B916-B518F8341ED0}"/>
-                </a:ext>
-              </a:extLst>
-            </p:cNvPr>
-            <p:cNvSpPr/>
-            <p:nvPr/>
-          </p:nvSpPr>
-          <p:spPr>
-            <a:xfrm>
-              <a:off x="7203161" y="1517255"/>
-              <a:ext cx="1278385" cy="967667"/>
-            </a:xfrm>
-            <a:prstGeom prst="ellipse">
-              <a:avLst/>
-            </a:prstGeom>
-            <a:gradFill flip="none" rotWithShape="1">
-              <a:gsLst>
-                <a:gs pos="0">
-                  <a:srgbClr val="FF0000">
-                    <a:tint val="66000"/>
-                    <a:satMod val="160000"/>
-                  </a:srgbClr>
-                </a:gs>
-                <a:gs pos="50000">
-                  <a:srgbClr val="FF0000">
-                    <a:tint val="44500"/>
-                    <a:satMod val="160000"/>
-                  </a:srgbClr>
-                </a:gs>
-                <a:gs pos="100000">
-                  <a:srgbClr val="FF0000">
-                    <a:tint val="23500"/>
-                    <a:satMod val="160000"/>
-                  </a:srgbClr>
-                </a:gs>
-              </a:gsLst>
-              <a:path path="circle">
-                <a:fillToRect t="100000" r="100000"/>
-              </a:path>
-              <a:tileRect l="-100000" b="-100000"/>
-            </a:gradFill>
-            <a:ln w="19050">
-              <a:solidFill>
-                <a:srgbClr val="C00000"/>
-              </a:solidFill>
-            </a:ln>
-          </p:spPr>
-          <p:style>
-            <a:lnRef idx="2">
-              <a:schemeClr val="accent1">
-                <a:shade val="50000"/>
-              </a:schemeClr>
-            </a:lnRef>
-            <a:fillRef idx="1">
-              <a:schemeClr val="accent1"/>
-            </a:fillRef>
-            <a:effectRef idx="0">
-              <a:schemeClr val="accent1"/>
-            </a:effectRef>
-            <a:fontRef idx="minor">
-              <a:schemeClr val="lt1"/>
-            </a:fontRef>
-          </p:style>
-          <p:txBody>
-            <a:bodyPr rtlCol="0" anchor="ctr"/>
-            <a:lstStyle/>
-            <a:p>
-              <a:pPr algn="ctr"/>
-              <a:r>
-                <a:rPr lang="it-IT" dirty="0">
-                  <a:solidFill>
-                    <a:schemeClr val="tx1"/>
-                  </a:solidFill>
-                </a:rPr>
-                <a:t>Robot mind</a:t>
-              </a:r>
-            </a:p>
-          </p:txBody>
-        </p:sp>
-        <p:sp>
-          <p:nvSpPr>
-            <p:cNvPr id="36" name="Rettangolo 35">
-              <a:extLst>
-                <a:ext uri="{FF2B5EF4-FFF2-40B4-BE49-F238E27FC236}">
-                  <a16:creationId xmlns:a16="http://schemas.microsoft.com/office/drawing/2014/main" id="{6A6F602B-5F9A-BC4D-B9C3-C6FDEFA52197}"/>
-                </a:ext>
-              </a:extLst>
-            </p:cNvPr>
-            <p:cNvSpPr/>
-            <p:nvPr/>
-          </p:nvSpPr>
-          <p:spPr>
-            <a:xfrm>
-              <a:off x="6982698" y="1761394"/>
-              <a:ext cx="220463" cy="390617"/>
-            </a:xfrm>
-            <a:prstGeom prst="rect">
-              <a:avLst/>
-            </a:prstGeom>
-            <a:gradFill flip="none" rotWithShape="1">
-              <a:gsLst>
-                <a:gs pos="0">
-                  <a:srgbClr val="7030A0">
-                    <a:tint val="66000"/>
-                    <a:satMod val="160000"/>
-                  </a:srgbClr>
-                </a:gs>
-                <a:gs pos="50000">
-                  <a:srgbClr val="7030A0">
-                    <a:tint val="44500"/>
-                    <a:satMod val="160000"/>
-                  </a:srgbClr>
-                </a:gs>
-                <a:gs pos="100000">
-                  <a:srgbClr val="7030A0">
-                    <a:tint val="23500"/>
-                    <a:satMod val="160000"/>
-                  </a:srgbClr>
-                </a:gs>
-              </a:gsLst>
-              <a:lin ang="16200000" scaled="1"/>
-              <a:tileRect/>
-            </a:gradFill>
-            <a:ln w="19050">
-              <a:solidFill>
-                <a:srgbClr val="7030A0"/>
-              </a:solidFill>
-            </a:ln>
-          </p:spPr>
-          <p:style>
-            <a:lnRef idx="2">
-              <a:schemeClr val="accent1">
-                <a:shade val="50000"/>
-              </a:schemeClr>
-            </a:lnRef>
-            <a:fillRef idx="1">
-              <a:schemeClr val="accent1"/>
-            </a:fillRef>
-            <a:effectRef idx="0">
-              <a:schemeClr val="accent1"/>
-            </a:effectRef>
-            <a:fontRef idx="minor">
-              <a:schemeClr val="lt1"/>
-            </a:fontRef>
-          </p:style>
-          <p:txBody>
-            <a:bodyPr rtlCol="0" anchor="ctr"/>
-            <a:lstStyle/>
-            <a:p>
-              <a:pPr algn="ctr"/>
-              <a:endParaRPr lang="it-IT"/>
-            </a:p>
-          </p:txBody>
-        </p:sp>
-        <p:sp>
-          <p:nvSpPr>
-            <p:cNvPr id="37" name="Rettangolo 36">
-              <a:extLst>
-                <a:ext uri="{FF2B5EF4-FFF2-40B4-BE49-F238E27FC236}">
-                  <a16:creationId xmlns:a16="http://schemas.microsoft.com/office/drawing/2014/main" id="{580EAE2F-5ACB-614B-8675-17E66597F461}"/>
-                </a:ext>
-              </a:extLst>
-            </p:cNvPr>
-            <p:cNvSpPr/>
-            <p:nvPr/>
-          </p:nvSpPr>
-          <p:spPr>
-            <a:xfrm>
-              <a:off x="6736343" y="1761394"/>
-              <a:ext cx="220463" cy="390617"/>
-            </a:xfrm>
-            <a:prstGeom prst="rect">
-              <a:avLst/>
-            </a:prstGeom>
-            <a:gradFill flip="none" rotWithShape="1">
-              <a:gsLst>
-                <a:gs pos="0">
-                  <a:srgbClr val="7030A0">
-                    <a:tint val="66000"/>
-                    <a:satMod val="160000"/>
-                  </a:srgbClr>
-                </a:gs>
-                <a:gs pos="50000">
-                  <a:srgbClr val="7030A0">
-                    <a:tint val="44500"/>
-                    <a:satMod val="160000"/>
-                  </a:srgbClr>
-                </a:gs>
-                <a:gs pos="100000">
-                  <a:srgbClr val="7030A0">
-                    <a:tint val="23500"/>
-                    <a:satMod val="160000"/>
-                  </a:srgbClr>
-                </a:gs>
-              </a:gsLst>
-              <a:lin ang="16200000" scaled="1"/>
-              <a:tileRect/>
-            </a:gradFill>
-            <a:ln w="19050">
-              <a:solidFill>
-                <a:srgbClr val="7030A0"/>
-              </a:solidFill>
-            </a:ln>
-          </p:spPr>
-          <p:style>
-            <a:lnRef idx="2">
-              <a:schemeClr val="accent1">
-                <a:shade val="50000"/>
-              </a:schemeClr>
-            </a:lnRef>
-            <a:fillRef idx="1">
-              <a:schemeClr val="accent1"/>
-            </a:fillRef>
-            <a:effectRef idx="0">
-              <a:schemeClr val="accent1"/>
-            </a:effectRef>
-            <a:fontRef idx="minor">
-              <a:schemeClr val="lt1"/>
-            </a:fontRef>
-          </p:style>
-          <p:txBody>
-            <a:bodyPr rtlCol="0" anchor="ctr"/>
-            <a:lstStyle/>
-            <a:p>
-              <a:pPr algn="ctr"/>
-              <a:endParaRPr lang="it-IT"/>
-            </a:p>
-          </p:txBody>
-        </p:sp>
-      </p:grpSp>
-      <p:cxnSp>
-        <p:nvCxnSpPr>
-          <p:cNvPr id="38" name="Connettore a gomito 2">
-            <a:extLst>
-              <a:ext uri="{FF2B5EF4-FFF2-40B4-BE49-F238E27FC236}">
-                <a16:creationId xmlns:a16="http://schemas.microsoft.com/office/drawing/2014/main" id="{985014BA-8239-3240-8DA4-82FC38A9E6CD}"/>
-              </a:ext>
-            </a:extLst>
-          </p:cNvPr>
-          <p:cNvCxnSpPr>
-            <a:cxnSpLocks/>
-            <a:stCxn id="7" idx="6"/>
-            <a:endCxn id="21" idx="1"/>
-          </p:cNvCxnSpPr>
-          <p:nvPr/>
-        </p:nvCxnSpPr>
-        <p:spPr>
-          <a:xfrm flipH="1">
-            <a:off x="887904" y="1916674"/>
-            <a:ext cx="1922452" cy="3695004"/>
-          </a:xfrm>
-          <a:prstGeom prst="bentConnector5">
-            <a:avLst>
-              <a:gd name="adj1" fmla="val -11891"/>
-              <a:gd name="adj2" fmla="val 46686"/>
-              <a:gd name="adj3" fmla="val 121140"/>
-            </a:avLst>
-          </a:prstGeom>
-          <a:ln w="19050">
-            <a:solidFill>
-              <a:srgbClr val="00B050"/>
-            </a:solidFill>
-            <a:tailEnd type="triangle"/>
-          </a:ln>
-        </p:spPr>
-        <p:style>
-          <a:lnRef idx="1">
-            <a:schemeClr val="dk1"/>
-          </a:lnRef>
-          <a:fillRef idx="0">
-            <a:schemeClr val="dk1"/>
-          </a:fillRef>
-          <a:effectRef idx="0">
-            <a:schemeClr val="dk1"/>
-          </a:effectRef>
-          <a:fontRef idx="minor">
-            <a:schemeClr val="tx1"/>
-          </a:fontRef>
-        </p:style>
-      </p:cxnSp>
-      <p:cxnSp>
-        <p:nvCxnSpPr>
-          <p:cNvPr id="39" name="Connettore a gomito 39">
-            <a:extLst>
-              <a:ext uri="{FF2B5EF4-FFF2-40B4-BE49-F238E27FC236}">
-                <a16:creationId xmlns:a16="http://schemas.microsoft.com/office/drawing/2014/main" id="{7E61CC3C-878F-5F41-962D-BAD8D42A6A7F}"/>
-              </a:ext>
-            </a:extLst>
-          </p:cNvPr>
-          <p:cNvCxnSpPr>
-            <a:cxnSpLocks/>
-            <a:stCxn id="31" idx="6"/>
-            <a:endCxn id="21" idx="1"/>
-          </p:cNvCxnSpPr>
-          <p:nvPr/>
-        </p:nvCxnSpPr>
-        <p:spPr>
-          <a:xfrm flipH="1">
-            <a:off x="887904" y="4421172"/>
-            <a:ext cx="6823027" cy="1190506"/>
-          </a:xfrm>
-          <a:prstGeom prst="bentConnector5">
-            <a:avLst>
-              <a:gd name="adj1" fmla="val -3350"/>
-              <a:gd name="adj2" fmla="val 159550"/>
-              <a:gd name="adj3" fmla="val 105708"/>
-            </a:avLst>
-          </a:prstGeom>
-          <a:ln w="19050">
-            <a:solidFill>
-              <a:srgbClr val="00B050"/>
-            </a:solidFill>
-            <a:tailEnd type="triangle"/>
-          </a:ln>
-        </p:spPr>
-        <p:style>
-          <a:lnRef idx="1">
-            <a:schemeClr val="dk1"/>
-          </a:lnRef>
-          <a:fillRef idx="0">
-            <a:schemeClr val="dk1"/>
-          </a:fillRef>
-          <a:effectRef idx="0">
-            <a:schemeClr val="dk1"/>
-          </a:effectRef>
-          <a:fontRef idx="minor">
-            <a:schemeClr val="tx1"/>
-          </a:fontRef>
-        </p:style>
-      </p:cxnSp>
-      <p:sp>
-        <p:nvSpPr>
-          <p:cNvPr id="40" name="CasellaDiTesto 39">
-            <a:extLst>
-              <a:ext uri="{FF2B5EF4-FFF2-40B4-BE49-F238E27FC236}">
-                <a16:creationId xmlns:a16="http://schemas.microsoft.com/office/drawing/2014/main" id="{FE7254F2-BD6E-C940-A965-05AF8F9AD370}"/>
-              </a:ext>
-            </a:extLst>
-          </p:cNvPr>
-          <p:cNvSpPr txBox="1"/>
-          <p:nvPr/>
-        </p:nvSpPr>
-        <p:spPr>
-          <a:xfrm>
-            <a:off x="4042123" y="5390655"/>
-            <a:ext cx="710745" cy="523220"/>
-          </a:xfrm>
-          <a:prstGeom prst="rect">
-            <a:avLst/>
-          </a:prstGeom>
-          <a:noFill/>
-        </p:spPr>
-        <p:txBody>
-          <a:bodyPr wrap="square" rtlCol="0">
-            <a:spAutoFit/>
-          </a:bodyPr>
-          <a:lstStyle/>
-          <a:p>
-            <a:r>
-              <a:rPr lang="it-IT" sz="1400" b="1" dirty="0">
-                <a:solidFill>
-                  <a:srgbClr val="00B050"/>
-                </a:solidFill>
-              </a:rPr>
-              <a:t>yes/no</a:t>
-            </a:r>
-          </a:p>
-          <a:p>
-            <a:r>
-              <a:rPr lang="it-IT" sz="1400" b="1" dirty="0">
-                <a:solidFill>
-                  <a:srgbClr val="00B050"/>
-                </a:solidFill>
-              </a:rPr>
-              <a:t>(CoAP)</a:t>
-            </a:r>
-          </a:p>
-        </p:txBody>
-      </p:sp>
-      <p:sp>
-        <p:nvSpPr>
-          <p:cNvPr id="41" name="CasellaDiTesto 40">
-            <a:extLst>
-              <a:ext uri="{FF2B5EF4-FFF2-40B4-BE49-F238E27FC236}">
-                <a16:creationId xmlns:a16="http://schemas.microsoft.com/office/drawing/2014/main" id="{F9D2F554-9036-D247-9A45-FAF9ABE458CC}"/>
-              </a:ext>
-            </a:extLst>
-          </p:cNvPr>
-          <p:cNvSpPr txBox="1"/>
-          <p:nvPr/>
-        </p:nvSpPr>
-        <p:spPr>
-          <a:xfrm>
-            <a:off x="702554" y="3268544"/>
-            <a:ext cx="2019178" cy="307777"/>
-          </a:xfrm>
-          <a:prstGeom prst="rect">
-            <a:avLst/>
-          </a:prstGeom>
-          <a:noFill/>
-        </p:spPr>
-        <p:txBody>
-          <a:bodyPr wrap="square" rtlCol="0">
-            <a:spAutoFit/>
-          </a:bodyPr>
-          <a:lstStyle/>
-          <a:p>
-            <a:r>
-              <a:rPr lang="it-IT" sz="1400" b="1" dirty="0">
-                <a:solidFill>
-                  <a:srgbClr val="00B050"/>
-                </a:solidFill>
-              </a:rPr>
-              <a:t>expose/answer (CoAP)</a:t>
-            </a:r>
-          </a:p>
-        </p:txBody>
-      </p:sp>
-      <p:cxnSp>
-        <p:nvCxnSpPr>
-          <p:cNvPr id="42" name="Connettore a gomito 51">
-            <a:extLst>
-              <a:ext uri="{FF2B5EF4-FFF2-40B4-BE49-F238E27FC236}">
-                <a16:creationId xmlns:a16="http://schemas.microsoft.com/office/drawing/2014/main" id="{7E1BE99F-9DCD-3F41-9AC3-106F17F10E6C}"/>
-              </a:ext>
-            </a:extLst>
-          </p:cNvPr>
-          <p:cNvCxnSpPr>
-            <a:cxnSpLocks/>
-            <a:stCxn id="19" idx="6"/>
-            <a:endCxn id="9" idx="1"/>
-          </p:cNvCxnSpPr>
-          <p:nvPr/>
-        </p:nvCxnSpPr>
-        <p:spPr>
-          <a:xfrm flipH="1" flipV="1">
-            <a:off x="1065153" y="1872288"/>
-            <a:ext cx="1567954" cy="3783776"/>
-          </a:xfrm>
-          <a:prstGeom prst="bentConnector5">
-            <a:avLst>
-              <a:gd name="adj1" fmla="val -70738"/>
-              <a:gd name="adj2" fmla="val 139990"/>
-              <a:gd name="adj3" fmla="val 114580"/>
-            </a:avLst>
-          </a:prstGeom>
-          <a:ln w="19050">
-            <a:solidFill>
-              <a:srgbClr val="00B050"/>
-            </a:solidFill>
-            <a:tailEnd type="triangle"/>
-          </a:ln>
-        </p:spPr>
-        <p:style>
-          <a:lnRef idx="1">
-            <a:schemeClr val="dk1"/>
-          </a:lnRef>
-          <a:fillRef idx="0">
-            <a:schemeClr val="dk1"/>
-          </a:fillRef>
-          <a:effectRef idx="0">
-            <a:schemeClr val="dk1"/>
-          </a:effectRef>
-          <a:fontRef idx="minor">
-            <a:schemeClr val="tx1"/>
-          </a:fontRef>
-        </p:style>
-      </p:cxnSp>
-      <p:cxnSp>
-        <p:nvCxnSpPr>
-          <p:cNvPr id="43" name="Connettore a gomito 57">
-            <a:extLst>
-              <a:ext uri="{FF2B5EF4-FFF2-40B4-BE49-F238E27FC236}">
-                <a16:creationId xmlns:a16="http://schemas.microsoft.com/office/drawing/2014/main" id="{07DA30D4-9A2B-CC45-8E88-1764405F523B}"/>
-              </a:ext>
-            </a:extLst>
-          </p:cNvPr>
-          <p:cNvCxnSpPr>
-            <a:cxnSpLocks/>
-            <a:stCxn id="19" idx="6"/>
-            <a:endCxn id="33" idx="2"/>
-          </p:cNvCxnSpPr>
-          <p:nvPr/>
-        </p:nvCxnSpPr>
-        <p:spPr>
-          <a:xfrm flipV="1">
-            <a:off x="2633107" y="4572094"/>
-            <a:ext cx="3442853" cy="1083970"/>
-          </a:xfrm>
-          <a:prstGeom prst="bentConnector2">
-            <a:avLst/>
-          </a:prstGeom>
-          <a:ln w="19050">
-            <a:solidFill>
-              <a:srgbClr val="00B050"/>
-            </a:solidFill>
-            <a:tailEnd type="triangle"/>
-          </a:ln>
-        </p:spPr>
-        <p:style>
-          <a:lnRef idx="1">
-            <a:schemeClr val="dk1"/>
-          </a:lnRef>
-          <a:fillRef idx="0">
-            <a:schemeClr val="dk1"/>
-          </a:fillRef>
-          <a:effectRef idx="0">
-            <a:schemeClr val="dk1"/>
-          </a:effectRef>
-          <a:fontRef idx="minor">
-            <a:schemeClr val="tx1"/>
-          </a:fontRef>
-        </p:style>
-      </p:cxnSp>
-      <p:cxnSp>
-        <p:nvCxnSpPr>
-          <p:cNvPr id="44" name="Connettore a gomito 69">
-            <a:extLst>
-              <a:ext uri="{FF2B5EF4-FFF2-40B4-BE49-F238E27FC236}">
-                <a16:creationId xmlns:a16="http://schemas.microsoft.com/office/drawing/2014/main" id="{1EDB10C0-721D-B344-B2D2-49C4E04B9F3C}"/>
-              </a:ext>
-            </a:extLst>
-          </p:cNvPr>
-          <p:cNvCxnSpPr>
-            <a:cxnSpLocks/>
-            <a:stCxn id="31" idx="6"/>
-            <a:endCxn id="21" idx="1"/>
-          </p:cNvCxnSpPr>
-          <p:nvPr/>
-        </p:nvCxnSpPr>
-        <p:spPr>
-          <a:xfrm flipH="1">
-            <a:off x="887904" y="4421172"/>
-            <a:ext cx="6823027" cy="1190506"/>
-          </a:xfrm>
-          <a:prstGeom prst="bentConnector5">
-            <a:avLst>
-              <a:gd name="adj1" fmla="val -8794"/>
-              <a:gd name="adj2" fmla="val 194398"/>
-              <a:gd name="adj3" fmla="val 103350"/>
-            </a:avLst>
-          </a:prstGeom>
-          <a:ln>
-            <a:tailEnd type="triangle"/>
-          </a:ln>
-        </p:spPr>
-        <p:style>
-          <a:lnRef idx="1">
-            <a:schemeClr val="dk1"/>
-          </a:lnRef>
-          <a:fillRef idx="0">
-            <a:schemeClr val="dk1"/>
-          </a:fillRef>
-          <a:effectRef idx="0">
-            <a:schemeClr val="dk1"/>
-          </a:effectRef>
-          <a:fontRef idx="minor">
-            <a:schemeClr val="tx1"/>
-          </a:fontRef>
-        </p:style>
-      </p:cxnSp>
-      <p:sp>
-        <p:nvSpPr>
-          <p:cNvPr id="45" name="CasellaDiTesto 44">
-            <a:extLst>
-              <a:ext uri="{FF2B5EF4-FFF2-40B4-BE49-F238E27FC236}">
-                <a16:creationId xmlns:a16="http://schemas.microsoft.com/office/drawing/2014/main" id="{D5EBF177-B9B1-6C4C-B83F-321B83DD1555}"/>
-              </a:ext>
-            </a:extLst>
-          </p:cNvPr>
-          <p:cNvSpPr txBox="1"/>
-          <p:nvPr/>
-        </p:nvSpPr>
-        <p:spPr>
-          <a:xfrm>
-            <a:off x="4374654" y="6435651"/>
-            <a:ext cx="1786854" cy="307777"/>
-          </a:xfrm>
-          <a:prstGeom prst="rect">
-            <a:avLst/>
-          </a:prstGeom>
-          <a:noFill/>
-        </p:spPr>
-        <p:txBody>
-          <a:bodyPr wrap="square" rtlCol="0">
-            <a:spAutoFit/>
-          </a:bodyPr>
-          <a:lstStyle/>
-          <a:p>
-            <a:r>
-              <a:rPr lang="it-IT" sz="1400" b="1" dirty="0"/>
-              <a:t>updateFridge</a:t>
-            </a:r>
-          </a:p>
-        </p:txBody>
-      </p:sp>
-      <p:sp>
-        <p:nvSpPr>
-          <p:cNvPr id="46" name="CasellaDiTesto 45">
-            <a:extLst>
-              <a:ext uri="{FF2B5EF4-FFF2-40B4-BE49-F238E27FC236}">
-                <a16:creationId xmlns:a16="http://schemas.microsoft.com/office/drawing/2014/main" id="{C389D392-8E52-7043-9A89-4EAD0829DBDD}"/>
-              </a:ext>
-            </a:extLst>
-          </p:cNvPr>
-          <p:cNvSpPr txBox="1"/>
-          <p:nvPr/>
-        </p:nvSpPr>
-        <p:spPr>
-          <a:xfrm>
-            <a:off x="3746377" y="5985208"/>
-            <a:ext cx="1421241" cy="307777"/>
-          </a:xfrm>
-          <a:prstGeom prst="rect">
-            <a:avLst/>
-          </a:prstGeom>
-          <a:noFill/>
-        </p:spPr>
-        <p:txBody>
-          <a:bodyPr wrap="square" rtlCol="0">
-            <a:spAutoFit/>
-          </a:bodyPr>
-          <a:lstStyle/>
-          <a:p>
-            <a:r>
-              <a:rPr lang="it-IT" sz="1400" b="1" dirty="0">
-                <a:solidFill>
-                  <a:srgbClr val="00B050"/>
-                </a:solidFill>
-              </a:rPr>
-              <a:t>answer (CoAP)</a:t>
-            </a:r>
-          </a:p>
-        </p:txBody>
-      </p:sp>
-      <p:sp>
-        <p:nvSpPr>
-          <p:cNvPr id="47" name="CasellaDiTesto 46">
-            <a:extLst>
-              <a:ext uri="{FF2B5EF4-FFF2-40B4-BE49-F238E27FC236}">
-                <a16:creationId xmlns:a16="http://schemas.microsoft.com/office/drawing/2014/main" id="{B2AF8501-E582-7444-9C60-A8181B049BB3}"/>
-              </a:ext>
-            </a:extLst>
-          </p:cNvPr>
-          <p:cNvSpPr txBox="1"/>
-          <p:nvPr/>
-        </p:nvSpPr>
-        <p:spPr>
-          <a:xfrm>
-            <a:off x="3690417" y="4633153"/>
-            <a:ext cx="1486003" cy="523220"/>
-          </a:xfrm>
-          <a:prstGeom prst="rect">
-            <a:avLst/>
-          </a:prstGeom>
-          <a:noFill/>
-        </p:spPr>
-        <p:txBody>
-          <a:bodyPr wrap="square" rtlCol="0">
-            <a:spAutoFit/>
-          </a:bodyPr>
-          <a:lstStyle/>
-          <a:p>
-            <a:r>
-              <a:rPr lang="it-IT" sz="1400" b="1" dirty="0">
-                <a:solidFill>
-                  <a:srgbClr val="00B050"/>
-                </a:solidFill>
-              </a:rPr>
-              <a:t>yes/no/content</a:t>
-            </a:r>
-          </a:p>
-          <a:p>
-            <a:r>
-              <a:rPr lang="it-IT" sz="1400" b="1" dirty="0">
-                <a:solidFill>
-                  <a:srgbClr val="00B050"/>
-                </a:solidFill>
-              </a:rPr>
-              <a:t>(CoAP)</a:t>
-            </a:r>
-          </a:p>
-        </p:txBody>
-      </p:sp>
-      <p:cxnSp>
-        <p:nvCxnSpPr>
-          <p:cNvPr id="48" name="Connettore a gomito 90">
-            <a:extLst>
-              <a:ext uri="{FF2B5EF4-FFF2-40B4-BE49-F238E27FC236}">
-                <a16:creationId xmlns:a16="http://schemas.microsoft.com/office/drawing/2014/main" id="{54ED52D9-333F-8A43-AC36-750088CF1CC4}"/>
-              </a:ext>
-            </a:extLst>
-          </p:cNvPr>
-          <p:cNvCxnSpPr>
-            <a:cxnSpLocks/>
-            <a:stCxn id="35" idx="6"/>
-            <a:endCxn id="15" idx="1"/>
-          </p:cNvCxnSpPr>
-          <p:nvPr/>
-        </p:nvCxnSpPr>
-        <p:spPr>
-          <a:xfrm flipV="1">
-            <a:off x="7591406" y="1656368"/>
-            <a:ext cx="1649308" cy="1324"/>
-          </a:xfrm>
-          <a:prstGeom prst="bentConnector3">
-            <a:avLst>
-              <a:gd name="adj1" fmla="val 50000"/>
-            </a:avLst>
-          </a:prstGeom>
-          <a:ln>
-            <a:tailEnd type="triangle"/>
-          </a:ln>
-        </p:spPr>
-        <p:style>
-          <a:lnRef idx="1">
-            <a:schemeClr val="dk1"/>
-          </a:lnRef>
-          <a:fillRef idx="0">
-            <a:schemeClr val="dk1"/>
-          </a:fillRef>
-          <a:effectRef idx="0">
-            <a:schemeClr val="dk1"/>
-          </a:effectRef>
-          <a:fontRef idx="minor">
-            <a:schemeClr val="tx1"/>
-          </a:fontRef>
-        </p:style>
-      </p:cxnSp>
-      <p:sp>
-        <p:nvSpPr>
-          <p:cNvPr id="49" name="CasellaDiTesto 48">
-            <a:extLst>
-              <a:ext uri="{FF2B5EF4-FFF2-40B4-BE49-F238E27FC236}">
-                <a16:creationId xmlns:a16="http://schemas.microsoft.com/office/drawing/2014/main" id="{3D2C4664-3F09-AF47-BEF5-8FBFC6267640}"/>
-              </a:ext>
-            </a:extLst>
-          </p:cNvPr>
-          <p:cNvSpPr txBox="1"/>
-          <p:nvPr/>
-        </p:nvSpPr>
-        <p:spPr>
-          <a:xfrm>
-            <a:off x="7920678" y="1390240"/>
-            <a:ext cx="1786854" cy="307777"/>
-          </a:xfrm>
-          <a:prstGeom prst="rect">
-            <a:avLst/>
-          </a:prstGeom>
-          <a:noFill/>
-        </p:spPr>
-        <p:txBody>
-          <a:bodyPr wrap="square" rtlCol="0">
-            <a:spAutoFit/>
-          </a:bodyPr>
-          <a:lstStyle/>
-          <a:p>
-            <a:r>
-              <a:rPr lang="it-IT" sz="1400" b="1" dirty="0"/>
-              <a:t>robotCmd</a:t>
-            </a:r>
-          </a:p>
-        </p:txBody>
-      </p:sp>
-      <p:sp>
-        <p:nvSpPr>
-          <p:cNvPr id="50" name="CasellaDiTesto 49">
-            <a:extLst>
-              <a:ext uri="{FF2B5EF4-FFF2-40B4-BE49-F238E27FC236}">
-                <a16:creationId xmlns:a16="http://schemas.microsoft.com/office/drawing/2014/main" id="{33EA7AFD-ACF4-4A41-8D29-F52EC80C1D72}"/>
-              </a:ext>
-            </a:extLst>
-          </p:cNvPr>
-          <p:cNvSpPr txBox="1"/>
-          <p:nvPr/>
-        </p:nvSpPr>
-        <p:spPr>
-          <a:xfrm>
-            <a:off x="7751576" y="2072829"/>
-            <a:ext cx="1786854" cy="523220"/>
-          </a:xfrm>
-          <a:prstGeom prst="rect">
-            <a:avLst/>
-          </a:prstGeom>
-          <a:noFill/>
-        </p:spPr>
-        <p:txBody>
-          <a:bodyPr wrap="square" rtlCol="0">
-            <a:spAutoFit/>
-          </a:bodyPr>
-          <a:lstStyle/>
-          <a:p>
-            <a:r>
-              <a:rPr lang="it-IT" sz="1400" b="1" dirty="0"/>
-              <a:t>modelUpdate</a:t>
-            </a:r>
-          </a:p>
-          <a:p>
-            <a:r>
-              <a:rPr lang="it-IT" sz="1400" b="1" dirty="0"/>
-              <a:t>modelChange</a:t>
-            </a:r>
-          </a:p>
-        </p:txBody>
-      </p:sp>
-      <p:cxnSp>
-        <p:nvCxnSpPr>
-          <p:cNvPr id="51" name="Connettore a gomito 99">
-            <a:extLst>
-              <a:ext uri="{FF2B5EF4-FFF2-40B4-BE49-F238E27FC236}">
-                <a16:creationId xmlns:a16="http://schemas.microsoft.com/office/drawing/2014/main" id="{A779A4FF-60BE-E641-894C-88AA38E2F0D6}"/>
-              </a:ext>
-            </a:extLst>
-          </p:cNvPr>
-          <p:cNvCxnSpPr>
-            <a:cxnSpLocks/>
-            <a:stCxn id="53" idx="3"/>
-            <a:endCxn id="25" idx="1"/>
-          </p:cNvCxnSpPr>
-          <p:nvPr/>
-        </p:nvCxnSpPr>
-        <p:spPr>
-          <a:xfrm flipV="1">
-            <a:off x="6394684" y="3072307"/>
-            <a:ext cx="2910594" cy="296462"/>
-          </a:xfrm>
-          <a:prstGeom prst="bentConnector3">
-            <a:avLst>
-              <a:gd name="adj1" fmla="val 50000"/>
-            </a:avLst>
-          </a:prstGeom>
-          <a:ln>
-            <a:tailEnd type="triangle"/>
-          </a:ln>
-        </p:spPr>
-        <p:style>
-          <a:lnRef idx="1">
-            <a:schemeClr val="dk1"/>
-          </a:lnRef>
-          <a:fillRef idx="0">
-            <a:schemeClr val="dk1"/>
-          </a:fillRef>
-          <a:effectRef idx="0">
-            <a:schemeClr val="dk1"/>
-          </a:effectRef>
-          <a:fontRef idx="minor">
-            <a:schemeClr val="tx1"/>
-          </a:fontRef>
-        </p:style>
-      </p:cxnSp>
-      <p:cxnSp>
-        <p:nvCxnSpPr>
-          <p:cNvPr id="52" name="Connettore a gomito 101">
-            <a:extLst>
-              <a:ext uri="{FF2B5EF4-FFF2-40B4-BE49-F238E27FC236}">
-                <a16:creationId xmlns:a16="http://schemas.microsoft.com/office/drawing/2014/main" id="{906EF4AF-D5AA-794B-B519-D80602546E65}"/>
-              </a:ext>
-            </a:extLst>
-          </p:cNvPr>
-          <p:cNvCxnSpPr>
-            <a:cxnSpLocks/>
-            <a:stCxn id="35" idx="6"/>
-            <a:endCxn id="25" idx="1"/>
-          </p:cNvCxnSpPr>
-          <p:nvPr/>
-        </p:nvCxnSpPr>
-        <p:spPr>
-          <a:xfrm>
-            <a:off x="7591406" y="1657692"/>
-            <a:ext cx="1713872" cy="1414615"/>
-          </a:xfrm>
-          <a:prstGeom prst="bentConnector3">
-            <a:avLst>
-              <a:gd name="adj1" fmla="val 9985"/>
-            </a:avLst>
-          </a:prstGeom>
-          <a:ln>
-            <a:tailEnd type="triangle"/>
-          </a:ln>
-        </p:spPr>
-        <p:style>
-          <a:lnRef idx="1">
-            <a:schemeClr val="dk1"/>
-          </a:lnRef>
-          <a:fillRef idx="0">
-            <a:schemeClr val="dk1"/>
-          </a:fillRef>
-          <a:effectRef idx="0">
-            <a:schemeClr val="dk1"/>
-          </a:effectRef>
-          <a:fontRef idx="minor">
-            <a:schemeClr val="tx1"/>
-          </a:fontRef>
-        </p:style>
-      </p:cxnSp>
-      <p:sp>
-        <p:nvSpPr>
-          <p:cNvPr id="53" name="Rettangolo 52">
-            <a:extLst>
-              <a:ext uri="{FF2B5EF4-FFF2-40B4-BE49-F238E27FC236}">
-                <a16:creationId xmlns:a16="http://schemas.microsoft.com/office/drawing/2014/main" id="{83F7A0FD-411D-9C4B-B7EB-1AB57517F901}"/>
-              </a:ext>
-            </a:extLst>
-          </p:cNvPr>
-          <p:cNvSpPr/>
-          <p:nvPr/>
-        </p:nvSpPr>
-        <p:spPr>
-          <a:xfrm>
-            <a:off x="5493710" y="3095953"/>
-            <a:ext cx="900974" cy="545632"/>
-          </a:xfrm>
-          <a:prstGeom prst="rect">
-            <a:avLst/>
-          </a:prstGeom>
-        </p:spPr>
-        <p:style>
-          <a:lnRef idx="2">
-            <a:schemeClr val="accent1">
-              <a:shade val="50000"/>
-            </a:schemeClr>
-          </a:lnRef>
-          <a:fillRef idx="1">
-            <a:schemeClr val="accent1"/>
-          </a:fillRef>
-          <a:effectRef idx="0">
-            <a:schemeClr val="accent1"/>
-          </a:effectRef>
-          <a:fontRef idx="minor">
-            <a:schemeClr val="lt1"/>
-          </a:fontRef>
-        </p:style>
-        <p:txBody>
-          <a:bodyPr rtlCol="0" anchor="ctr"/>
-          <a:lstStyle/>
-          <a:p>
-            <a:pPr algn="ctr"/>
-            <a:r>
-              <a:rPr lang="it-IT" sz="1000" b="1" dirty="0"/>
-              <a:t>infrastruttura</a:t>
-            </a:r>
-          </a:p>
-        </p:txBody>
-      </p:sp>
-      <p:sp>
-        <p:nvSpPr>
-          <p:cNvPr id="54" name="Saetta 53">
-            <a:extLst>
-              <a:ext uri="{FF2B5EF4-FFF2-40B4-BE49-F238E27FC236}">
-                <a16:creationId xmlns:a16="http://schemas.microsoft.com/office/drawing/2014/main" id="{BCCA62C1-23B1-6F49-8774-3A60C0F75B62}"/>
-              </a:ext>
-            </a:extLst>
-          </p:cNvPr>
-          <p:cNvSpPr/>
-          <p:nvPr/>
-        </p:nvSpPr>
-        <p:spPr>
-          <a:xfrm rot="20352147">
-            <a:off x="10818573" y="3070769"/>
-            <a:ext cx="718782" cy="770735"/>
-          </a:xfrm>
-          <a:prstGeom prst="lightningBolt">
-            <a:avLst/>
-          </a:prstGeom>
-          <a:solidFill>
-            <a:srgbClr val="FFFF00"/>
-          </a:solidFill>
-          <a:ln>
-            <a:solidFill>
-              <a:srgbClr val="FF0000"/>
-            </a:solidFill>
-          </a:ln>
-        </p:spPr>
-        <p:style>
-          <a:lnRef idx="2">
-            <a:schemeClr val="accent1">
-              <a:shade val="50000"/>
-            </a:schemeClr>
-          </a:lnRef>
-          <a:fillRef idx="1">
-            <a:schemeClr val="accent1"/>
-          </a:fillRef>
-          <a:effectRef idx="0">
-            <a:schemeClr val="accent1"/>
-          </a:effectRef>
-          <a:fontRef idx="minor">
-            <a:schemeClr val="lt1"/>
-          </a:fontRef>
-        </p:style>
-        <p:txBody>
-          <a:bodyPr rtlCol="0" anchor="ctr"/>
-          <a:lstStyle/>
-          <a:p>
-            <a:pPr algn="ctr"/>
-            <a:endParaRPr lang="it-IT"/>
-          </a:p>
-        </p:txBody>
-      </p:sp>
-      <p:sp>
-        <p:nvSpPr>
-          <p:cNvPr id="55" name="CasellaDiTesto 54">
-            <a:extLst>
-              <a:ext uri="{FF2B5EF4-FFF2-40B4-BE49-F238E27FC236}">
-                <a16:creationId xmlns:a16="http://schemas.microsoft.com/office/drawing/2014/main" id="{535552B8-F194-4648-A0F3-62205502F3ED}"/>
-              </a:ext>
-            </a:extLst>
-          </p:cNvPr>
-          <p:cNvSpPr txBox="1"/>
-          <p:nvPr/>
-        </p:nvSpPr>
-        <p:spPr>
-          <a:xfrm>
-            <a:off x="9979021" y="3631327"/>
-            <a:ext cx="1786854" cy="307777"/>
-          </a:xfrm>
-          <a:prstGeom prst="rect">
-            <a:avLst/>
-          </a:prstGeom>
-          <a:noFill/>
-        </p:spPr>
-        <p:txBody>
-          <a:bodyPr wrap="square" rtlCol="0">
-            <a:spAutoFit/>
-          </a:bodyPr>
-          <a:lstStyle/>
-          <a:p>
-            <a:r>
-              <a:rPr lang="it-IT" sz="1400" b="1" dirty="0">
-                <a:solidFill>
-                  <a:srgbClr val="FF0000"/>
-                </a:solidFill>
-              </a:rPr>
-              <a:t>Local_modelChanged</a:t>
-            </a:r>
-          </a:p>
-        </p:txBody>
-      </p:sp>
-      <p:sp>
-        <p:nvSpPr>
-          <p:cNvPr id="56" name="CasellaDiTesto 55">
-            <a:extLst>
-              <a:ext uri="{FF2B5EF4-FFF2-40B4-BE49-F238E27FC236}">
-                <a16:creationId xmlns:a16="http://schemas.microsoft.com/office/drawing/2014/main" id="{A6F585BA-D4BA-9C45-89A9-8D33402F3DF4}"/>
-              </a:ext>
-            </a:extLst>
-          </p:cNvPr>
-          <p:cNvSpPr txBox="1"/>
-          <p:nvPr/>
-        </p:nvSpPr>
-        <p:spPr>
-          <a:xfrm>
-            <a:off x="9606684" y="4924633"/>
-            <a:ext cx="770736" cy="307777"/>
-          </a:xfrm>
-          <a:prstGeom prst="rect">
-            <a:avLst/>
-          </a:prstGeom>
-          <a:noFill/>
-        </p:spPr>
-        <p:txBody>
-          <a:bodyPr wrap="square" rtlCol="0">
-            <a:spAutoFit/>
-          </a:bodyPr>
-          <a:lstStyle/>
-          <a:p>
-            <a:r>
-              <a:rPr lang="it-IT" sz="1400" b="1" dirty="0">
-                <a:solidFill>
-                  <a:srgbClr val="FF0000"/>
-                </a:solidFill>
-              </a:rPr>
-              <a:t>consult</a:t>
-            </a:r>
-          </a:p>
-        </p:txBody>
-      </p:sp>
-      <p:cxnSp>
-        <p:nvCxnSpPr>
-          <p:cNvPr id="57" name="Connettore a gomito 118">
-            <a:extLst>
-              <a:ext uri="{FF2B5EF4-FFF2-40B4-BE49-F238E27FC236}">
-                <a16:creationId xmlns:a16="http://schemas.microsoft.com/office/drawing/2014/main" id="{4975E435-DF7A-754D-9637-7C12367BC6C0}"/>
-              </a:ext>
-            </a:extLst>
-          </p:cNvPr>
-          <p:cNvCxnSpPr>
-            <a:cxnSpLocks/>
-            <a:stCxn id="31" idx="6"/>
-            <a:endCxn id="29" idx="1"/>
-          </p:cNvCxnSpPr>
-          <p:nvPr/>
-        </p:nvCxnSpPr>
-        <p:spPr>
-          <a:xfrm>
-            <a:off x="7710931" y="4421172"/>
-            <a:ext cx="1953804" cy="1435866"/>
-          </a:xfrm>
-          <a:prstGeom prst="bentConnector3">
-            <a:avLst>
-              <a:gd name="adj1" fmla="val 50000"/>
-            </a:avLst>
-          </a:prstGeom>
-          <a:ln>
-            <a:tailEnd type="triangle"/>
-          </a:ln>
-        </p:spPr>
-        <p:style>
-          <a:lnRef idx="1">
-            <a:schemeClr val="dk1"/>
-          </a:lnRef>
-          <a:fillRef idx="0">
-            <a:schemeClr val="dk1"/>
-          </a:fillRef>
-          <a:effectRef idx="0">
-            <a:schemeClr val="dk1"/>
-          </a:effectRef>
-          <a:fontRef idx="minor">
-            <a:schemeClr val="tx1"/>
-          </a:fontRef>
-        </p:style>
-      </p:cxnSp>
-      <p:sp>
-        <p:nvSpPr>
-          <p:cNvPr id="58" name="CasellaDiTesto 57">
-            <a:extLst>
-              <a:ext uri="{FF2B5EF4-FFF2-40B4-BE49-F238E27FC236}">
-                <a16:creationId xmlns:a16="http://schemas.microsoft.com/office/drawing/2014/main" id="{6CAFB880-AD91-9540-99A8-E316FD0E06B9}"/>
-              </a:ext>
-            </a:extLst>
-          </p:cNvPr>
-          <p:cNvSpPr txBox="1"/>
-          <p:nvPr/>
-        </p:nvSpPr>
-        <p:spPr>
-          <a:xfrm>
-            <a:off x="8575513" y="5838386"/>
-            <a:ext cx="939095" cy="307777"/>
-          </a:xfrm>
-          <a:prstGeom prst="rect">
-            <a:avLst/>
-          </a:prstGeom>
-          <a:noFill/>
-        </p:spPr>
-        <p:txBody>
-          <a:bodyPr wrap="square" rtlCol="0">
-            <a:spAutoFit/>
-          </a:bodyPr>
-          <a:lstStyle/>
-          <a:p>
-            <a:r>
-              <a:rPr lang="it-IT" sz="1400" b="1" dirty="0"/>
-              <a:t>updateKb</a:t>
-            </a:r>
-          </a:p>
-        </p:txBody>
-      </p:sp>
-      <p:cxnSp>
-        <p:nvCxnSpPr>
-          <p:cNvPr id="59" name="Connettore a gomito 125">
-            <a:extLst>
-              <a:ext uri="{FF2B5EF4-FFF2-40B4-BE49-F238E27FC236}">
-                <a16:creationId xmlns:a16="http://schemas.microsoft.com/office/drawing/2014/main" id="{78C40982-D897-A343-9634-F550DD0CCFAB}"/>
-              </a:ext>
-            </a:extLst>
-          </p:cNvPr>
-          <p:cNvCxnSpPr>
-            <a:cxnSpLocks/>
-            <a:stCxn id="7" idx="6"/>
-            <a:endCxn id="33" idx="1"/>
-          </p:cNvCxnSpPr>
-          <p:nvPr/>
-        </p:nvCxnSpPr>
-        <p:spPr>
-          <a:xfrm>
-            <a:off x="2810356" y="1916674"/>
-            <a:ext cx="3155372" cy="2460112"/>
-          </a:xfrm>
-          <a:prstGeom prst="bentConnector3">
-            <a:avLst>
-              <a:gd name="adj1" fmla="val 43828"/>
-            </a:avLst>
-          </a:prstGeom>
-          <a:ln>
-            <a:tailEnd type="triangle"/>
-          </a:ln>
-        </p:spPr>
-        <p:style>
-          <a:lnRef idx="1">
-            <a:schemeClr val="dk1"/>
-          </a:lnRef>
-          <a:fillRef idx="0">
-            <a:schemeClr val="dk1"/>
-          </a:fillRef>
-          <a:effectRef idx="0">
-            <a:schemeClr val="dk1"/>
-          </a:effectRef>
-          <a:fontRef idx="minor">
-            <a:schemeClr val="tx1"/>
-          </a:fontRef>
-        </p:style>
-      </p:cxnSp>
-      <p:sp>
-        <p:nvSpPr>
-          <p:cNvPr id="60" name="CasellaDiTesto 59">
-            <a:extLst>
-              <a:ext uri="{FF2B5EF4-FFF2-40B4-BE49-F238E27FC236}">
-                <a16:creationId xmlns:a16="http://schemas.microsoft.com/office/drawing/2014/main" id="{B711B339-4403-C342-9E86-4CED978E566F}"/>
-              </a:ext>
-            </a:extLst>
-          </p:cNvPr>
-          <p:cNvSpPr txBox="1"/>
-          <p:nvPr/>
-        </p:nvSpPr>
-        <p:spPr>
-          <a:xfrm>
-            <a:off x="4183126" y="2595240"/>
-            <a:ext cx="1053093" cy="738664"/>
-          </a:xfrm>
-          <a:prstGeom prst="rect">
-            <a:avLst/>
-          </a:prstGeom>
-          <a:noFill/>
-        </p:spPr>
-        <p:txBody>
-          <a:bodyPr wrap="square" rtlCol="0">
-            <a:spAutoFit/>
-          </a:bodyPr>
-          <a:lstStyle/>
-          <a:p>
-            <a:r>
-              <a:rPr lang="it-IT" sz="1400" b="1" dirty="0"/>
-              <a:t>prepare</a:t>
-            </a:r>
-          </a:p>
-          <a:p>
-            <a:r>
-              <a:rPr lang="it-IT" sz="1400" b="1" dirty="0"/>
-              <a:t>addFood</a:t>
-            </a:r>
-          </a:p>
-          <a:p>
-            <a:r>
-              <a:rPr lang="it-IT" sz="1400" b="1" dirty="0"/>
-              <a:t>clear</a:t>
-            </a:r>
-          </a:p>
-        </p:txBody>
-      </p:sp>
-      <p:sp>
-        <p:nvSpPr>
-          <p:cNvPr id="61" name="CasellaDiTesto 60">
-            <a:extLst>
-              <a:ext uri="{FF2B5EF4-FFF2-40B4-BE49-F238E27FC236}">
-                <a16:creationId xmlns:a16="http://schemas.microsoft.com/office/drawing/2014/main" id="{C58E3E50-F9D0-7540-B528-666092F470E1}"/>
-              </a:ext>
-            </a:extLst>
-          </p:cNvPr>
-          <p:cNvSpPr txBox="1"/>
-          <p:nvPr/>
-        </p:nvSpPr>
-        <p:spPr>
-          <a:xfrm>
-            <a:off x="8960522" y="4115457"/>
-            <a:ext cx="1053093" cy="307777"/>
-          </a:xfrm>
-          <a:prstGeom prst="rect">
-            <a:avLst/>
-          </a:prstGeom>
-          <a:noFill/>
-        </p:spPr>
-        <p:txBody>
-          <a:bodyPr wrap="square" rtlCol="0">
-            <a:spAutoFit/>
-          </a:bodyPr>
-          <a:lstStyle/>
-          <a:p>
-            <a:r>
-              <a:rPr lang="it-IT" sz="1400" b="1" dirty="0"/>
-              <a:t>warning</a:t>
-            </a:r>
-          </a:p>
-        </p:txBody>
-      </p:sp>
-      <p:cxnSp>
-        <p:nvCxnSpPr>
-          <p:cNvPr id="62" name="Connettore a gomito 151">
-            <a:extLst>
-              <a:ext uri="{FF2B5EF4-FFF2-40B4-BE49-F238E27FC236}">
-                <a16:creationId xmlns:a16="http://schemas.microsoft.com/office/drawing/2014/main" id="{DA343F00-D292-0F45-8898-A032BB8FC005}"/>
-              </a:ext>
-            </a:extLst>
-          </p:cNvPr>
-          <p:cNvCxnSpPr>
-            <a:cxnSpLocks/>
-            <a:stCxn id="31" idx="6"/>
-            <a:endCxn id="9" idx="0"/>
-          </p:cNvCxnSpPr>
-          <p:nvPr/>
-        </p:nvCxnSpPr>
-        <p:spPr>
-          <a:xfrm flipH="1" flipV="1">
-            <a:off x="1175385" y="1676979"/>
-            <a:ext cx="6535546" cy="2744193"/>
-          </a:xfrm>
-          <a:prstGeom prst="bentConnector4">
-            <a:avLst>
-              <a:gd name="adj1" fmla="val -65940"/>
-              <a:gd name="adj2" fmla="val 153375"/>
-            </a:avLst>
-          </a:prstGeom>
-          <a:ln>
-            <a:tailEnd type="triangle"/>
-          </a:ln>
-        </p:spPr>
-        <p:style>
-          <a:lnRef idx="1">
-            <a:schemeClr val="dk1"/>
-          </a:lnRef>
-          <a:fillRef idx="0">
-            <a:schemeClr val="dk1"/>
-          </a:fillRef>
-          <a:effectRef idx="0">
-            <a:schemeClr val="dk1"/>
-          </a:effectRef>
-          <a:fontRef idx="minor">
-            <a:schemeClr val="tx1"/>
-          </a:fontRef>
-        </p:style>
-      </p:cxnSp>
-      <p:sp>
-        <p:nvSpPr>
-          <p:cNvPr id="63" name="Saetta 62">
-            <a:extLst>
-              <a:ext uri="{FF2B5EF4-FFF2-40B4-BE49-F238E27FC236}">
-                <a16:creationId xmlns:a16="http://schemas.microsoft.com/office/drawing/2014/main" id="{C72421FC-33CA-A140-84D8-9A6053A3B3FA}"/>
-              </a:ext>
-            </a:extLst>
-          </p:cNvPr>
-          <p:cNvSpPr/>
-          <p:nvPr/>
-        </p:nvSpPr>
-        <p:spPr>
-          <a:xfrm rot="20767378">
-            <a:off x="4913698" y="717290"/>
-            <a:ext cx="744912" cy="793486"/>
-          </a:xfrm>
-          <a:prstGeom prst="lightningBolt">
-            <a:avLst/>
-          </a:prstGeom>
-          <a:solidFill>
-            <a:srgbClr val="FFFF00"/>
-          </a:solidFill>
-          <a:ln>
-            <a:solidFill>
-              <a:srgbClr val="FF0000"/>
-            </a:solidFill>
-          </a:ln>
-        </p:spPr>
-        <p:style>
-          <a:lnRef idx="2">
-            <a:schemeClr val="accent1">
-              <a:shade val="50000"/>
-            </a:schemeClr>
-          </a:lnRef>
-          <a:fillRef idx="1">
-            <a:schemeClr val="accent1"/>
-          </a:fillRef>
-          <a:effectRef idx="0">
-            <a:schemeClr val="accent1"/>
-          </a:effectRef>
-          <a:fontRef idx="minor">
-            <a:schemeClr val="lt1"/>
-          </a:fontRef>
-        </p:style>
-        <p:txBody>
-          <a:bodyPr rtlCol="0" anchor="ctr"/>
-          <a:lstStyle/>
-          <a:p>
-            <a:pPr algn="ctr"/>
-            <a:endParaRPr lang="it-IT" dirty="0"/>
-          </a:p>
-        </p:txBody>
-      </p:sp>
-      <p:sp>
-        <p:nvSpPr>
-          <p:cNvPr id="64" name="CasellaDiTesto 63">
-            <a:extLst>
-              <a:ext uri="{FF2B5EF4-FFF2-40B4-BE49-F238E27FC236}">
-                <a16:creationId xmlns:a16="http://schemas.microsoft.com/office/drawing/2014/main" id="{7C55D158-E84B-6D49-940B-00D715730722}"/>
-              </a:ext>
-            </a:extLst>
-          </p:cNvPr>
-          <p:cNvSpPr txBox="1"/>
-          <p:nvPr/>
-        </p:nvSpPr>
-        <p:spPr>
-          <a:xfrm>
-            <a:off x="3867615" y="432914"/>
-            <a:ext cx="1786854" cy="738664"/>
-          </a:xfrm>
-          <a:prstGeom prst="rect">
-            <a:avLst/>
-          </a:prstGeom>
-          <a:noFill/>
-        </p:spPr>
-        <p:txBody>
-          <a:bodyPr wrap="square" rtlCol="0">
-            <a:spAutoFit/>
-          </a:bodyPr>
-          <a:lstStyle/>
-          <a:p>
-            <a:r>
-              <a:rPr lang="it-IT" sz="1400" b="1" dirty="0">
-                <a:solidFill>
-                  <a:srgbClr val="FF0000"/>
-                </a:solidFill>
-              </a:rPr>
-              <a:t>Local_modelChanged</a:t>
-            </a:r>
-          </a:p>
-          <a:p>
-            <a:r>
-              <a:rPr lang="it-IT" sz="1400" b="1" dirty="0">
-                <a:solidFill>
-                  <a:srgbClr val="FF0000"/>
-                </a:solidFill>
-              </a:rPr>
-              <a:t>envCond</a:t>
-            </a:r>
-          </a:p>
-          <a:p>
-            <a:r>
-              <a:rPr lang="it-IT" sz="1400" b="1" dirty="0">
-                <a:solidFill>
-                  <a:srgbClr val="FF0000"/>
-                </a:solidFill>
-              </a:rPr>
-              <a:t>sonarRobot</a:t>
-            </a:r>
-          </a:p>
-        </p:txBody>
-      </p:sp>
-      <p:sp>
-        <p:nvSpPr>
-          <p:cNvPr id="65" name="CasellaDiTesto 64">
-            <a:extLst>
-              <a:ext uri="{FF2B5EF4-FFF2-40B4-BE49-F238E27FC236}">
-                <a16:creationId xmlns:a16="http://schemas.microsoft.com/office/drawing/2014/main" id="{24FF4B57-3795-F14B-A4BB-85EBC43C2FA2}"/>
-              </a:ext>
-            </a:extLst>
-          </p:cNvPr>
-          <p:cNvSpPr txBox="1"/>
-          <p:nvPr/>
-        </p:nvSpPr>
-        <p:spPr>
-          <a:xfrm>
-            <a:off x="6509455" y="3037413"/>
-            <a:ext cx="1786854" cy="307777"/>
-          </a:xfrm>
-          <a:prstGeom prst="rect">
-            <a:avLst/>
-          </a:prstGeom>
-          <a:noFill/>
-        </p:spPr>
-        <p:txBody>
-          <a:bodyPr wrap="square" rtlCol="0">
-            <a:spAutoFit/>
-          </a:bodyPr>
-          <a:lstStyle/>
-          <a:p>
-            <a:r>
-              <a:rPr lang="it-IT" sz="1400" b="1" dirty="0"/>
-              <a:t>modelChange</a:t>
-            </a:r>
-          </a:p>
-        </p:txBody>
-      </p:sp>
-      <p:sp>
-        <p:nvSpPr>
-          <p:cNvPr id="66" name="Saetta 65">
-            <a:extLst>
-              <a:ext uri="{FF2B5EF4-FFF2-40B4-BE49-F238E27FC236}">
-                <a16:creationId xmlns:a16="http://schemas.microsoft.com/office/drawing/2014/main" id="{4544060D-B471-374C-9BE0-33C7D21E62E1}"/>
-              </a:ext>
-            </a:extLst>
-          </p:cNvPr>
-          <p:cNvSpPr/>
-          <p:nvPr/>
-        </p:nvSpPr>
-        <p:spPr>
-          <a:xfrm rot="20767378">
-            <a:off x="9238998" y="5036001"/>
-            <a:ext cx="744912" cy="793486"/>
-          </a:xfrm>
-          <a:prstGeom prst="lightningBolt">
-            <a:avLst/>
-          </a:prstGeom>
-          <a:solidFill>
-            <a:srgbClr val="FFFF00"/>
-          </a:solidFill>
-          <a:ln>
-            <a:solidFill>
-              <a:srgbClr val="FF0000"/>
-            </a:solidFill>
-          </a:ln>
-        </p:spPr>
-        <p:style>
-          <a:lnRef idx="2">
-            <a:schemeClr val="accent1">
-              <a:shade val="50000"/>
-            </a:schemeClr>
-          </a:lnRef>
-          <a:fillRef idx="1">
-            <a:schemeClr val="accent1"/>
-          </a:fillRef>
-          <a:effectRef idx="0">
-            <a:schemeClr val="accent1"/>
-          </a:effectRef>
-          <a:fontRef idx="minor">
-            <a:schemeClr val="lt1"/>
-          </a:fontRef>
-        </p:style>
-        <p:txBody>
-          <a:bodyPr rtlCol="0" anchor="ctr"/>
-          <a:lstStyle/>
-          <a:p>
-            <a:pPr algn="ctr"/>
-            <a:endParaRPr lang="it-IT" dirty="0"/>
-          </a:p>
-        </p:txBody>
-      </p:sp>
-    </p:spTree>
-    <p:extLst>
-      <p:ext uri="{BB962C8B-B14F-4D97-AF65-F5344CB8AC3E}">
-        <p14:creationId xmlns:p14="http://schemas.microsoft.com/office/powerpoint/2010/main" val="3077877187"/>
-      </p:ext>
-    </p:extLst>
-  </p:cSld>
-  <p:clrMapOvr>
-    <a:masterClrMapping/>
-  </p:clrMapOvr>
-</p:sld>
-</file>
-
-<file path=ppt/slides/slide3.xml><?xml version="1.0" encoding="utf-8"?>
 <p:sld xmlns:a="http://schemas.openxmlformats.org/drawingml/2006/main" xmlns:r="http://schemas.openxmlformats.org/officeDocument/2006/relationships" xmlns:p="http://schemas.openxmlformats.org/presentationml/2006/main">
   <p:cSld>
     <p:spTree>
@@ -12691,7 +6645,7 @@
 </p:sld>
 </file>
 
-<file path=ppt/slides/slide4.xml><?xml version="1.0" encoding="utf-8"?>
+<file path=ppt/slides/slide2.xml><?xml version="1.0" encoding="utf-8"?>
 <p:sld xmlns:a="http://schemas.openxmlformats.org/drawingml/2006/main" xmlns:r="http://schemas.openxmlformats.org/officeDocument/2006/relationships" xmlns:p="http://schemas.openxmlformats.org/presentationml/2006/main">
   <p:cSld>
     <p:spTree>
@@ -12722,7 +6676,7 @@
         </p:nvSpPr>
         <p:spPr>
           <a:xfrm>
-            <a:off x="458372" y="498675"/>
+            <a:off x="458372" y="525124"/>
             <a:ext cx="11339750" cy="6148634"/>
           </a:xfrm>
           <a:prstGeom prst="roundRect">
@@ -12795,7 +6749,7 @@
         </p:nvSpPr>
         <p:spPr>
           <a:xfrm>
-            <a:off x="4954126" y="463969"/>
+            <a:off x="4734205" y="521844"/>
             <a:ext cx="2736376" cy="399496"/>
           </a:xfrm>
           <a:prstGeom prst="rect">
@@ -12842,7 +6796,7 @@
         </p:nvGrpSpPr>
         <p:grpSpPr>
           <a:xfrm>
-            <a:off x="3473429" y="1250925"/>
+            <a:off x="3022012" y="1250925"/>
             <a:ext cx="1745203" cy="967667"/>
             <a:chOff x="6736343" y="1517255"/>
             <a:chExt cx="1745203" cy="967667"/>
@@ -13891,13 +7845,15 @@
           <p:nvPr/>
         </p:nvCxnSpPr>
         <p:spPr>
-          <a:xfrm flipV="1">
-            <a:off x="3062582" y="1690373"/>
-            <a:ext cx="410847" cy="2302360"/>
-          </a:xfrm>
-          <a:prstGeom prst="bentConnector3">
+          <a:xfrm flipH="1" flipV="1">
+            <a:off x="3022012" y="1690373"/>
+            <a:ext cx="40570" cy="2302360"/>
+          </a:xfrm>
+          <a:prstGeom prst="bentConnector5">
             <a:avLst>
-              <a:gd name="adj1" fmla="val 3632"/>
+              <a:gd name="adj1" fmla="val -563471"/>
+              <a:gd name="adj2" fmla="val 56266"/>
+              <a:gd name="adj3" fmla="val 663471"/>
             </a:avLst>
           </a:prstGeom>
           <a:ln>
@@ -14216,8 +8172,8 @@
         </p:nvSpPr>
         <p:spPr>
           <a:xfrm>
-            <a:off x="10102200" y="3265215"/>
-            <a:ext cx="1786854" cy="307777"/>
+            <a:off x="10189334" y="3329230"/>
+            <a:ext cx="1786854" cy="738664"/>
           </a:xfrm>
           <a:prstGeom prst="rect">
             <a:avLst/>
@@ -14231,13 +8187,48 @@
           <a:lstStyle/>
           <a:p>
             <a:r>
-              <a:rPr lang="it-IT" sz="1400" b="1" dirty="0">
+              <a:rPr lang="it-IT" sz="1400" b="1" dirty="0" err="1">
+                <a:solidFill>
+                  <a:srgbClr val="FF0000"/>
+                </a:solidFill>
+              </a:rPr>
+              <a:t>modelChanged</a:t>
+            </a:r>
+            <a:endParaRPr lang="it-IT" sz="1400" b="1" dirty="0">
+              <a:solidFill>
+                <a:srgbClr val="FF0000"/>
+              </a:solidFill>
+            </a:endParaRPr>
+          </a:p>
+          <a:p>
+            <a:r>
+              <a:rPr lang="it-IT" sz="1400" b="1" dirty="0" err="1">
+                <a:solidFill>
+                  <a:srgbClr val="FF0000"/>
+                </a:solidFill>
+              </a:rPr>
+              <a:t>modelContent</a:t>
+            </a:r>
+            <a:endParaRPr lang="it-IT" sz="1400" b="1" dirty="0">
+              <a:solidFill>
+                <a:srgbClr val="FF0000"/>
+              </a:solidFill>
+            </a:endParaRPr>
+          </a:p>
+          <a:p>
+            <a:r>
+              <a:rPr lang="it-IT" sz="1400" b="1" dirty="0" err="1">
                 <a:solidFill>
                   <a:srgbClr val="FF0000"/>
                 </a:solidFill>
               </a:rPr>
               <a:t>Local_modelChanged</a:t>
             </a:r>
+            <a:endParaRPr lang="it-IT" sz="1400" b="1" dirty="0">
+              <a:solidFill>
+                <a:srgbClr val="FF0000"/>
+              </a:solidFill>
+            </a:endParaRPr>
           </a:p>
         </p:txBody>
       </p:sp>
@@ -14550,14 +8541,12 @@
           </p:cNvPr>
           <p:cNvCxnSpPr>
             <a:cxnSpLocks/>
-            <a:stCxn id="27" idx="6"/>
-            <a:endCxn id="25" idx="1"/>
           </p:cNvCxnSpPr>
           <p:nvPr/>
         </p:nvCxnSpPr>
         <p:spPr>
           <a:xfrm flipV="1">
-            <a:off x="7808958" y="2727746"/>
+            <a:off x="7777196" y="2733639"/>
             <a:ext cx="984854" cy="2560798"/>
           </a:xfrm>
           <a:prstGeom prst="bentConnector3">
@@ -14615,123 +8604,6 @@
             <a:r>
               <a:rPr lang="it-IT" sz="1400" b="1" dirty="0"/>
               <a:t>modelChange</a:t>
-            </a:r>
-          </a:p>
-        </p:txBody>
-      </p:sp>
-      <p:cxnSp>
-        <p:nvCxnSpPr>
-          <p:cNvPr id="103" name="Connettore a gomito 102">
-            <a:extLst>
-              <a:ext uri="{FF2B5EF4-FFF2-40B4-BE49-F238E27FC236}">
-                <a16:creationId xmlns:a16="http://schemas.microsoft.com/office/drawing/2014/main" id="{054AB73F-F0D0-472E-8155-D4627F879E4C}"/>
-              </a:ext>
-            </a:extLst>
-          </p:cNvPr>
-          <p:cNvCxnSpPr>
-            <a:cxnSpLocks/>
-            <a:stCxn id="27" idx="6"/>
-            <a:endCxn id="15" idx="1"/>
-          </p:cNvCxnSpPr>
-          <p:nvPr/>
-        </p:nvCxnSpPr>
-        <p:spPr>
-          <a:xfrm flipH="1" flipV="1">
-            <a:off x="3473429" y="1690373"/>
-            <a:ext cx="4335529" cy="3598171"/>
-          </a:xfrm>
-          <a:prstGeom prst="bentConnector5">
-            <a:avLst>
-              <a:gd name="adj1" fmla="val -35374"/>
-              <a:gd name="adj2" fmla="val -24697"/>
-              <a:gd name="adj3" fmla="val 160151"/>
-            </a:avLst>
-          </a:prstGeom>
-          <a:ln>
-            <a:tailEnd type="triangle"/>
-          </a:ln>
-        </p:spPr>
-        <p:style>
-          <a:lnRef idx="1">
-            <a:schemeClr val="dk1"/>
-          </a:lnRef>
-          <a:fillRef idx="0">
-            <a:schemeClr val="dk1"/>
-          </a:fillRef>
-          <a:effectRef idx="0">
-            <a:schemeClr val="dk1"/>
-          </a:effectRef>
-          <a:fontRef idx="minor">
-            <a:schemeClr val="tx1"/>
-          </a:fontRef>
-        </p:style>
-      </p:cxnSp>
-      <p:sp>
-        <p:nvSpPr>
-          <p:cNvPr id="116" name="CasellaDiTesto 115">
-            <a:extLst>
-              <a:ext uri="{FF2B5EF4-FFF2-40B4-BE49-F238E27FC236}">
-                <a16:creationId xmlns:a16="http://schemas.microsoft.com/office/drawing/2014/main" id="{51E28F7E-53EF-4344-856E-5B70EB088B5A}"/>
-              </a:ext>
-            </a:extLst>
-          </p:cNvPr>
-          <p:cNvSpPr txBox="1"/>
-          <p:nvPr/>
-        </p:nvSpPr>
-        <p:spPr>
-          <a:xfrm>
-            <a:off x="1859216" y="1406118"/>
-            <a:ext cx="1786854" cy="307777"/>
-          </a:xfrm>
-          <a:prstGeom prst="rect">
-            <a:avLst/>
-          </a:prstGeom>
-          <a:noFill/>
-        </p:spPr>
-        <p:txBody>
-          <a:bodyPr wrap="square" rtlCol="0">
-            <a:spAutoFit/>
-          </a:bodyPr>
-          <a:lstStyle/>
-          <a:p>
-            <a:r>
-              <a:rPr lang="it-IT" sz="1400" b="1" dirty="0"/>
-              <a:t>robotCmd</a:t>
-            </a:r>
-          </a:p>
-        </p:txBody>
-      </p:sp>
-      <p:sp>
-        <p:nvSpPr>
-          <p:cNvPr id="117" name="CasellaDiTesto 116">
-            <a:extLst>
-              <a:ext uri="{FF2B5EF4-FFF2-40B4-BE49-F238E27FC236}">
-                <a16:creationId xmlns:a16="http://schemas.microsoft.com/office/drawing/2014/main" id="{2A82C1E3-2AFA-47F6-910B-325C0BBCF6A6}"/>
-              </a:ext>
-            </a:extLst>
-          </p:cNvPr>
-          <p:cNvSpPr txBox="1"/>
-          <p:nvPr/>
-        </p:nvSpPr>
-        <p:spPr>
-          <a:xfrm>
-            <a:off x="9371754" y="5618488"/>
-            <a:ext cx="1786854" cy="307777"/>
-          </a:xfrm>
-          <a:prstGeom prst="rect">
-            <a:avLst/>
-          </a:prstGeom>
-          <a:noFill/>
-        </p:spPr>
-        <p:txBody>
-          <a:bodyPr wrap="square" rtlCol="0">
-            <a:spAutoFit/>
-          </a:bodyPr>
-          <a:lstStyle/>
-          <a:p>
-            <a:r>
-              <a:rPr lang="it-IT" sz="1400" b="1" dirty="0"/>
-              <a:t>robotCmd</a:t>
             </a:r>
           </a:p>
         </p:txBody>
@@ -14819,13 +8691,18 @@
           <a:lstStyle/>
           <a:p>
             <a:r>
-              <a:rPr lang="it-IT" sz="1400" b="1" dirty="0">
+              <a:rPr lang="it-IT" sz="1400" b="1" dirty="0" err="1">
                 <a:solidFill>
                   <a:srgbClr val="FF0000"/>
                 </a:solidFill>
               </a:rPr>
-              <a:t>sonarRobot</a:t>
-            </a:r>
+              <a:t>obstacle</a:t>
+            </a:r>
+            <a:endParaRPr lang="it-IT" sz="1400" b="1" dirty="0">
+              <a:solidFill>
+                <a:srgbClr val="FF0000"/>
+              </a:solidFill>
+            </a:endParaRPr>
           </a:p>
         </p:txBody>
       </p:sp>
@@ -14888,7 +8765,7 @@
         </p:nvSpPr>
         <p:spPr>
           <a:xfrm>
-            <a:off x="4602540" y="2818488"/>
+            <a:off x="4724003" y="2890390"/>
             <a:ext cx="797270" cy="307777"/>
           </a:xfrm>
           <a:prstGeom prst="rect">
@@ -14907,6 +8784,345 @@
               <a:t>oneStep</a:t>
             </a:r>
             <a:endParaRPr lang="it-IT" sz="1400" b="1" dirty="0"/>
+          </a:p>
+        </p:txBody>
+      </p:sp>
+      <p:sp>
+        <p:nvSpPr>
+          <p:cNvPr id="44" name="Saetta 43">
+            <a:extLst>
+              <a:ext uri="{FF2B5EF4-FFF2-40B4-BE49-F238E27FC236}">
+                <a16:creationId xmlns:a16="http://schemas.microsoft.com/office/drawing/2014/main" id="{9D21B309-1C7D-9243-BE14-97B19C56F42F}"/>
+              </a:ext>
+            </a:extLst>
+          </p:cNvPr>
+          <p:cNvSpPr/>
+          <p:nvPr/>
+        </p:nvSpPr>
+        <p:spPr>
+          <a:xfrm flipH="1" flipV="1">
+            <a:off x="1345217" y="3958765"/>
+            <a:ext cx="718782" cy="770735"/>
+          </a:xfrm>
+          <a:prstGeom prst="lightningBolt">
+            <a:avLst/>
+          </a:prstGeom>
+          <a:solidFill>
+            <a:srgbClr val="FFFF00"/>
+          </a:solidFill>
+          <a:ln>
+            <a:solidFill>
+              <a:srgbClr val="FF0000"/>
+            </a:solidFill>
+          </a:ln>
+        </p:spPr>
+        <p:style>
+          <a:lnRef idx="2">
+            <a:schemeClr val="accent1">
+              <a:shade val="50000"/>
+            </a:schemeClr>
+          </a:lnRef>
+          <a:fillRef idx="1">
+            <a:schemeClr val="accent1"/>
+          </a:fillRef>
+          <a:effectRef idx="0">
+            <a:schemeClr val="accent1"/>
+          </a:effectRef>
+          <a:fontRef idx="minor">
+            <a:schemeClr val="lt1"/>
+          </a:fontRef>
+        </p:style>
+        <p:txBody>
+          <a:bodyPr rtlCol="0" anchor="ctr"/>
+          <a:lstStyle/>
+          <a:p>
+            <a:pPr algn="ctr"/>
+            <a:endParaRPr lang="it-IT"/>
+          </a:p>
+        </p:txBody>
+      </p:sp>
+      <p:sp>
+        <p:nvSpPr>
+          <p:cNvPr id="45" name="CasellaDiTesto 44">
+            <a:extLst>
+              <a:ext uri="{FF2B5EF4-FFF2-40B4-BE49-F238E27FC236}">
+                <a16:creationId xmlns:a16="http://schemas.microsoft.com/office/drawing/2014/main" id="{EE3D1683-5987-9E4B-9F26-8F8426C30B4B}"/>
+              </a:ext>
+            </a:extLst>
+          </p:cNvPr>
+          <p:cNvSpPr txBox="1"/>
+          <p:nvPr/>
+        </p:nvSpPr>
+        <p:spPr>
+          <a:xfrm>
+            <a:off x="1707619" y="4635879"/>
+            <a:ext cx="1786854" cy="738664"/>
+          </a:xfrm>
+          <a:prstGeom prst="rect">
+            <a:avLst/>
+          </a:prstGeom>
+          <a:noFill/>
+        </p:spPr>
+        <p:txBody>
+          <a:bodyPr wrap="square" rtlCol="0">
+            <a:spAutoFit/>
+          </a:bodyPr>
+          <a:lstStyle/>
+          <a:p>
+            <a:r>
+              <a:rPr lang="it-IT" sz="1400" b="1" dirty="0" err="1">
+                <a:solidFill>
+                  <a:srgbClr val="FF0000"/>
+                </a:solidFill>
+              </a:rPr>
+              <a:t>envCond</a:t>
+            </a:r>
+            <a:endParaRPr lang="it-IT" sz="1400" b="1" dirty="0">
+              <a:solidFill>
+                <a:srgbClr val="FF0000"/>
+              </a:solidFill>
+            </a:endParaRPr>
+          </a:p>
+          <a:p>
+            <a:r>
+              <a:rPr lang="it-IT" sz="1400" b="1" dirty="0" err="1">
+                <a:solidFill>
+                  <a:srgbClr val="FF0000"/>
+                </a:solidFill>
+              </a:rPr>
+              <a:t>sonarRobot</a:t>
+            </a:r>
+            <a:endParaRPr lang="it-IT" sz="1400" b="1" dirty="0">
+              <a:solidFill>
+                <a:srgbClr val="FF0000"/>
+              </a:solidFill>
+            </a:endParaRPr>
+          </a:p>
+          <a:p>
+            <a:r>
+              <a:rPr lang="it-IT" sz="1400" b="1" dirty="0" err="1">
+                <a:solidFill>
+                  <a:srgbClr val="FF0000"/>
+                </a:solidFill>
+              </a:rPr>
+              <a:t>Local_modelChanged</a:t>
+            </a:r>
+            <a:endParaRPr lang="it-IT" sz="1400" b="1" dirty="0">
+              <a:solidFill>
+                <a:srgbClr val="FF0000"/>
+              </a:solidFill>
+            </a:endParaRPr>
+          </a:p>
+        </p:txBody>
+      </p:sp>
+      <p:sp>
+        <p:nvSpPr>
+          <p:cNvPr id="46" name="Saetta 45">
+            <a:extLst>
+              <a:ext uri="{FF2B5EF4-FFF2-40B4-BE49-F238E27FC236}">
+                <a16:creationId xmlns:a16="http://schemas.microsoft.com/office/drawing/2014/main" id="{4AEB9BD5-043B-384E-AD8D-9B4FE8C139A8}"/>
+              </a:ext>
+            </a:extLst>
+          </p:cNvPr>
+          <p:cNvSpPr/>
+          <p:nvPr/>
+        </p:nvSpPr>
+        <p:spPr>
+          <a:xfrm>
+            <a:off x="2565167" y="919637"/>
+            <a:ext cx="718782" cy="770735"/>
+          </a:xfrm>
+          <a:prstGeom prst="lightningBolt">
+            <a:avLst/>
+          </a:prstGeom>
+          <a:solidFill>
+            <a:srgbClr val="FFFF00"/>
+          </a:solidFill>
+          <a:ln>
+            <a:solidFill>
+              <a:srgbClr val="FF0000"/>
+            </a:solidFill>
+          </a:ln>
+        </p:spPr>
+        <p:style>
+          <a:lnRef idx="2">
+            <a:schemeClr val="accent1">
+              <a:shade val="50000"/>
+            </a:schemeClr>
+          </a:lnRef>
+          <a:fillRef idx="1">
+            <a:schemeClr val="accent1"/>
+          </a:fillRef>
+          <a:effectRef idx="0">
+            <a:schemeClr val="accent1"/>
+          </a:effectRef>
+          <a:fontRef idx="minor">
+            <a:schemeClr val="lt1"/>
+          </a:fontRef>
+        </p:style>
+        <p:txBody>
+          <a:bodyPr rtlCol="0" anchor="ctr"/>
+          <a:lstStyle/>
+          <a:p>
+            <a:pPr algn="ctr"/>
+            <a:endParaRPr lang="it-IT"/>
+          </a:p>
+        </p:txBody>
+      </p:sp>
+      <p:sp>
+        <p:nvSpPr>
+          <p:cNvPr id="47" name="CasellaDiTesto 46">
+            <a:extLst>
+              <a:ext uri="{FF2B5EF4-FFF2-40B4-BE49-F238E27FC236}">
+                <a16:creationId xmlns:a16="http://schemas.microsoft.com/office/drawing/2014/main" id="{5F350197-184A-C04D-AF4D-2E807DA2C50B}"/>
+              </a:ext>
+            </a:extLst>
+          </p:cNvPr>
+          <p:cNvSpPr txBox="1"/>
+          <p:nvPr/>
+        </p:nvSpPr>
+        <p:spPr>
+          <a:xfrm>
+            <a:off x="2886847" y="856206"/>
+            <a:ext cx="1786854" cy="307777"/>
+          </a:xfrm>
+          <a:prstGeom prst="rect">
+            <a:avLst/>
+          </a:prstGeom>
+          <a:noFill/>
+        </p:spPr>
+        <p:txBody>
+          <a:bodyPr wrap="square" rtlCol="0">
+            <a:spAutoFit/>
+          </a:bodyPr>
+          <a:lstStyle/>
+          <a:p>
+            <a:r>
+              <a:rPr lang="it-IT" sz="1400" b="1" dirty="0" err="1">
+                <a:solidFill>
+                  <a:srgbClr val="FF0000"/>
+                </a:solidFill>
+              </a:rPr>
+              <a:t>sonarData</a:t>
+            </a:r>
+            <a:endParaRPr lang="it-IT" sz="1400" b="1" dirty="0">
+              <a:solidFill>
+                <a:srgbClr val="FF0000"/>
+              </a:solidFill>
+            </a:endParaRPr>
+          </a:p>
+        </p:txBody>
+      </p:sp>
+      <p:sp>
+        <p:nvSpPr>
+          <p:cNvPr id="50" name="Saetta 49">
+            <a:extLst>
+              <a:ext uri="{FF2B5EF4-FFF2-40B4-BE49-F238E27FC236}">
+                <a16:creationId xmlns:a16="http://schemas.microsoft.com/office/drawing/2014/main" id="{B26D93DB-4B88-A34B-B7CF-F96F6096E397}"/>
+              </a:ext>
+            </a:extLst>
+          </p:cNvPr>
+          <p:cNvSpPr/>
+          <p:nvPr/>
+        </p:nvSpPr>
+        <p:spPr>
+          <a:xfrm>
+            <a:off x="4487816" y="1666681"/>
+            <a:ext cx="718782" cy="770735"/>
+          </a:xfrm>
+          <a:prstGeom prst="lightningBolt">
+            <a:avLst/>
+          </a:prstGeom>
+          <a:solidFill>
+            <a:srgbClr val="FFFF00"/>
+          </a:solidFill>
+          <a:ln>
+            <a:solidFill>
+              <a:srgbClr val="FF0000"/>
+            </a:solidFill>
+          </a:ln>
+        </p:spPr>
+        <p:style>
+          <a:lnRef idx="2">
+            <a:schemeClr val="accent1">
+              <a:shade val="50000"/>
+            </a:schemeClr>
+          </a:lnRef>
+          <a:fillRef idx="1">
+            <a:schemeClr val="accent1"/>
+          </a:fillRef>
+          <a:effectRef idx="0">
+            <a:schemeClr val="accent1"/>
+          </a:effectRef>
+          <a:fontRef idx="minor">
+            <a:schemeClr val="lt1"/>
+          </a:fontRef>
+        </p:style>
+        <p:txBody>
+          <a:bodyPr rtlCol="0" anchor="ctr"/>
+          <a:lstStyle/>
+          <a:p>
+            <a:pPr algn="ctr"/>
+            <a:endParaRPr lang="it-IT"/>
+          </a:p>
+        </p:txBody>
+      </p:sp>
+      <p:sp>
+        <p:nvSpPr>
+          <p:cNvPr id="51" name="CasellaDiTesto 50">
+            <a:extLst>
+              <a:ext uri="{FF2B5EF4-FFF2-40B4-BE49-F238E27FC236}">
+                <a16:creationId xmlns:a16="http://schemas.microsoft.com/office/drawing/2014/main" id="{EDD4A81C-FC08-6C48-AEC2-EE94392206EA}"/>
+              </a:ext>
+            </a:extLst>
+          </p:cNvPr>
+          <p:cNvSpPr txBox="1"/>
+          <p:nvPr/>
+        </p:nvSpPr>
+        <p:spPr>
+          <a:xfrm>
+            <a:off x="4352470" y="2140210"/>
+            <a:ext cx="1102901" cy="523220"/>
+          </a:xfrm>
+          <a:prstGeom prst="rect">
+            <a:avLst/>
+          </a:prstGeom>
+          <a:noFill/>
+        </p:spPr>
+        <p:txBody>
+          <a:bodyPr wrap="square" rtlCol="0">
+            <a:spAutoFit/>
+          </a:bodyPr>
+          <a:lstStyle/>
+          <a:p>
+            <a:r>
+              <a:rPr lang="it-IT" sz="1400" b="1" dirty="0" err="1">
+                <a:solidFill>
+                  <a:srgbClr val="FF0000"/>
+                </a:solidFill>
+              </a:rPr>
+              <a:t>polar</a:t>
+            </a:r>
+            <a:endParaRPr lang="it-IT" sz="1400" b="1" dirty="0">
+              <a:solidFill>
+                <a:srgbClr val="FF0000"/>
+              </a:solidFill>
+            </a:endParaRPr>
+          </a:p>
+          <a:p>
+            <a:r>
+              <a:rPr lang="it-IT" sz="1400" b="1" dirty="0" err="1">
+                <a:solidFill>
+                  <a:srgbClr val="FF0000"/>
+                </a:solidFill>
+              </a:rPr>
+              <a:t>sonarRobot</a:t>
+            </a:r>
+            <a:endParaRPr lang="it-IT" sz="1400" b="1" dirty="0">
+              <a:solidFill>
+                <a:srgbClr val="FF0000"/>
+              </a:solidFill>
+            </a:endParaRPr>
           </a:p>
         </p:txBody>
       </p:sp>
